--- a/excel/Táblázatkezelés.pptx
+++ b/excel/Táblázatkezelés.pptx
@@ -5,7 +5,7 @@
     <p:sldMasterId id="2147483659" r:id="rId1"/>
   </p:sldMasterIdLst>
   <p:notesMasterIdLst>
-    <p:notesMasterId r:id="rId43"/>
+    <p:notesMasterId r:id="rId46"/>
   </p:notesMasterIdLst>
   <p:sldIdLst>
     <p:sldId id="256" r:id="rId2"/>
@@ -24,46 +24,49 @@
     <p:sldId id="269" r:id="rId15"/>
     <p:sldId id="282" r:id="rId16"/>
     <p:sldId id="283" r:id="rId17"/>
-    <p:sldId id="284" r:id="rId18"/>
-    <p:sldId id="285" r:id="rId19"/>
+    <p:sldId id="285" r:id="rId18"/>
+    <p:sldId id="284" r:id="rId19"/>
     <p:sldId id="286" r:id="rId20"/>
     <p:sldId id="287" r:id="rId21"/>
-    <p:sldId id="288" r:id="rId22"/>
-    <p:sldId id="289" r:id="rId23"/>
-    <p:sldId id="290" r:id="rId24"/>
-    <p:sldId id="293" r:id="rId25"/>
-    <p:sldId id="291" r:id="rId26"/>
-    <p:sldId id="294" r:id="rId27"/>
-    <p:sldId id="295" r:id="rId28"/>
-    <p:sldId id="296" r:id="rId29"/>
-    <p:sldId id="292" r:id="rId30"/>
-    <p:sldId id="270" r:id="rId31"/>
-    <p:sldId id="271" r:id="rId32"/>
-    <p:sldId id="272" r:id="rId33"/>
-    <p:sldId id="273" r:id="rId34"/>
-    <p:sldId id="274" r:id="rId35"/>
-    <p:sldId id="275" r:id="rId36"/>
-    <p:sldId id="276" r:id="rId37"/>
-    <p:sldId id="277" r:id="rId38"/>
-    <p:sldId id="278" r:id="rId39"/>
-    <p:sldId id="279" r:id="rId40"/>
-    <p:sldId id="280" r:id="rId41"/>
-    <p:sldId id="281" r:id="rId42"/>
+    <p:sldId id="297" r:id="rId22"/>
+    <p:sldId id="298" r:id="rId23"/>
+    <p:sldId id="288" r:id="rId24"/>
+    <p:sldId id="289" r:id="rId25"/>
+    <p:sldId id="290" r:id="rId26"/>
+    <p:sldId id="293" r:id="rId27"/>
+    <p:sldId id="291" r:id="rId28"/>
+    <p:sldId id="295" r:id="rId29"/>
+    <p:sldId id="294" r:id="rId30"/>
+    <p:sldId id="299" r:id="rId31"/>
+    <p:sldId id="296" r:id="rId32"/>
+    <p:sldId id="292" r:id="rId33"/>
+    <p:sldId id="270" r:id="rId34"/>
+    <p:sldId id="271" r:id="rId35"/>
+    <p:sldId id="272" r:id="rId36"/>
+    <p:sldId id="273" r:id="rId37"/>
+    <p:sldId id="274" r:id="rId38"/>
+    <p:sldId id="275" r:id="rId39"/>
+    <p:sldId id="276" r:id="rId40"/>
+    <p:sldId id="277" r:id="rId41"/>
+    <p:sldId id="278" r:id="rId42"/>
+    <p:sldId id="279" r:id="rId43"/>
+    <p:sldId id="280" r:id="rId44"/>
+    <p:sldId id="281" r:id="rId45"/>
   </p:sldIdLst>
   <p:sldSz cx="9144000" cy="5143500" type="screen16x9"/>
   <p:notesSz cx="6858000" cy="9144000"/>
   <p:embeddedFontLst>
     <p:embeddedFont>
       <p:font typeface="Open Sans" panose="020B0606030504020204" pitchFamily="34" charset="0"/>
-      <p:regular r:id="rId44"/>
-      <p:bold r:id="rId45"/>
-      <p:italic r:id="rId46"/>
-      <p:boldItalic r:id="rId47"/>
+      <p:regular r:id="rId47"/>
+      <p:bold r:id="rId48"/>
+      <p:italic r:id="rId49"/>
+      <p:boldItalic r:id="rId50"/>
     </p:embeddedFont>
     <p:embeddedFont>
       <p:font typeface="PT Sans Narrow" panose="020B0506020203020204" pitchFamily="34" charset="0"/>
-      <p:regular r:id="rId48"/>
-      <p:bold r:id="rId49"/>
+      <p:regular r:id="rId51"/>
+      <p:bold r:id="rId52"/>
     </p:embeddedFont>
   </p:embeddedFontLst>
   <p:defaultTextStyle>
@@ -1387,6 +1390,133 @@
         <p:cNvPr id="1" name="Shape 147">
           <a:extLst>
             <a:ext uri="{FF2B5EF4-FFF2-40B4-BE49-F238E27FC236}">
+              <a16:creationId xmlns:a16="http://schemas.microsoft.com/office/drawing/2014/main" id="{C7A2672C-CA9D-35A0-D0E1-CBE599AE8429}"/>
+            </a:ext>
+          </a:extLst>
+        </p:cNvPr>
+        <p:cNvGrpSpPr/>
+        <p:nvPr/>
+      </p:nvGrpSpPr>
+      <p:grpSpPr>
+        <a:xfrm>
+          <a:off x="0" y="0"/>
+          <a:ext cx="0" cy="0"/>
+          <a:chOff x="0" y="0"/>
+          <a:chExt cx="0" cy="0"/>
+        </a:xfrm>
+      </p:grpSpPr>
+      <p:sp>
+        <p:nvSpPr>
+          <p:cNvPr id="148" name="Google Shape;148;g3250b6bc16f_0_198:notes">
+            <a:extLst>
+              <a:ext uri="{FF2B5EF4-FFF2-40B4-BE49-F238E27FC236}">
+                <a16:creationId xmlns:a16="http://schemas.microsoft.com/office/drawing/2014/main" id="{268F28B3-559E-1898-DED3-3087D70B0CAF}"/>
+              </a:ext>
+            </a:extLst>
+          </p:cNvPr>
+          <p:cNvSpPr>
+            <a:spLocks noGrp="1" noRot="1" noChangeAspect="1"/>
+          </p:cNvSpPr>
+          <p:nvPr>
+            <p:ph type="sldImg" idx="2"/>
+          </p:nvPr>
+        </p:nvSpPr>
+        <p:spPr>
+          <a:xfrm>
+            <a:off x="381000" y="685800"/>
+            <a:ext cx="6096000" cy="3429000"/>
+          </a:xfrm>
+          <a:custGeom>
+            <a:avLst/>
+            <a:gdLst/>
+            <a:ahLst/>
+            <a:cxnLst/>
+            <a:rect l="l" t="t" r="r" b="b"/>
+            <a:pathLst>
+              <a:path w="120000" h="120000" extrusionOk="0">
+                <a:moveTo>
+                  <a:pt x="0" y="0"/>
+                </a:moveTo>
+                <a:lnTo>
+                  <a:pt x="120000" y="0"/>
+                </a:lnTo>
+                <a:lnTo>
+                  <a:pt x="120000" y="120000"/>
+                </a:lnTo>
+                <a:lnTo>
+                  <a:pt x="0" y="120000"/>
+                </a:lnTo>
+                <a:close/>
+              </a:path>
+            </a:pathLst>
+          </a:custGeom>
+        </p:spPr>
+      </p:sp>
+      <p:sp>
+        <p:nvSpPr>
+          <p:cNvPr id="149" name="Google Shape;149;g3250b6bc16f_0_198:notes">
+            <a:extLst>
+              <a:ext uri="{FF2B5EF4-FFF2-40B4-BE49-F238E27FC236}">
+                <a16:creationId xmlns:a16="http://schemas.microsoft.com/office/drawing/2014/main" id="{C97D61A5-D995-8868-F69D-7B38605B11AF}"/>
+              </a:ext>
+            </a:extLst>
+          </p:cNvPr>
+          <p:cNvSpPr txBox="1">
+            <a:spLocks noGrp="1"/>
+          </p:cNvSpPr>
+          <p:nvPr>
+            <p:ph type="body" idx="1"/>
+          </p:nvPr>
+        </p:nvSpPr>
+        <p:spPr>
+          <a:xfrm>
+            <a:off x="685800" y="4343400"/>
+            <a:ext cx="5486400" cy="4114800"/>
+          </a:xfrm>
+          <a:prstGeom prst="rect">
+            <a:avLst/>
+          </a:prstGeom>
+        </p:spPr>
+        <p:txBody>
+          <a:bodyPr spcFirstLastPara="1" wrap="square" lIns="91425" tIns="91425" rIns="91425" bIns="91425" anchor="t" anchorCtr="0">
+            <a:noAutofit/>
+          </a:bodyPr>
+          <a:lstStyle/>
+          <a:p>
+            <a:pPr marL="0" lvl="0" indent="0" algn="l" rtl="0">
+              <a:spcBef>
+                <a:spcPts val="0"/>
+              </a:spcBef>
+              <a:spcAft>
+                <a:spcPts val="0"/>
+              </a:spcAft>
+              <a:buNone/>
+            </a:pPr>
+            <a:endParaRPr/>
+          </a:p>
+        </p:txBody>
+      </p:sp>
+    </p:spTree>
+    <p:extLst>
+      <p:ext uri="{BB962C8B-B14F-4D97-AF65-F5344CB8AC3E}">
+        <p14:creationId xmlns:p14="http://schemas.microsoft.com/office/powerpoint/2010/main" val="2238813291"/>
+      </p:ext>
+    </p:extLst>
+  </p:cSld>
+  <p:clrMapOvr>
+    <a:masterClrMapping/>
+  </p:clrMapOvr>
+</p:notes>
+</file>
+
+<file path=ppt/notesSlides/notesSlide16.xml><?xml version="1.0" encoding="utf-8"?>
+<p:notes xmlns:a="http://schemas.openxmlformats.org/drawingml/2006/main" xmlns:r="http://schemas.openxmlformats.org/officeDocument/2006/relationships" xmlns:p="http://schemas.openxmlformats.org/presentationml/2006/main" showMasterSp="0" showMasterPhAnim="0">
+  <p:cSld>
+    <p:spTree>
+      <p:nvGrpSpPr>
+        <p:cNvPr id="1" name="Shape 147">
+          <a:extLst>
+            <a:ext uri="{FF2B5EF4-FFF2-40B4-BE49-F238E27FC236}">
               <a16:creationId xmlns:a16="http://schemas.microsoft.com/office/drawing/2014/main" id="{E760B457-70C8-903A-5B19-368DC0098175}"/>
             </a:ext>
           </a:extLst>
@@ -1497,133 +1627,6 @@
     <p:extLst>
       <p:ext uri="{BB962C8B-B14F-4D97-AF65-F5344CB8AC3E}">
         <p14:creationId xmlns:p14="http://schemas.microsoft.com/office/powerpoint/2010/main" val="3335036375"/>
-      </p:ext>
-    </p:extLst>
-  </p:cSld>
-  <p:clrMapOvr>
-    <a:masterClrMapping/>
-  </p:clrMapOvr>
-</p:notes>
-</file>
-
-<file path=ppt/notesSlides/notesSlide16.xml><?xml version="1.0" encoding="utf-8"?>
-<p:notes xmlns:a="http://schemas.openxmlformats.org/drawingml/2006/main" xmlns:r="http://schemas.openxmlformats.org/officeDocument/2006/relationships" xmlns:p="http://schemas.openxmlformats.org/presentationml/2006/main" showMasterSp="0" showMasterPhAnim="0">
-  <p:cSld>
-    <p:spTree>
-      <p:nvGrpSpPr>
-        <p:cNvPr id="1" name="Shape 147">
-          <a:extLst>
-            <a:ext uri="{FF2B5EF4-FFF2-40B4-BE49-F238E27FC236}">
-              <a16:creationId xmlns:a16="http://schemas.microsoft.com/office/drawing/2014/main" id="{C7A2672C-CA9D-35A0-D0E1-CBE599AE8429}"/>
-            </a:ext>
-          </a:extLst>
-        </p:cNvPr>
-        <p:cNvGrpSpPr/>
-        <p:nvPr/>
-      </p:nvGrpSpPr>
-      <p:grpSpPr>
-        <a:xfrm>
-          <a:off x="0" y="0"/>
-          <a:ext cx="0" cy="0"/>
-          <a:chOff x="0" y="0"/>
-          <a:chExt cx="0" cy="0"/>
-        </a:xfrm>
-      </p:grpSpPr>
-      <p:sp>
-        <p:nvSpPr>
-          <p:cNvPr id="148" name="Google Shape;148;g3250b6bc16f_0_198:notes">
-            <a:extLst>
-              <a:ext uri="{FF2B5EF4-FFF2-40B4-BE49-F238E27FC236}">
-                <a16:creationId xmlns:a16="http://schemas.microsoft.com/office/drawing/2014/main" id="{268F28B3-559E-1898-DED3-3087D70B0CAF}"/>
-              </a:ext>
-            </a:extLst>
-          </p:cNvPr>
-          <p:cNvSpPr>
-            <a:spLocks noGrp="1" noRot="1" noChangeAspect="1"/>
-          </p:cNvSpPr>
-          <p:nvPr>
-            <p:ph type="sldImg" idx="2"/>
-          </p:nvPr>
-        </p:nvSpPr>
-        <p:spPr>
-          <a:xfrm>
-            <a:off x="381000" y="685800"/>
-            <a:ext cx="6096000" cy="3429000"/>
-          </a:xfrm>
-          <a:custGeom>
-            <a:avLst/>
-            <a:gdLst/>
-            <a:ahLst/>
-            <a:cxnLst/>
-            <a:rect l="l" t="t" r="r" b="b"/>
-            <a:pathLst>
-              <a:path w="120000" h="120000" extrusionOk="0">
-                <a:moveTo>
-                  <a:pt x="0" y="0"/>
-                </a:moveTo>
-                <a:lnTo>
-                  <a:pt x="120000" y="0"/>
-                </a:lnTo>
-                <a:lnTo>
-                  <a:pt x="120000" y="120000"/>
-                </a:lnTo>
-                <a:lnTo>
-                  <a:pt x="0" y="120000"/>
-                </a:lnTo>
-                <a:close/>
-              </a:path>
-            </a:pathLst>
-          </a:custGeom>
-        </p:spPr>
-      </p:sp>
-      <p:sp>
-        <p:nvSpPr>
-          <p:cNvPr id="149" name="Google Shape;149;g3250b6bc16f_0_198:notes">
-            <a:extLst>
-              <a:ext uri="{FF2B5EF4-FFF2-40B4-BE49-F238E27FC236}">
-                <a16:creationId xmlns:a16="http://schemas.microsoft.com/office/drawing/2014/main" id="{C97D61A5-D995-8868-F69D-7B38605B11AF}"/>
-              </a:ext>
-            </a:extLst>
-          </p:cNvPr>
-          <p:cNvSpPr txBox="1">
-            <a:spLocks noGrp="1"/>
-          </p:cNvSpPr>
-          <p:nvPr>
-            <p:ph type="body" idx="1"/>
-          </p:nvPr>
-        </p:nvSpPr>
-        <p:spPr>
-          <a:xfrm>
-            <a:off x="685800" y="4343400"/>
-            <a:ext cx="5486400" cy="4114800"/>
-          </a:xfrm>
-          <a:prstGeom prst="rect">
-            <a:avLst/>
-          </a:prstGeom>
-        </p:spPr>
-        <p:txBody>
-          <a:bodyPr spcFirstLastPara="1" wrap="square" lIns="91425" tIns="91425" rIns="91425" bIns="91425" anchor="t" anchorCtr="0">
-            <a:noAutofit/>
-          </a:bodyPr>
-          <a:lstStyle/>
-          <a:p>
-            <a:pPr marL="0" lvl="0" indent="0" algn="l" rtl="0">
-              <a:spcBef>
-                <a:spcPts val="0"/>
-              </a:spcBef>
-              <a:spcAft>
-                <a:spcPts val="0"/>
-              </a:spcAft>
-              <a:buNone/>
-            </a:pPr>
-            <a:endParaRPr/>
-          </a:p>
-        </p:txBody>
-      </p:sp>
-    </p:spTree>
-    <p:extLst>
-      <p:ext uri="{BB962C8B-B14F-4D97-AF65-F5344CB8AC3E}">
-        <p14:creationId xmlns:p14="http://schemas.microsoft.com/office/powerpoint/2010/main" val="2238813291"/>
       </p:ext>
     </p:extLst>
   </p:cSld>
@@ -1895,7 +1898,7 @@
         <p:cNvPr id="1" name="Shape 147">
           <a:extLst>
             <a:ext uri="{FF2B5EF4-FFF2-40B4-BE49-F238E27FC236}">
-              <a16:creationId xmlns:a16="http://schemas.microsoft.com/office/drawing/2014/main" id="{12687B0D-F5CD-F28F-E4FB-9EB807BA7DB2}"/>
+              <a16:creationId xmlns:a16="http://schemas.microsoft.com/office/drawing/2014/main" id="{3BBCE5D1-C2CD-AE1D-7265-BCCC1158804D}"/>
             </a:ext>
           </a:extLst>
         </p:cNvPr>
@@ -1915,7 +1918,7 @@
           <p:cNvPr id="148" name="Google Shape;148;g3250b6bc16f_0_198:notes">
             <a:extLst>
               <a:ext uri="{FF2B5EF4-FFF2-40B4-BE49-F238E27FC236}">
-                <a16:creationId xmlns:a16="http://schemas.microsoft.com/office/drawing/2014/main" id="{701265E6-5EE6-9087-EAC5-EA0D841FBBBA}"/>
+                <a16:creationId xmlns:a16="http://schemas.microsoft.com/office/drawing/2014/main" id="{89755422-D543-7C3F-9620-BD52041485C7}"/>
               </a:ext>
             </a:extLst>
           </p:cNvPr>
@@ -1962,7 +1965,7 @@
           <p:cNvPr id="149" name="Google Shape;149;g3250b6bc16f_0_198:notes">
             <a:extLst>
               <a:ext uri="{FF2B5EF4-FFF2-40B4-BE49-F238E27FC236}">
-                <a16:creationId xmlns:a16="http://schemas.microsoft.com/office/drawing/2014/main" id="{8D6DAE1B-A27D-C425-5BA9-F142BF6E46FD}"/>
+                <a16:creationId xmlns:a16="http://schemas.microsoft.com/office/drawing/2014/main" id="{9CE01E8D-01B8-1512-4BA3-95E30741FD89}"/>
               </a:ext>
             </a:extLst>
           </p:cNvPr>
@@ -2004,7 +2007,7 @@
     </p:spTree>
     <p:extLst>
       <p:ext uri="{BB962C8B-B14F-4D97-AF65-F5344CB8AC3E}">
-        <p14:creationId xmlns:p14="http://schemas.microsoft.com/office/powerpoint/2010/main" val="2692155972"/>
+        <p14:creationId xmlns:p14="http://schemas.microsoft.com/office/powerpoint/2010/main" val="454204700"/>
       </p:ext>
     </p:extLst>
   </p:cSld>
@@ -2119,6 +2122,260 @@
 </file>
 
 <file path=ppt/notesSlides/notesSlide20.xml><?xml version="1.0" encoding="utf-8"?>
+<p:notes xmlns:a="http://schemas.openxmlformats.org/drawingml/2006/main" xmlns:r="http://schemas.openxmlformats.org/officeDocument/2006/relationships" xmlns:p="http://schemas.openxmlformats.org/presentationml/2006/main" showMasterSp="0" showMasterPhAnim="0">
+  <p:cSld>
+    <p:spTree>
+      <p:nvGrpSpPr>
+        <p:cNvPr id="1" name="Shape 147">
+          <a:extLst>
+            <a:ext uri="{FF2B5EF4-FFF2-40B4-BE49-F238E27FC236}">
+              <a16:creationId xmlns:a16="http://schemas.microsoft.com/office/drawing/2014/main" id="{3F7D9A17-3EAC-5CA6-1394-66EBFA87C840}"/>
+            </a:ext>
+          </a:extLst>
+        </p:cNvPr>
+        <p:cNvGrpSpPr/>
+        <p:nvPr/>
+      </p:nvGrpSpPr>
+      <p:grpSpPr>
+        <a:xfrm>
+          <a:off x="0" y="0"/>
+          <a:ext cx="0" cy="0"/>
+          <a:chOff x="0" y="0"/>
+          <a:chExt cx="0" cy="0"/>
+        </a:xfrm>
+      </p:grpSpPr>
+      <p:sp>
+        <p:nvSpPr>
+          <p:cNvPr id="148" name="Google Shape;148;g3250b6bc16f_0_198:notes">
+            <a:extLst>
+              <a:ext uri="{FF2B5EF4-FFF2-40B4-BE49-F238E27FC236}">
+                <a16:creationId xmlns:a16="http://schemas.microsoft.com/office/drawing/2014/main" id="{B9ABF342-2772-B3A9-3EAE-715D28D324DE}"/>
+              </a:ext>
+            </a:extLst>
+          </p:cNvPr>
+          <p:cNvSpPr>
+            <a:spLocks noGrp="1" noRot="1" noChangeAspect="1"/>
+          </p:cNvSpPr>
+          <p:nvPr>
+            <p:ph type="sldImg" idx="2"/>
+          </p:nvPr>
+        </p:nvSpPr>
+        <p:spPr>
+          <a:xfrm>
+            <a:off x="381000" y="685800"/>
+            <a:ext cx="6096000" cy="3429000"/>
+          </a:xfrm>
+          <a:custGeom>
+            <a:avLst/>
+            <a:gdLst/>
+            <a:ahLst/>
+            <a:cxnLst/>
+            <a:rect l="l" t="t" r="r" b="b"/>
+            <a:pathLst>
+              <a:path w="120000" h="120000" extrusionOk="0">
+                <a:moveTo>
+                  <a:pt x="0" y="0"/>
+                </a:moveTo>
+                <a:lnTo>
+                  <a:pt x="120000" y="0"/>
+                </a:lnTo>
+                <a:lnTo>
+                  <a:pt x="120000" y="120000"/>
+                </a:lnTo>
+                <a:lnTo>
+                  <a:pt x="0" y="120000"/>
+                </a:lnTo>
+                <a:close/>
+              </a:path>
+            </a:pathLst>
+          </a:custGeom>
+        </p:spPr>
+      </p:sp>
+      <p:sp>
+        <p:nvSpPr>
+          <p:cNvPr id="149" name="Google Shape;149;g3250b6bc16f_0_198:notes">
+            <a:extLst>
+              <a:ext uri="{FF2B5EF4-FFF2-40B4-BE49-F238E27FC236}">
+                <a16:creationId xmlns:a16="http://schemas.microsoft.com/office/drawing/2014/main" id="{B2B7CEEC-2529-E99D-25EF-644703309F17}"/>
+              </a:ext>
+            </a:extLst>
+          </p:cNvPr>
+          <p:cNvSpPr txBox="1">
+            <a:spLocks noGrp="1"/>
+          </p:cNvSpPr>
+          <p:nvPr>
+            <p:ph type="body" idx="1"/>
+          </p:nvPr>
+        </p:nvSpPr>
+        <p:spPr>
+          <a:xfrm>
+            <a:off x="685800" y="4343400"/>
+            <a:ext cx="5486400" cy="4114800"/>
+          </a:xfrm>
+          <a:prstGeom prst="rect">
+            <a:avLst/>
+          </a:prstGeom>
+        </p:spPr>
+        <p:txBody>
+          <a:bodyPr spcFirstLastPara="1" wrap="square" lIns="91425" tIns="91425" rIns="91425" bIns="91425" anchor="t" anchorCtr="0">
+            <a:noAutofit/>
+          </a:bodyPr>
+          <a:lstStyle/>
+          <a:p>
+            <a:pPr marL="0" lvl="0" indent="0" algn="l" rtl="0">
+              <a:spcBef>
+                <a:spcPts val="0"/>
+              </a:spcBef>
+              <a:spcAft>
+                <a:spcPts val="0"/>
+              </a:spcAft>
+              <a:buNone/>
+            </a:pPr>
+            <a:endParaRPr/>
+          </a:p>
+        </p:txBody>
+      </p:sp>
+    </p:spTree>
+    <p:extLst>
+      <p:ext uri="{BB962C8B-B14F-4D97-AF65-F5344CB8AC3E}">
+        <p14:creationId xmlns:p14="http://schemas.microsoft.com/office/powerpoint/2010/main" val="1625516552"/>
+      </p:ext>
+    </p:extLst>
+  </p:cSld>
+  <p:clrMapOvr>
+    <a:masterClrMapping/>
+  </p:clrMapOvr>
+</p:notes>
+</file>
+
+<file path=ppt/notesSlides/notesSlide21.xml><?xml version="1.0" encoding="utf-8"?>
+<p:notes xmlns:a="http://schemas.openxmlformats.org/drawingml/2006/main" xmlns:r="http://schemas.openxmlformats.org/officeDocument/2006/relationships" xmlns:p="http://schemas.openxmlformats.org/presentationml/2006/main" showMasterSp="0" showMasterPhAnim="0">
+  <p:cSld>
+    <p:spTree>
+      <p:nvGrpSpPr>
+        <p:cNvPr id="1" name="Shape 147">
+          <a:extLst>
+            <a:ext uri="{FF2B5EF4-FFF2-40B4-BE49-F238E27FC236}">
+              <a16:creationId xmlns:a16="http://schemas.microsoft.com/office/drawing/2014/main" id="{12687B0D-F5CD-F28F-E4FB-9EB807BA7DB2}"/>
+            </a:ext>
+          </a:extLst>
+        </p:cNvPr>
+        <p:cNvGrpSpPr/>
+        <p:nvPr/>
+      </p:nvGrpSpPr>
+      <p:grpSpPr>
+        <a:xfrm>
+          <a:off x="0" y="0"/>
+          <a:ext cx="0" cy="0"/>
+          <a:chOff x="0" y="0"/>
+          <a:chExt cx="0" cy="0"/>
+        </a:xfrm>
+      </p:grpSpPr>
+      <p:sp>
+        <p:nvSpPr>
+          <p:cNvPr id="148" name="Google Shape;148;g3250b6bc16f_0_198:notes">
+            <a:extLst>
+              <a:ext uri="{FF2B5EF4-FFF2-40B4-BE49-F238E27FC236}">
+                <a16:creationId xmlns:a16="http://schemas.microsoft.com/office/drawing/2014/main" id="{701265E6-5EE6-9087-EAC5-EA0D841FBBBA}"/>
+              </a:ext>
+            </a:extLst>
+          </p:cNvPr>
+          <p:cNvSpPr>
+            <a:spLocks noGrp="1" noRot="1" noChangeAspect="1"/>
+          </p:cNvSpPr>
+          <p:nvPr>
+            <p:ph type="sldImg" idx="2"/>
+          </p:nvPr>
+        </p:nvSpPr>
+        <p:spPr>
+          <a:xfrm>
+            <a:off x="381000" y="685800"/>
+            <a:ext cx="6096000" cy="3429000"/>
+          </a:xfrm>
+          <a:custGeom>
+            <a:avLst/>
+            <a:gdLst/>
+            <a:ahLst/>
+            <a:cxnLst/>
+            <a:rect l="l" t="t" r="r" b="b"/>
+            <a:pathLst>
+              <a:path w="120000" h="120000" extrusionOk="0">
+                <a:moveTo>
+                  <a:pt x="0" y="0"/>
+                </a:moveTo>
+                <a:lnTo>
+                  <a:pt x="120000" y="0"/>
+                </a:lnTo>
+                <a:lnTo>
+                  <a:pt x="120000" y="120000"/>
+                </a:lnTo>
+                <a:lnTo>
+                  <a:pt x="0" y="120000"/>
+                </a:lnTo>
+                <a:close/>
+              </a:path>
+            </a:pathLst>
+          </a:custGeom>
+        </p:spPr>
+      </p:sp>
+      <p:sp>
+        <p:nvSpPr>
+          <p:cNvPr id="149" name="Google Shape;149;g3250b6bc16f_0_198:notes">
+            <a:extLst>
+              <a:ext uri="{FF2B5EF4-FFF2-40B4-BE49-F238E27FC236}">
+                <a16:creationId xmlns:a16="http://schemas.microsoft.com/office/drawing/2014/main" id="{8D6DAE1B-A27D-C425-5BA9-F142BF6E46FD}"/>
+              </a:ext>
+            </a:extLst>
+          </p:cNvPr>
+          <p:cNvSpPr txBox="1">
+            <a:spLocks noGrp="1"/>
+          </p:cNvSpPr>
+          <p:nvPr>
+            <p:ph type="body" idx="1"/>
+          </p:nvPr>
+        </p:nvSpPr>
+        <p:spPr>
+          <a:xfrm>
+            <a:off x="685800" y="4343400"/>
+            <a:ext cx="5486400" cy="4114800"/>
+          </a:xfrm>
+          <a:prstGeom prst="rect">
+            <a:avLst/>
+          </a:prstGeom>
+        </p:spPr>
+        <p:txBody>
+          <a:bodyPr spcFirstLastPara="1" wrap="square" lIns="91425" tIns="91425" rIns="91425" bIns="91425" anchor="t" anchorCtr="0">
+            <a:noAutofit/>
+          </a:bodyPr>
+          <a:lstStyle/>
+          <a:p>
+            <a:pPr marL="0" lvl="0" indent="0" algn="l" rtl="0">
+              <a:spcBef>
+                <a:spcPts val="0"/>
+              </a:spcBef>
+              <a:spcAft>
+                <a:spcPts val="0"/>
+              </a:spcAft>
+              <a:buNone/>
+            </a:pPr>
+            <a:endParaRPr/>
+          </a:p>
+        </p:txBody>
+      </p:sp>
+    </p:spTree>
+    <p:extLst>
+      <p:ext uri="{BB962C8B-B14F-4D97-AF65-F5344CB8AC3E}">
+        <p14:creationId xmlns:p14="http://schemas.microsoft.com/office/powerpoint/2010/main" val="2692155972"/>
+      </p:ext>
+    </p:extLst>
+  </p:cSld>
+  <p:clrMapOvr>
+    <a:masterClrMapping/>
+  </p:clrMapOvr>
+</p:notes>
+</file>
+
+<file path=ppt/notesSlides/notesSlide22.xml><?xml version="1.0" encoding="utf-8"?>
 <p:notes xmlns:a="http://schemas.openxmlformats.org/drawingml/2006/main" xmlns:r="http://schemas.openxmlformats.org/officeDocument/2006/relationships" xmlns:p="http://schemas.openxmlformats.org/presentationml/2006/main" showMasterSp="0" showMasterPhAnim="0">
   <p:cSld>
     <p:spTree>
@@ -2245,7 +2502,7 @@
 </p:notes>
 </file>
 
-<file path=ppt/notesSlides/notesSlide21.xml><?xml version="1.0" encoding="utf-8"?>
+<file path=ppt/notesSlides/notesSlide23.xml><?xml version="1.0" encoding="utf-8"?>
 <p:notes xmlns:a="http://schemas.openxmlformats.org/drawingml/2006/main" xmlns:r="http://schemas.openxmlformats.org/officeDocument/2006/relationships" xmlns:p="http://schemas.openxmlformats.org/presentationml/2006/main" showMasterSp="0" showMasterPhAnim="0">
   <p:cSld>
     <p:spTree>
@@ -2372,7 +2629,7 @@
 </p:notes>
 </file>
 
-<file path=ppt/notesSlides/notesSlide22.xml><?xml version="1.0" encoding="utf-8"?>
+<file path=ppt/notesSlides/notesSlide24.xml><?xml version="1.0" encoding="utf-8"?>
 <p:notes xmlns:a="http://schemas.openxmlformats.org/drawingml/2006/main" xmlns:r="http://schemas.openxmlformats.org/officeDocument/2006/relationships" xmlns:p="http://schemas.openxmlformats.org/presentationml/2006/main" showMasterSp="0" showMasterPhAnim="0">
   <p:cSld>
     <p:spTree>
@@ -2499,7 +2756,7 @@
 </p:notes>
 </file>
 
-<file path=ppt/notesSlides/notesSlide23.xml><?xml version="1.0" encoding="utf-8"?>
+<file path=ppt/notesSlides/notesSlide25.xml><?xml version="1.0" encoding="utf-8"?>
 <p:notes xmlns:a="http://schemas.openxmlformats.org/drawingml/2006/main" xmlns:r="http://schemas.openxmlformats.org/officeDocument/2006/relationships" xmlns:p="http://schemas.openxmlformats.org/presentationml/2006/main" showMasterSp="0" showMasterPhAnim="0">
   <p:cSld>
     <p:spTree>
@@ -2626,7 +2883,134 @@
 </p:notes>
 </file>
 
-<file path=ppt/notesSlides/notesSlide24.xml><?xml version="1.0" encoding="utf-8"?>
+<file path=ppt/notesSlides/notesSlide26.xml><?xml version="1.0" encoding="utf-8"?>
+<p:notes xmlns:a="http://schemas.openxmlformats.org/drawingml/2006/main" xmlns:r="http://schemas.openxmlformats.org/officeDocument/2006/relationships" xmlns:p="http://schemas.openxmlformats.org/presentationml/2006/main" showMasterSp="0" showMasterPhAnim="0">
+  <p:cSld>
+    <p:spTree>
+      <p:nvGrpSpPr>
+        <p:cNvPr id="1" name="Shape 147">
+          <a:extLst>
+            <a:ext uri="{FF2B5EF4-FFF2-40B4-BE49-F238E27FC236}">
+              <a16:creationId xmlns:a16="http://schemas.microsoft.com/office/drawing/2014/main" id="{27D23B04-22FD-F102-D3CC-FBC67D846758}"/>
+            </a:ext>
+          </a:extLst>
+        </p:cNvPr>
+        <p:cNvGrpSpPr/>
+        <p:nvPr/>
+      </p:nvGrpSpPr>
+      <p:grpSpPr>
+        <a:xfrm>
+          <a:off x="0" y="0"/>
+          <a:ext cx="0" cy="0"/>
+          <a:chOff x="0" y="0"/>
+          <a:chExt cx="0" cy="0"/>
+        </a:xfrm>
+      </p:grpSpPr>
+      <p:sp>
+        <p:nvSpPr>
+          <p:cNvPr id="148" name="Google Shape;148;g3250b6bc16f_0_198:notes">
+            <a:extLst>
+              <a:ext uri="{FF2B5EF4-FFF2-40B4-BE49-F238E27FC236}">
+                <a16:creationId xmlns:a16="http://schemas.microsoft.com/office/drawing/2014/main" id="{BC89B691-6A73-2C95-1724-2D2F275EDAC4}"/>
+              </a:ext>
+            </a:extLst>
+          </p:cNvPr>
+          <p:cNvSpPr>
+            <a:spLocks noGrp="1" noRot="1" noChangeAspect="1"/>
+          </p:cNvSpPr>
+          <p:nvPr>
+            <p:ph type="sldImg" idx="2"/>
+          </p:nvPr>
+        </p:nvSpPr>
+        <p:spPr>
+          <a:xfrm>
+            <a:off x="381000" y="685800"/>
+            <a:ext cx="6096000" cy="3429000"/>
+          </a:xfrm>
+          <a:custGeom>
+            <a:avLst/>
+            <a:gdLst/>
+            <a:ahLst/>
+            <a:cxnLst/>
+            <a:rect l="l" t="t" r="r" b="b"/>
+            <a:pathLst>
+              <a:path w="120000" h="120000" extrusionOk="0">
+                <a:moveTo>
+                  <a:pt x="0" y="0"/>
+                </a:moveTo>
+                <a:lnTo>
+                  <a:pt x="120000" y="0"/>
+                </a:lnTo>
+                <a:lnTo>
+                  <a:pt x="120000" y="120000"/>
+                </a:lnTo>
+                <a:lnTo>
+                  <a:pt x="0" y="120000"/>
+                </a:lnTo>
+                <a:close/>
+              </a:path>
+            </a:pathLst>
+          </a:custGeom>
+        </p:spPr>
+      </p:sp>
+      <p:sp>
+        <p:nvSpPr>
+          <p:cNvPr id="149" name="Google Shape;149;g3250b6bc16f_0_198:notes">
+            <a:extLst>
+              <a:ext uri="{FF2B5EF4-FFF2-40B4-BE49-F238E27FC236}">
+                <a16:creationId xmlns:a16="http://schemas.microsoft.com/office/drawing/2014/main" id="{548562D5-D896-BD3E-983A-086DDC09FE74}"/>
+              </a:ext>
+            </a:extLst>
+          </p:cNvPr>
+          <p:cNvSpPr txBox="1">
+            <a:spLocks noGrp="1"/>
+          </p:cNvSpPr>
+          <p:nvPr>
+            <p:ph type="body" idx="1"/>
+          </p:nvPr>
+        </p:nvSpPr>
+        <p:spPr>
+          <a:xfrm>
+            <a:off x="685800" y="4343400"/>
+            <a:ext cx="5486400" cy="4114800"/>
+          </a:xfrm>
+          <a:prstGeom prst="rect">
+            <a:avLst/>
+          </a:prstGeom>
+        </p:spPr>
+        <p:txBody>
+          <a:bodyPr spcFirstLastPara="1" wrap="square" lIns="91425" tIns="91425" rIns="91425" bIns="91425" anchor="t" anchorCtr="0">
+            <a:noAutofit/>
+          </a:bodyPr>
+          <a:lstStyle/>
+          <a:p>
+            <a:pPr marL="0" lvl="0" indent="0" algn="l" rtl="0">
+              <a:spcBef>
+                <a:spcPts val="0"/>
+              </a:spcBef>
+              <a:spcAft>
+                <a:spcPts val="0"/>
+              </a:spcAft>
+              <a:buNone/>
+            </a:pPr>
+            <a:endParaRPr/>
+          </a:p>
+        </p:txBody>
+      </p:sp>
+    </p:spTree>
+    <p:extLst>
+      <p:ext uri="{BB962C8B-B14F-4D97-AF65-F5344CB8AC3E}">
+        <p14:creationId xmlns:p14="http://schemas.microsoft.com/office/powerpoint/2010/main" val="2632148477"/>
+      </p:ext>
+    </p:extLst>
+  </p:cSld>
+  <p:clrMapOvr>
+    <a:masterClrMapping/>
+  </p:clrMapOvr>
+</p:notes>
+</file>
+
+<file path=ppt/notesSlides/notesSlide27.xml><?xml version="1.0" encoding="utf-8"?>
 <p:notes xmlns:a="http://schemas.openxmlformats.org/drawingml/2006/main" xmlns:r="http://schemas.openxmlformats.org/officeDocument/2006/relationships" xmlns:p="http://schemas.openxmlformats.org/presentationml/2006/main" showMasterSp="0" showMasterPhAnim="0">
   <p:cSld>
     <p:spTree>
@@ -2753,7 +3137,7 @@
 </p:notes>
 </file>
 
-<file path=ppt/notesSlides/notesSlide25.xml><?xml version="1.0" encoding="utf-8"?>
+<file path=ppt/notesSlides/notesSlide28.xml><?xml version="1.0" encoding="utf-8"?>
 <p:notes xmlns:a="http://schemas.openxmlformats.org/drawingml/2006/main" xmlns:r="http://schemas.openxmlformats.org/officeDocument/2006/relationships" xmlns:p="http://schemas.openxmlformats.org/presentationml/2006/main" showMasterSp="0" showMasterPhAnim="0">
   <p:cSld>
     <p:spTree>
@@ -2761,7 +3145,7 @@
         <p:cNvPr id="1" name="Shape 147">
           <a:extLst>
             <a:ext uri="{FF2B5EF4-FFF2-40B4-BE49-F238E27FC236}">
-              <a16:creationId xmlns:a16="http://schemas.microsoft.com/office/drawing/2014/main" id="{27D23B04-22FD-F102-D3CC-FBC67D846758}"/>
+              <a16:creationId xmlns:a16="http://schemas.microsoft.com/office/drawing/2014/main" id="{3207772C-D00A-382D-C9B7-383D4ED23D3A}"/>
             </a:ext>
           </a:extLst>
         </p:cNvPr>
@@ -2781,7 +3165,7 @@
           <p:cNvPr id="148" name="Google Shape;148;g3250b6bc16f_0_198:notes">
             <a:extLst>
               <a:ext uri="{FF2B5EF4-FFF2-40B4-BE49-F238E27FC236}">
-                <a16:creationId xmlns:a16="http://schemas.microsoft.com/office/drawing/2014/main" id="{BC89B691-6A73-2C95-1724-2D2F275EDAC4}"/>
+                <a16:creationId xmlns:a16="http://schemas.microsoft.com/office/drawing/2014/main" id="{E352B358-5127-8CE8-6ED5-7F081431DF42}"/>
               </a:ext>
             </a:extLst>
           </p:cNvPr>
@@ -2828,7 +3212,7 @@
           <p:cNvPr id="149" name="Google Shape;149;g3250b6bc16f_0_198:notes">
             <a:extLst>
               <a:ext uri="{FF2B5EF4-FFF2-40B4-BE49-F238E27FC236}">
-                <a16:creationId xmlns:a16="http://schemas.microsoft.com/office/drawing/2014/main" id="{548562D5-D896-BD3E-983A-086DDC09FE74}"/>
+                <a16:creationId xmlns:a16="http://schemas.microsoft.com/office/drawing/2014/main" id="{528AA371-1350-A715-7BA4-331605396B42}"/>
               </a:ext>
             </a:extLst>
           </p:cNvPr>
@@ -2870,7 +3254,7 @@
     </p:spTree>
     <p:extLst>
       <p:ext uri="{BB962C8B-B14F-4D97-AF65-F5344CB8AC3E}">
-        <p14:creationId xmlns:p14="http://schemas.microsoft.com/office/powerpoint/2010/main" val="2632148477"/>
+        <p14:creationId xmlns:p14="http://schemas.microsoft.com/office/powerpoint/2010/main" val="3733872890"/>
       </p:ext>
     </p:extLst>
   </p:cSld>
@@ -2880,7 +3264,7 @@
 </p:notes>
 </file>
 
-<file path=ppt/notesSlides/notesSlide26.xml><?xml version="1.0" encoding="utf-8"?>
+<file path=ppt/notesSlides/notesSlide29.xml><?xml version="1.0" encoding="utf-8"?>
 <p:notes xmlns:a="http://schemas.openxmlformats.org/drawingml/2006/main" xmlns:r="http://schemas.openxmlformats.org/officeDocument/2006/relationships" xmlns:p="http://schemas.openxmlformats.org/presentationml/2006/main" showMasterSp="0" showMasterPhAnim="0">
   <p:cSld>
     <p:spTree>
@@ -3007,7 +3391,111 @@
 </p:notes>
 </file>
 
-<file path=ppt/notesSlides/notesSlide27.xml><?xml version="1.0" encoding="utf-8"?>
+<file path=ppt/notesSlides/notesSlide3.xml><?xml version="1.0" encoding="utf-8"?>
+<p:notes xmlns:a="http://schemas.openxmlformats.org/drawingml/2006/main" xmlns:r="http://schemas.openxmlformats.org/officeDocument/2006/relationships" xmlns:p="http://schemas.openxmlformats.org/presentationml/2006/main" showMasterSp="0" showMasterPhAnim="0">
+  <p:cSld>
+    <p:spTree>
+      <p:nvGrpSpPr>
+        <p:cNvPr id="1" name="Shape 74"/>
+        <p:cNvGrpSpPr/>
+        <p:nvPr/>
+      </p:nvGrpSpPr>
+      <p:grpSpPr>
+        <a:xfrm>
+          <a:off x="0" y="0"/>
+          <a:ext cx="0" cy="0"/>
+          <a:chOff x="0" y="0"/>
+          <a:chExt cx="0" cy="0"/>
+        </a:xfrm>
+      </p:grpSpPr>
+      <p:sp>
+        <p:nvSpPr>
+          <p:cNvPr id="75" name="Google Shape;75;g3250b6bc16f_0_176:notes"/>
+          <p:cNvSpPr>
+            <a:spLocks noGrp="1" noRot="1" noChangeAspect="1"/>
+          </p:cNvSpPr>
+          <p:nvPr>
+            <p:ph type="sldImg" idx="2"/>
+          </p:nvPr>
+        </p:nvSpPr>
+        <p:spPr>
+          <a:xfrm>
+            <a:off x="381300" y="685800"/>
+            <a:ext cx="6096000" cy="3429000"/>
+          </a:xfrm>
+          <a:custGeom>
+            <a:avLst/>
+            <a:gdLst/>
+            <a:ahLst/>
+            <a:cxnLst/>
+            <a:rect l="l" t="t" r="r" b="b"/>
+            <a:pathLst>
+              <a:path w="120000" h="120000" extrusionOk="0">
+                <a:moveTo>
+                  <a:pt x="0" y="0"/>
+                </a:moveTo>
+                <a:lnTo>
+                  <a:pt x="120000" y="0"/>
+                </a:lnTo>
+                <a:lnTo>
+                  <a:pt x="120000" y="120000"/>
+                </a:lnTo>
+                <a:lnTo>
+                  <a:pt x="0" y="120000"/>
+                </a:lnTo>
+                <a:close/>
+              </a:path>
+            </a:pathLst>
+          </a:custGeom>
+        </p:spPr>
+      </p:sp>
+      <p:sp>
+        <p:nvSpPr>
+          <p:cNvPr id="76" name="Google Shape;76;g3250b6bc16f_0_176:notes"/>
+          <p:cNvSpPr txBox="1">
+            <a:spLocks noGrp="1"/>
+          </p:cNvSpPr>
+          <p:nvPr>
+            <p:ph type="body" idx="1"/>
+          </p:nvPr>
+        </p:nvSpPr>
+        <p:spPr>
+          <a:xfrm>
+            <a:off x="685800" y="4343400"/>
+            <a:ext cx="5486400" cy="4114800"/>
+          </a:xfrm>
+          <a:prstGeom prst="rect">
+            <a:avLst/>
+          </a:prstGeom>
+        </p:spPr>
+        <p:txBody>
+          <a:bodyPr spcFirstLastPara="1" wrap="square" lIns="91425" tIns="91425" rIns="91425" bIns="91425" anchor="t" anchorCtr="0">
+            <a:noAutofit/>
+          </a:bodyPr>
+          <a:lstStyle/>
+          <a:p>
+            <a:pPr marL="0" lvl="0" indent="0" algn="l" rtl="0">
+              <a:spcBef>
+                <a:spcPts val="0"/>
+              </a:spcBef>
+              <a:spcAft>
+                <a:spcPts val="0"/>
+              </a:spcAft>
+              <a:buNone/>
+            </a:pPr>
+            <a:endParaRPr/>
+          </a:p>
+        </p:txBody>
+      </p:sp>
+    </p:spTree>
+  </p:cSld>
+  <p:clrMapOvr>
+    <a:masterClrMapping/>
+  </p:clrMapOvr>
+</p:notes>
+</file>
+
+<file path=ppt/notesSlides/notesSlide30.xml><?xml version="1.0" encoding="utf-8"?>
 <p:notes xmlns:a="http://schemas.openxmlformats.org/drawingml/2006/main" xmlns:r="http://schemas.openxmlformats.org/officeDocument/2006/relationships" xmlns:p="http://schemas.openxmlformats.org/presentationml/2006/main" showMasterSp="0" showMasterPhAnim="0">
   <p:cSld>
     <p:spTree>
@@ -3134,7 +3622,7 @@
 </p:notes>
 </file>
 
-<file path=ppt/notesSlides/notesSlide28.xml><?xml version="1.0" encoding="utf-8"?>
+<file path=ppt/notesSlides/notesSlide31.xml><?xml version="1.0" encoding="utf-8"?>
 <p:notes xmlns:a="http://schemas.openxmlformats.org/drawingml/2006/main" xmlns:r="http://schemas.openxmlformats.org/officeDocument/2006/relationships" xmlns:p="http://schemas.openxmlformats.org/presentationml/2006/main" showMasterSp="0" showMasterPhAnim="0">
   <p:cSld>
     <p:spTree>
@@ -3238,7 +3726,7 @@
 </p:notes>
 </file>
 
-<file path=ppt/notesSlides/notesSlide29.xml><?xml version="1.0" encoding="utf-8"?>
+<file path=ppt/notesSlides/notesSlide32.xml><?xml version="1.0" encoding="utf-8"?>
 <p:notes xmlns:a="http://schemas.openxmlformats.org/drawingml/2006/main" xmlns:r="http://schemas.openxmlformats.org/officeDocument/2006/relationships" xmlns:p="http://schemas.openxmlformats.org/presentationml/2006/main" showMasterSp="0" showMasterPhAnim="0">
   <p:cSld>
     <p:spTree>
@@ -3342,111 +3830,7 @@
 </p:notes>
 </file>
 
-<file path=ppt/notesSlides/notesSlide3.xml><?xml version="1.0" encoding="utf-8"?>
-<p:notes xmlns:a="http://schemas.openxmlformats.org/drawingml/2006/main" xmlns:r="http://schemas.openxmlformats.org/officeDocument/2006/relationships" xmlns:p="http://schemas.openxmlformats.org/presentationml/2006/main" showMasterSp="0" showMasterPhAnim="0">
-  <p:cSld>
-    <p:spTree>
-      <p:nvGrpSpPr>
-        <p:cNvPr id="1" name="Shape 74"/>
-        <p:cNvGrpSpPr/>
-        <p:nvPr/>
-      </p:nvGrpSpPr>
-      <p:grpSpPr>
-        <a:xfrm>
-          <a:off x="0" y="0"/>
-          <a:ext cx="0" cy="0"/>
-          <a:chOff x="0" y="0"/>
-          <a:chExt cx="0" cy="0"/>
-        </a:xfrm>
-      </p:grpSpPr>
-      <p:sp>
-        <p:nvSpPr>
-          <p:cNvPr id="75" name="Google Shape;75;g3250b6bc16f_0_176:notes"/>
-          <p:cNvSpPr>
-            <a:spLocks noGrp="1" noRot="1" noChangeAspect="1"/>
-          </p:cNvSpPr>
-          <p:nvPr>
-            <p:ph type="sldImg" idx="2"/>
-          </p:nvPr>
-        </p:nvSpPr>
-        <p:spPr>
-          <a:xfrm>
-            <a:off x="381300" y="685800"/>
-            <a:ext cx="6096000" cy="3429000"/>
-          </a:xfrm>
-          <a:custGeom>
-            <a:avLst/>
-            <a:gdLst/>
-            <a:ahLst/>
-            <a:cxnLst/>
-            <a:rect l="l" t="t" r="r" b="b"/>
-            <a:pathLst>
-              <a:path w="120000" h="120000" extrusionOk="0">
-                <a:moveTo>
-                  <a:pt x="0" y="0"/>
-                </a:moveTo>
-                <a:lnTo>
-                  <a:pt x="120000" y="0"/>
-                </a:lnTo>
-                <a:lnTo>
-                  <a:pt x="120000" y="120000"/>
-                </a:lnTo>
-                <a:lnTo>
-                  <a:pt x="0" y="120000"/>
-                </a:lnTo>
-                <a:close/>
-              </a:path>
-            </a:pathLst>
-          </a:custGeom>
-        </p:spPr>
-      </p:sp>
-      <p:sp>
-        <p:nvSpPr>
-          <p:cNvPr id="76" name="Google Shape;76;g3250b6bc16f_0_176:notes"/>
-          <p:cNvSpPr txBox="1">
-            <a:spLocks noGrp="1"/>
-          </p:cNvSpPr>
-          <p:nvPr>
-            <p:ph type="body" idx="1"/>
-          </p:nvPr>
-        </p:nvSpPr>
-        <p:spPr>
-          <a:xfrm>
-            <a:off x="685800" y="4343400"/>
-            <a:ext cx="5486400" cy="4114800"/>
-          </a:xfrm>
-          <a:prstGeom prst="rect">
-            <a:avLst/>
-          </a:prstGeom>
-        </p:spPr>
-        <p:txBody>
-          <a:bodyPr spcFirstLastPara="1" wrap="square" lIns="91425" tIns="91425" rIns="91425" bIns="91425" anchor="t" anchorCtr="0">
-            <a:noAutofit/>
-          </a:bodyPr>
-          <a:lstStyle/>
-          <a:p>
-            <a:pPr marL="0" lvl="0" indent="0" algn="l" rtl="0">
-              <a:spcBef>
-                <a:spcPts val="0"/>
-              </a:spcBef>
-              <a:spcAft>
-                <a:spcPts val="0"/>
-              </a:spcAft>
-              <a:buNone/>
-            </a:pPr>
-            <a:endParaRPr/>
-          </a:p>
-        </p:txBody>
-      </p:sp>
-    </p:spTree>
-  </p:cSld>
-  <p:clrMapOvr>
-    <a:masterClrMapping/>
-  </p:clrMapOvr>
-</p:notes>
-</file>
-
-<file path=ppt/notesSlides/notesSlide30.xml><?xml version="1.0" encoding="utf-8"?>
+<file path=ppt/notesSlides/notesSlide33.xml><?xml version="1.0" encoding="utf-8"?>
 <p:notes xmlns:a="http://schemas.openxmlformats.org/drawingml/2006/main" xmlns:r="http://schemas.openxmlformats.org/officeDocument/2006/relationships" xmlns:p="http://schemas.openxmlformats.org/presentationml/2006/main" showMasterSp="0" showMasterPhAnim="0">
   <p:cSld>
     <p:spTree>
@@ -3550,7 +3934,7 @@
 </p:notes>
 </file>
 
-<file path=ppt/notesSlides/notesSlide31.xml><?xml version="1.0" encoding="utf-8"?>
+<file path=ppt/notesSlides/notesSlide34.xml><?xml version="1.0" encoding="utf-8"?>
 <p:notes xmlns:a="http://schemas.openxmlformats.org/drawingml/2006/main" xmlns:r="http://schemas.openxmlformats.org/officeDocument/2006/relationships" xmlns:p="http://schemas.openxmlformats.org/presentationml/2006/main" showMasterSp="0" showMasterPhAnim="0">
   <p:cSld>
     <p:spTree>
@@ -3654,7 +4038,7 @@
 </p:notes>
 </file>
 
-<file path=ppt/notesSlides/notesSlide32.xml><?xml version="1.0" encoding="utf-8"?>
+<file path=ppt/notesSlides/notesSlide35.xml><?xml version="1.0" encoding="utf-8"?>
 <p:notes xmlns:a="http://schemas.openxmlformats.org/drawingml/2006/main" xmlns:r="http://schemas.openxmlformats.org/officeDocument/2006/relationships" xmlns:p="http://schemas.openxmlformats.org/presentationml/2006/main" showMasterSp="0" showMasterPhAnim="0">
   <p:cSld>
     <p:spTree>
@@ -3758,7 +4142,7 @@
 </p:notes>
 </file>
 
-<file path=ppt/notesSlides/notesSlide33.xml><?xml version="1.0" encoding="utf-8"?>
+<file path=ppt/notesSlides/notesSlide36.xml><?xml version="1.0" encoding="utf-8"?>
 <p:notes xmlns:a="http://schemas.openxmlformats.org/drawingml/2006/main" xmlns:r="http://schemas.openxmlformats.org/officeDocument/2006/relationships" xmlns:p="http://schemas.openxmlformats.org/presentationml/2006/main" showMasterSp="0" showMasterPhAnim="0">
   <p:cSld>
     <p:spTree>
@@ -3862,7 +4246,7 @@
 </p:notes>
 </file>
 
-<file path=ppt/notesSlides/notesSlide34.xml><?xml version="1.0" encoding="utf-8"?>
+<file path=ppt/notesSlides/notesSlide37.xml><?xml version="1.0" encoding="utf-8"?>
 <p:notes xmlns:a="http://schemas.openxmlformats.org/drawingml/2006/main" xmlns:r="http://schemas.openxmlformats.org/officeDocument/2006/relationships" xmlns:p="http://schemas.openxmlformats.org/presentationml/2006/main" showMasterSp="0" showMasterPhAnim="0">
   <p:cSld>
     <p:spTree>
@@ -3966,7 +4350,7 @@
 </p:notes>
 </file>
 
-<file path=ppt/notesSlides/notesSlide35.xml><?xml version="1.0" encoding="utf-8"?>
+<file path=ppt/notesSlides/notesSlide38.xml><?xml version="1.0" encoding="utf-8"?>
 <p:notes xmlns:a="http://schemas.openxmlformats.org/drawingml/2006/main" xmlns:r="http://schemas.openxmlformats.org/officeDocument/2006/relationships" xmlns:p="http://schemas.openxmlformats.org/presentationml/2006/main" showMasterSp="0" showMasterPhAnim="0">
   <p:cSld>
     <p:spTree>
@@ -4070,7 +4454,7 @@
 </p:notes>
 </file>
 
-<file path=ppt/notesSlides/notesSlide36.xml><?xml version="1.0" encoding="utf-8"?>
+<file path=ppt/notesSlides/notesSlide39.xml><?xml version="1.0" encoding="utf-8"?>
 <p:notes xmlns:a="http://schemas.openxmlformats.org/drawingml/2006/main" xmlns:r="http://schemas.openxmlformats.org/officeDocument/2006/relationships" xmlns:p="http://schemas.openxmlformats.org/presentationml/2006/main" showMasterSp="0" showMasterPhAnim="0">
   <p:cSld>
     <p:spTree>
@@ -4131,318 +4515,6 @@
       <p:sp>
         <p:nvSpPr>
           <p:cNvPr id="220" name="Google Shape;220;g32f8a04e25b_0_41:notes"/>
-          <p:cNvSpPr txBox="1">
-            <a:spLocks noGrp="1"/>
-          </p:cNvSpPr>
-          <p:nvPr>
-            <p:ph type="body" idx="1"/>
-          </p:nvPr>
-        </p:nvSpPr>
-        <p:spPr>
-          <a:xfrm>
-            <a:off x="685800" y="4343400"/>
-            <a:ext cx="5486400" cy="4114800"/>
-          </a:xfrm>
-          <a:prstGeom prst="rect">
-            <a:avLst/>
-          </a:prstGeom>
-        </p:spPr>
-        <p:txBody>
-          <a:bodyPr spcFirstLastPara="1" wrap="square" lIns="91425" tIns="91425" rIns="91425" bIns="91425" anchor="t" anchorCtr="0">
-            <a:noAutofit/>
-          </a:bodyPr>
-          <a:lstStyle/>
-          <a:p>
-            <a:pPr marL="0" lvl="0" indent="0" algn="l" rtl="0">
-              <a:spcBef>
-                <a:spcPts val="0"/>
-              </a:spcBef>
-              <a:spcAft>
-                <a:spcPts val="0"/>
-              </a:spcAft>
-              <a:buNone/>
-            </a:pPr>
-            <a:endParaRPr/>
-          </a:p>
-        </p:txBody>
-      </p:sp>
-    </p:spTree>
-  </p:cSld>
-  <p:clrMapOvr>
-    <a:masterClrMapping/>
-  </p:clrMapOvr>
-</p:notes>
-</file>
-
-<file path=ppt/notesSlides/notesSlide37.xml><?xml version="1.0" encoding="utf-8"?>
-<p:notes xmlns:a="http://schemas.openxmlformats.org/drawingml/2006/main" xmlns:r="http://schemas.openxmlformats.org/officeDocument/2006/relationships" xmlns:p="http://schemas.openxmlformats.org/presentationml/2006/main" showMasterSp="0" showMasterPhAnim="0">
-  <p:cSld>
-    <p:spTree>
-      <p:nvGrpSpPr>
-        <p:cNvPr id="1" name="Shape 225"/>
-        <p:cNvGrpSpPr/>
-        <p:nvPr/>
-      </p:nvGrpSpPr>
-      <p:grpSpPr>
-        <a:xfrm>
-          <a:off x="0" y="0"/>
-          <a:ext cx="0" cy="0"/>
-          <a:chOff x="0" y="0"/>
-          <a:chExt cx="0" cy="0"/>
-        </a:xfrm>
-      </p:grpSpPr>
-      <p:sp>
-        <p:nvSpPr>
-          <p:cNvPr id="226" name="Google Shape;226;g32fd162b540_0_16:notes"/>
-          <p:cNvSpPr>
-            <a:spLocks noGrp="1" noRot="1" noChangeAspect="1"/>
-          </p:cNvSpPr>
-          <p:nvPr>
-            <p:ph type="sldImg" idx="2"/>
-          </p:nvPr>
-        </p:nvSpPr>
-        <p:spPr>
-          <a:xfrm>
-            <a:off x="381300" y="685800"/>
-            <a:ext cx="6096000" cy="3429000"/>
-          </a:xfrm>
-          <a:custGeom>
-            <a:avLst/>
-            <a:gdLst/>
-            <a:ahLst/>
-            <a:cxnLst/>
-            <a:rect l="l" t="t" r="r" b="b"/>
-            <a:pathLst>
-              <a:path w="120000" h="120000" extrusionOk="0">
-                <a:moveTo>
-                  <a:pt x="0" y="0"/>
-                </a:moveTo>
-                <a:lnTo>
-                  <a:pt x="120000" y="0"/>
-                </a:lnTo>
-                <a:lnTo>
-                  <a:pt x="120000" y="120000"/>
-                </a:lnTo>
-                <a:lnTo>
-                  <a:pt x="0" y="120000"/>
-                </a:lnTo>
-                <a:close/>
-              </a:path>
-            </a:pathLst>
-          </a:custGeom>
-        </p:spPr>
-      </p:sp>
-      <p:sp>
-        <p:nvSpPr>
-          <p:cNvPr id="227" name="Google Shape;227;g32fd162b540_0_16:notes"/>
-          <p:cNvSpPr txBox="1">
-            <a:spLocks noGrp="1"/>
-          </p:cNvSpPr>
-          <p:nvPr>
-            <p:ph type="body" idx="1"/>
-          </p:nvPr>
-        </p:nvSpPr>
-        <p:spPr>
-          <a:xfrm>
-            <a:off x="685800" y="4343400"/>
-            <a:ext cx="5486400" cy="4114800"/>
-          </a:xfrm>
-          <a:prstGeom prst="rect">
-            <a:avLst/>
-          </a:prstGeom>
-        </p:spPr>
-        <p:txBody>
-          <a:bodyPr spcFirstLastPara="1" wrap="square" lIns="91425" tIns="91425" rIns="91425" bIns="91425" anchor="t" anchorCtr="0">
-            <a:noAutofit/>
-          </a:bodyPr>
-          <a:lstStyle/>
-          <a:p>
-            <a:pPr marL="0" lvl="0" indent="0" algn="l" rtl="0">
-              <a:spcBef>
-                <a:spcPts val="0"/>
-              </a:spcBef>
-              <a:spcAft>
-                <a:spcPts val="0"/>
-              </a:spcAft>
-              <a:buNone/>
-            </a:pPr>
-            <a:endParaRPr/>
-          </a:p>
-        </p:txBody>
-      </p:sp>
-    </p:spTree>
-  </p:cSld>
-  <p:clrMapOvr>
-    <a:masterClrMapping/>
-  </p:clrMapOvr>
-</p:notes>
-</file>
-
-<file path=ppt/notesSlides/notesSlide38.xml><?xml version="1.0" encoding="utf-8"?>
-<p:notes xmlns:a="http://schemas.openxmlformats.org/drawingml/2006/main" xmlns:r="http://schemas.openxmlformats.org/officeDocument/2006/relationships" xmlns:p="http://schemas.openxmlformats.org/presentationml/2006/main" showMasterSp="0" showMasterPhAnim="0">
-  <p:cSld>
-    <p:spTree>
-      <p:nvGrpSpPr>
-        <p:cNvPr id="1" name="Shape 234"/>
-        <p:cNvGrpSpPr/>
-        <p:nvPr/>
-      </p:nvGrpSpPr>
-      <p:grpSpPr>
-        <a:xfrm>
-          <a:off x="0" y="0"/>
-          <a:ext cx="0" cy="0"/>
-          <a:chOff x="0" y="0"/>
-          <a:chExt cx="0" cy="0"/>
-        </a:xfrm>
-      </p:grpSpPr>
-      <p:sp>
-        <p:nvSpPr>
-          <p:cNvPr id="235" name="Google Shape;235;g3250b6bc16f_0_205:notes"/>
-          <p:cNvSpPr>
-            <a:spLocks noGrp="1" noRot="1" noChangeAspect="1"/>
-          </p:cNvSpPr>
-          <p:nvPr>
-            <p:ph type="sldImg" idx="2"/>
-          </p:nvPr>
-        </p:nvSpPr>
-        <p:spPr>
-          <a:xfrm>
-            <a:off x="381300" y="685800"/>
-            <a:ext cx="6096000" cy="3429000"/>
-          </a:xfrm>
-          <a:custGeom>
-            <a:avLst/>
-            <a:gdLst/>
-            <a:ahLst/>
-            <a:cxnLst/>
-            <a:rect l="l" t="t" r="r" b="b"/>
-            <a:pathLst>
-              <a:path w="120000" h="120000" extrusionOk="0">
-                <a:moveTo>
-                  <a:pt x="0" y="0"/>
-                </a:moveTo>
-                <a:lnTo>
-                  <a:pt x="120000" y="0"/>
-                </a:lnTo>
-                <a:lnTo>
-                  <a:pt x="120000" y="120000"/>
-                </a:lnTo>
-                <a:lnTo>
-                  <a:pt x="0" y="120000"/>
-                </a:lnTo>
-                <a:close/>
-              </a:path>
-            </a:pathLst>
-          </a:custGeom>
-        </p:spPr>
-      </p:sp>
-      <p:sp>
-        <p:nvSpPr>
-          <p:cNvPr id="236" name="Google Shape;236;g3250b6bc16f_0_205:notes"/>
-          <p:cNvSpPr txBox="1">
-            <a:spLocks noGrp="1"/>
-          </p:cNvSpPr>
-          <p:nvPr>
-            <p:ph type="body" idx="1"/>
-          </p:nvPr>
-        </p:nvSpPr>
-        <p:spPr>
-          <a:xfrm>
-            <a:off x="685800" y="4343400"/>
-            <a:ext cx="5486400" cy="4114800"/>
-          </a:xfrm>
-          <a:prstGeom prst="rect">
-            <a:avLst/>
-          </a:prstGeom>
-        </p:spPr>
-        <p:txBody>
-          <a:bodyPr spcFirstLastPara="1" wrap="square" lIns="91425" tIns="91425" rIns="91425" bIns="91425" anchor="t" anchorCtr="0">
-            <a:noAutofit/>
-          </a:bodyPr>
-          <a:lstStyle/>
-          <a:p>
-            <a:pPr marL="0" lvl="0" indent="0" algn="l" rtl="0">
-              <a:spcBef>
-                <a:spcPts val="0"/>
-              </a:spcBef>
-              <a:spcAft>
-                <a:spcPts val="0"/>
-              </a:spcAft>
-              <a:buNone/>
-            </a:pPr>
-            <a:endParaRPr/>
-          </a:p>
-        </p:txBody>
-      </p:sp>
-    </p:spTree>
-  </p:cSld>
-  <p:clrMapOvr>
-    <a:masterClrMapping/>
-  </p:clrMapOvr>
-</p:notes>
-</file>
-
-<file path=ppt/notesSlides/notesSlide39.xml><?xml version="1.0" encoding="utf-8"?>
-<p:notes xmlns:a="http://schemas.openxmlformats.org/drawingml/2006/main" xmlns:r="http://schemas.openxmlformats.org/officeDocument/2006/relationships" xmlns:p="http://schemas.openxmlformats.org/presentationml/2006/main" showMasterSp="0" showMasterPhAnim="0">
-  <p:cSld>
-    <p:spTree>
-      <p:nvGrpSpPr>
-        <p:cNvPr id="1" name="Shape 240"/>
-        <p:cNvGrpSpPr/>
-        <p:nvPr/>
-      </p:nvGrpSpPr>
-      <p:grpSpPr>
-        <a:xfrm>
-          <a:off x="0" y="0"/>
-          <a:ext cx="0" cy="0"/>
-          <a:chOff x="0" y="0"/>
-          <a:chExt cx="0" cy="0"/>
-        </a:xfrm>
-      </p:grpSpPr>
-      <p:sp>
-        <p:nvSpPr>
-          <p:cNvPr id="241" name="Google Shape;241;g3250b6bc16f_0_6:notes"/>
-          <p:cNvSpPr>
-            <a:spLocks noGrp="1" noRot="1" noChangeAspect="1"/>
-          </p:cNvSpPr>
-          <p:nvPr>
-            <p:ph type="sldImg" idx="2"/>
-          </p:nvPr>
-        </p:nvSpPr>
-        <p:spPr>
-          <a:xfrm>
-            <a:off x="381300" y="685800"/>
-            <a:ext cx="6096000" cy="3429000"/>
-          </a:xfrm>
-          <a:custGeom>
-            <a:avLst/>
-            <a:gdLst/>
-            <a:ahLst/>
-            <a:cxnLst/>
-            <a:rect l="l" t="t" r="r" b="b"/>
-            <a:pathLst>
-              <a:path w="120000" h="120000" extrusionOk="0">
-                <a:moveTo>
-                  <a:pt x="0" y="0"/>
-                </a:moveTo>
-                <a:lnTo>
-                  <a:pt x="120000" y="0"/>
-                </a:lnTo>
-                <a:lnTo>
-                  <a:pt x="120000" y="120000"/>
-                </a:lnTo>
-                <a:lnTo>
-                  <a:pt x="0" y="120000"/>
-                </a:lnTo>
-                <a:close/>
-              </a:path>
-            </a:pathLst>
-          </a:custGeom>
-        </p:spPr>
-      </p:sp>
-      <p:sp>
-        <p:nvSpPr>
-          <p:cNvPr id="242" name="Google Shape;242;g3250b6bc16f_0_6:notes"/>
           <p:cNvSpPr txBox="1">
             <a:spLocks noGrp="1"/>
           </p:cNvSpPr>
@@ -4547,6 +4619,318 @@
       <p:sp>
         <p:nvSpPr>
           <p:cNvPr id="82" name="Google Shape;82;g3250b6bc16f_0_11:notes"/>
+          <p:cNvSpPr txBox="1">
+            <a:spLocks noGrp="1"/>
+          </p:cNvSpPr>
+          <p:nvPr>
+            <p:ph type="body" idx="1"/>
+          </p:nvPr>
+        </p:nvSpPr>
+        <p:spPr>
+          <a:xfrm>
+            <a:off x="685800" y="4343400"/>
+            <a:ext cx="5486400" cy="4114800"/>
+          </a:xfrm>
+          <a:prstGeom prst="rect">
+            <a:avLst/>
+          </a:prstGeom>
+        </p:spPr>
+        <p:txBody>
+          <a:bodyPr spcFirstLastPara="1" wrap="square" lIns="91425" tIns="91425" rIns="91425" bIns="91425" anchor="t" anchorCtr="0">
+            <a:noAutofit/>
+          </a:bodyPr>
+          <a:lstStyle/>
+          <a:p>
+            <a:pPr marL="0" lvl="0" indent="0" algn="l" rtl="0">
+              <a:spcBef>
+                <a:spcPts val="0"/>
+              </a:spcBef>
+              <a:spcAft>
+                <a:spcPts val="0"/>
+              </a:spcAft>
+              <a:buNone/>
+            </a:pPr>
+            <a:endParaRPr/>
+          </a:p>
+        </p:txBody>
+      </p:sp>
+    </p:spTree>
+  </p:cSld>
+  <p:clrMapOvr>
+    <a:masterClrMapping/>
+  </p:clrMapOvr>
+</p:notes>
+</file>
+
+<file path=ppt/notesSlides/notesSlide40.xml><?xml version="1.0" encoding="utf-8"?>
+<p:notes xmlns:a="http://schemas.openxmlformats.org/drawingml/2006/main" xmlns:r="http://schemas.openxmlformats.org/officeDocument/2006/relationships" xmlns:p="http://schemas.openxmlformats.org/presentationml/2006/main" showMasterSp="0" showMasterPhAnim="0">
+  <p:cSld>
+    <p:spTree>
+      <p:nvGrpSpPr>
+        <p:cNvPr id="1" name="Shape 225"/>
+        <p:cNvGrpSpPr/>
+        <p:nvPr/>
+      </p:nvGrpSpPr>
+      <p:grpSpPr>
+        <a:xfrm>
+          <a:off x="0" y="0"/>
+          <a:ext cx="0" cy="0"/>
+          <a:chOff x="0" y="0"/>
+          <a:chExt cx="0" cy="0"/>
+        </a:xfrm>
+      </p:grpSpPr>
+      <p:sp>
+        <p:nvSpPr>
+          <p:cNvPr id="226" name="Google Shape;226;g32fd162b540_0_16:notes"/>
+          <p:cNvSpPr>
+            <a:spLocks noGrp="1" noRot="1" noChangeAspect="1"/>
+          </p:cNvSpPr>
+          <p:nvPr>
+            <p:ph type="sldImg" idx="2"/>
+          </p:nvPr>
+        </p:nvSpPr>
+        <p:spPr>
+          <a:xfrm>
+            <a:off x="381300" y="685800"/>
+            <a:ext cx="6096000" cy="3429000"/>
+          </a:xfrm>
+          <a:custGeom>
+            <a:avLst/>
+            <a:gdLst/>
+            <a:ahLst/>
+            <a:cxnLst/>
+            <a:rect l="l" t="t" r="r" b="b"/>
+            <a:pathLst>
+              <a:path w="120000" h="120000" extrusionOk="0">
+                <a:moveTo>
+                  <a:pt x="0" y="0"/>
+                </a:moveTo>
+                <a:lnTo>
+                  <a:pt x="120000" y="0"/>
+                </a:lnTo>
+                <a:lnTo>
+                  <a:pt x="120000" y="120000"/>
+                </a:lnTo>
+                <a:lnTo>
+                  <a:pt x="0" y="120000"/>
+                </a:lnTo>
+                <a:close/>
+              </a:path>
+            </a:pathLst>
+          </a:custGeom>
+        </p:spPr>
+      </p:sp>
+      <p:sp>
+        <p:nvSpPr>
+          <p:cNvPr id="227" name="Google Shape;227;g32fd162b540_0_16:notes"/>
+          <p:cNvSpPr txBox="1">
+            <a:spLocks noGrp="1"/>
+          </p:cNvSpPr>
+          <p:nvPr>
+            <p:ph type="body" idx="1"/>
+          </p:nvPr>
+        </p:nvSpPr>
+        <p:spPr>
+          <a:xfrm>
+            <a:off x="685800" y="4343400"/>
+            <a:ext cx="5486400" cy="4114800"/>
+          </a:xfrm>
+          <a:prstGeom prst="rect">
+            <a:avLst/>
+          </a:prstGeom>
+        </p:spPr>
+        <p:txBody>
+          <a:bodyPr spcFirstLastPara="1" wrap="square" lIns="91425" tIns="91425" rIns="91425" bIns="91425" anchor="t" anchorCtr="0">
+            <a:noAutofit/>
+          </a:bodyPr>
+          <a:lstStyle/>
+          <a:p>
+            <a:pPr marL="0" lvl="0" indent="0" algn="l" rtl="0">
+              <a:spcBef>
+                <a:spcPts val="0"/>
+              </a:spcBef>
+              <a:spcAft>
+                <a:spcPts val="0"/>
+              </a:spcAft>
+              <a:buNone/>
+            </a:pPr>
+            <a:endParaRPr/>
+          </a:p>
+        </p:txBody>
+      </p:sp>
+    </p:spTree>
+  </p:cSld>
+  <p:clrMapOvr>
+    <a:masterClrMapping/>
+  </p:clrMapOvr>
+</p:notes>
+</file>
+
+<file path=ppt/notesSlides/notesSlide41.xml><?xml version="1.0" encoding="utf-8"?>
+<p:notes xmlns:a="http://schemas.openxmlformats.org/drawingml/2006/main" xmlns:r="http://schemas.openxmlformats.org/officeDocument/2006/relationships" xmlns:p="http://schemas.openxmlformats.org/presentationml/2006/main" showMasterSp="0" showMasterPhAnim="0">
+  <p:cSld>
+    <p:spTree>
+      <p:nvGrpSpPr>
+        <p:cNvPr id="1" name="Shape 234"/>
+        <p:cNvGrpSpPr/>
+        <p:nvPr/>
+      </p:nvGrpSpPr>
+      <p:grpSpPr>
+        <a:xfrm>
+          <a:off x="0" y="0"/>
+          <a:ext cx="0" cy="0"/>
+          <a:chOff x="0" y="0"/>
+          <a:chExt cx="0" cy="0"/>
+        </a:xfrm>
+      </p:grpSpPr>
+      <p:sp>
+        <p:nvSpPr>
+          <p:cNvPr id="235" name="Google Shape;235;g3250b6bc16f_0_205:notes"/>
+          <p:cNvSpPr>
+            <a:spLocks noGrp="1" noRot="1" noChangeAspect="1"/>
+          </p:cNvSpPr>
+          <p:nvPr>
+            <p:ph type="sldImg" idx="2"/>
+          </p:nvPr>
+        </p:nvSpPr>
+        <p:spPr>
+          <a:xfrm>
+            <a:off x="381300" y="685800"/>
+            <a:ext cx="6096000" cy="3429000"/>
+          </a:xfrm>
+          <a:custGeom>
+            <a:avLst/>
+            <a:gdLst/>
+            <a:ahLst/>
+            <a:cxnLst/>
+            <a:rect l="l" t="t" r="r" b="b"/>
+            <a:pathLst>
+              <a:path w="120000" h="120000" extrusionOk="0">
+                <a:moveTo>
+                  <a:pt x="0" y="0"/>
+                </a:moveTo>
+                <a:lnTo>
+                  <a:pt x="120000" y="0"/>
+                </a:lnTo>
+                <a:lnTo>
+                  <a:pt x="120000" y="120000"/>
+                </a:lnTo>
+                <a:lnTo>
+                  <a:pt x="0" y="120000"/>
+                </a:lnTo>
+                <a:close/>
+              </a:path>
+            </a:pathLst>
+          </a:custGeom>
+        </p:spPr>
+      </p:sp>
+      <p:sp>
+        <p:nvSpPr>
+          <p:cNvPr id="236" name="Google Shape;236;g3250b6bc16f_0_205:notes"/>
+          <p:cNvSpPr txBox="1">
+            <a:spLocks noGrp="1"/>
+          </p:cNvSpPr>
+          <p:nvPr>
+            <p:ph type="body" idx="1"/>
+          </p:nvPr>
+        </p:nvSpPr>
+        <p:spPr>
+          <a:xfrm>
+            <a:off x="685800" y="4343400"/>
+            <a:ext cx="5486400" cy="4114800"/>
+          </a:xfrm>
+          <a:prstGeom prst="rect">
+            <a:avLst/>
+          </a:prstGeom>
+        </p:spPr>
+        <p:txBody>
+          <a:bodyPr spcFirstLastPara="1" wrap="square" lIns="91425" tIns="91425" rIns="91425" bIns="91425" anchor="t" anchorCtr="0">
+            <a:noAutofit/>
+          </a:bodyPr>
+          <a:lstStyle/>
+          <a:p>
+            <a:pPr marL="0" lvl="0" indent="0" algn="l" rtl="0">
+              <a:spcBef>
+                <a:spcPts val="0"/>
+              </a:spcBef>
+              <a:spcAft>
+                <a:spcPts val="0"/>
+              </a:spcAft>
+              <a:buNone/>
+            </a:pPr>
+            <a:endParaRPr/>
+          </a:p>
+        </p:txBody>
+      </p:sp>
+    </p:spTree>
+  </p:cSld>
+  <p:clrMapOvr>
+    <a:masterClrMapping/>
+  </p:clrMapOvr>
+</p:notes>
+</file>
+
+<file path=ppt/notesSlides/notesSlide42.xml><?xml version="1.0" encoding="utf-8"?>
+<p:notes xmlns:a="http://schemas.openxmlformats.org/drawingml/2006/main" xmlns:r="http://schemas.openxmlformats.org/officeDocument/2006/relationships" xmlns:p="http://schemas.openxmlformats.org/presentationml/2006/main" showMasterSp="0" showMasterPhAnim="0">
+  <p:cSld>
+    <p:spTree>
+      <p:nvGrpSpPr>
+        <p:cNvPr id="1" name="Shape 240"/>
+        <p:cNvGrpSpPr/>
+        <p:nvPr/>
+      </p:nvGrpSpPr>
+      <p:grpSpPr>
+        <a:xfrm>
+          <a:off x="0" y="0"/>
+          <a:ext cx="0" cy="0"/>
+          <a:chOff x="0" y="0"/>
+          <a:chExt cx="0" cy="0"/>
+        </a:xfrm>
+      </p:grpSpPr>
+      <p:sp>
+        <p:nvSpPr>
+          <p:cNvPr id="241" name="Google Shape;241;g3250b6bc16f_0_6:notes"/>
+          <p:cNvSpPr>
+            <a:spLocks noGrp="1" noRot="1" noChangeAspect="1"/>
+          </p:cNvSpPr>
+          <p:nvPr>
+            <p:ph type="sldImg" idx="2"/>
+          </p:nvPr>
+        </p:nvSpPr>
+        <p:spPr>
+          <a:xfrm>
+            <a:off x="381300" y="685800"/>
+            <a:ext cx="6096000" cy="3429000"/>
+          </a:xfrm>
+          <a:custGeom>
+            <a:avLst/>
+            <a:gdLst/>
+            <a:ahLst/>
+            <a:cxnLst/>
+            <a:rect l="l" t="t" r="r" b="b"/>
+            <a:pathLst>
+              <a:path w="120000" h="120000" extrusionOk="0">
+                <a:moveTo>
+                  <a:pt x="0" y="0"/>
+                </a:moveTo>
+                <a:lnTo>
+                  <a:pt x="120000" y="0"/>
+                </a:lnTo>
+                <a:lnTo>
+                  <a:pt x="120000" y="120000"/>
+                </a:lnTo>
+                <a:lnTo>
+                  <a:pt x="0" y="120000"/>
+                </a:lnTo>
+                <a:close/>
+              </a:path>
+            </a:pathLst>
+          </a:custGeom>
+        </p:spPr>
+      </p:sp>
+      <p:sp>
+        <p:nvSpPr>
+          <p:cNvPr id="242" name="Google Shape;242;g3250b6bc16f_0_6:notes"/>
           <p:cNvSpPr txBox="1">
             <a:spLocks noGrp="1"/>
           </p:cNvSpPr>
@@ -11252,7 +11636,7 @@
         </p:spPr>
         <p:txBody>
           <a:bodyPr spcFirstLastPara="1" wrap="square" lIns="91425" tIns="91425" rIns="91425" bIns="91425" anchor="t" anchorCtr="0">
-            <a:normAutofit fontScale="92500"/>
+            <a:normAutofit fontScale="92500" lnSpcReduction="20000"/>
           </a:bodyPr>
           <a:lstStyle/>
           <a:p>
@@ -12185,8 +12569,8 @@
         </p:nvSpPr>
         <p:spPr bwMode="auto">
           <a:xfrm>
-            <a:off x="311700" y="2179010"/>
-            <a:ext cx="8275022" cy="1477328"/>
+            <a:off x="311700" y="1388762"/>
+            <a:ext cx="4746529" cy="2308324"/>
           </a:xfrm>
           <a:prstGeom prst="rect">
             <a:avLst/>
@@ -12226,7 +12610,7 @@
           </a:extLst>
         </p:spPr>
         <p:txBody>
-          <a:bodyPr vert="horz" wrap="none" lIns="91440" tIns="45720" rIns="91440" bIns="45720" numCol="1" anchor="ctr" anchorCtr="0" compatLnSpc="1">
+          <a:bodyPr vert="horz" wrap="square" lIns="91440" tIns="45720" rIns="91440" bIns="45720" numCol="1" anchor="ctr" anchorCtr="0" compatLnSpc="1">
             <a:prstTxWarp prst="textNoShape">
               <a:avLst/>
             </a:prstTxWarp>
@@ -12297,14 +12681,14 @@
             <a:r>
               <a:rPr lang="hu-HU" altLang="en-US" dirty="0">
                 <a:highlight>
-                  <a:srgbClr val="C0C0C0"/>
+                  <a:srgbClr val="FFFF00"/>
                 </a:highlight>
               </a:rPr>
-              <a:t>=SZUM(A1:A10) </a:t>
+              <a:t>=SZUM(A1:A7) </a:t>
             </a:r>
             <a:r>
               <a:rPr lang="hu-HU" altLang="en-US" dirty="0"/>
-              <a:t>– Kiszámolja az A1-től A10-ig tartó cellák összegét.</a:t>
+              <a:t>– Kiszámolja az A1-től A7-ig tartó cellák összegét.</a:t>
             </a:r>
           </a:p>
           <a:p>
@@ -12348,6 +12732,36 @@
           </a:p>
         </p:txBody>
       </p:sp>
+      <p:pic>
+        <p:nvPicPr>
+          <p:cNvPr id="5" name="Kép 4">
+            <a:extLst>
+              <a:ext uri="{FF2B5EF4-FFF2-40B4-BE49-F238E27FC236}">
+                <a16:creationId xmlns:a16="http://schemas.microsoft.com/office/drawing/2014/main" id="{A91D7909-A031-1BA5-F47F-D8D6A922E0BC}"/>
+              </a:ext>
+            </a:extLst>
+          </p:cNvPr>
+          <p:cNvPicPr>
+            <a:picLocks noChangeAspect="1"/>
+          </p:cNvPicPr>
+          <p:nvPr/>
+        </p:nvPicPr>
+        <p:blipFill>
+          <a:blip r:embed="rId2"/>
+          <a:stretch>
+            <a:fillRect/>
+          </a:stretch>
+        </p:blipFill>
+        <p:spPr>
+          <a:xfrm>
+            <a:off x="5160464" y="1295222"/>
+            <a:ext cx="3296110" cy="2553056"/>
+          </a:xfrm>
+          <a:prstGeom prst="rect">
+            <a:avLst/>
+          </a:prstGeom>
+        </p:spPr>
+      </p:pic>
     </p:spTree>
     <p:extLst>
       <p:ext uri="{BB962C8B-B14F-4D97-AF65-F5344CB8AC3E}">
@@ -12362,6 +12776,213 @@
 </file>
 
 <file path=ppt/slides/slide17.xml><?xml version="1.0" encoding="utf-8"?>
+<p:sld xmlns:a="http://schemas.openxmlformats.org/drawingml/2006/main" xmlns:r="http://schemas.openxmlformats.org/officeDocument/2006/relationships" xmlns:p="http://schemas.openxmlformats.org/presentationml/2006/main">
+  <p:cSld>
+    <p:spTree>
+      <p:nvGrpSpPr>
+        <p:cNvPr id="1" name="Shape 150">
+          <a:extLst>
+            <a:ext uri="{FF2B5EF4-FFF2-40B4-BE49-F238E27FC236}">
+              <a16:creationId xmlns:a16="http://schemas.microsoft.com/office/drawing/2014/main" id="{F4B29A56-A8A0-C4BF-AA4B-2486B5D5F84E}"/>
+            </a:ext>
+          </a:extLst>
+        </p:cNvPr>
+        <p:cNvGrpSpPr/>
+        <p:nvPr/>
+      </p:nvGrpSpPr>
+      <p:grpSpPr>
+        <a:xfrm>
+          <a:off x="0" y="0"/>
+          <a:ext cx="0" cy="0"/>
+          <a:chOff x="0" y="0"/>
+          <a:chExt cx="0" cy="0"/>
+        </a:xfrm>
+      </p:grpSpPr>
+      <p:sp>
+        <p:nvSpPr>
+          <p:cNvPr id="151" name="Google Shape;151;p25">
+            <a:extLst>
+              <a:ext uri="{FF2B5EF4-FFF2-40B4-BE49-F238E27FC236}">
+                <a16:creationId xmlns:a16="http://schemas.microsoft.com/office/drawing/2014/main" id="{5779AECC-4C85-46A5-CEE3-807F7D64486F}"/>
+              </a:ext>
+            </a:extLst>
+          </p:cNvPr>
+          <p:cNvSpPr txBox="1">
+            <a:spLocks noGrp="1"/>
+          </p:cNvSpPr>
+          <p:nvPr>
+            <p:ph type="title"/>
+          </p:nvPr>
+        </p:nvSpPr>
+        <p:spPr>
+          <a:xfrm>
+            <a:off x="311700" y="445025"/>
+            <a:ext cx="8520600" cy="707400"/>
+          </a:xfrm>
+          <a:prstGeom prst="rect">
+            <a:avLst/>
+          </a:prstGeom>
+        </p:spPr>
+        <p:txBody>
+          <a:bodyPr spcFirstLastPara="1" wrap="square" lIns="91425" tIns="91425" rIns="91425" bIns="91425" anchor="t" anchorCtr="0">
+            <a:normAutofit fontScale="90000"/>
+          </a:bodyPr>
+          <a:lstStyle/>
+          <a:p>
+            <a:pPr marL="0" lvl="0" indent="0" algn="l" rtl="0">
+              <a:spcBef>
+                <a:spcPts val="0"/>
+              </a:spcBef>
+              <a:spcAft>
+                <a:spcPts val="0"/>
+              </a:spcAft>
+              <a:buNone/>
+            </a:pPr>
+            <a:r>
+              <a:rPr lang="en-US" dirty="0"/>
+              <a:t>ÁTLAG (AVERAGE)</a:t>
+            </a:r>
+            <a:r>
+              <a:rPr lang="hu-HU" dirty="0"/>
+              <a:t> Átlagérték</a:t>
+            </a:r>
+            <a:endParaRPr dirty="0"/>
+          </a:p>
+        </p:txBody>
+      </p:sp>
+      <p:sp>
+        <p:nvSpPr>
+          <p:cNvPr id="152" name="Google Shape;152;p25">
+            <a:extLst>
+              <a:ext uri="{FF2B5EF4-FFF2-40B4-BE49-F238E27FC236}">
+                <a16:creationId xmlns:a16="http://schemas.microsoft.com/office/drawing/2014/main" id="{04AD4102-8DF2-3234-AD3C-CCC94AD4A76E}"/>
+              </a:ext>
+            </a:extLst>
+          </p:cNvPr>
+          <p:cNvSpPr txBox="1">
+            <a:spLocks noGrp="1"/>
+          </p:cNvSpPr>
+          <p:nvPr>
+            <p:ph type="body" idx="1"/>
+          </p:nvPr>
+        </p:nvSpPr>
+        <p:spPr>
+          <a:xfrm>
+            <a:off x="311701" y="1418818"/>
+            <a:ext cx="4738282" cy="2797582"/>
+          </a:xfrm>
+          <a:prstGeom prst="rect">
+            <a:avLst/>
+          </a:prstGeom>
+        </p:spPr>
+        <p:txBody>
+          <a:bodyPr spcFirstLastPara="1" wrap="square" lIns="91425" tIns="91425" rIns="91425" bIns="91425" anchor="t" anchorCtr="0">
+            <a:normAutofit/>
+          </a:bodyPr>
+          <a:lstStyle/>
+          <a:p>
+            <a:pPr marL="285750" indent="-285750">
+              <a:spcAft>
+                <a:spcPts val="600"/>
+              </a:spcAft>
+            </a:pPr>
+            <a:r>
+              <a:rPr lang="hu-HU" b="1" dirty="0"/>
+              <a:t>Leírás</a:t>
+            </a:r>
+            <a:r>
+              <a:rPr lang="hu-HU" dirty="0"/>
+              <a:t>: Kiválasztott cellák átlagát számolja ki.</a:t>
+            </a:r>
+          </a:p>
+          <a:p>
+            <a:pPr marL="285750" indent="-285750">
+              <a:spcAft>
+                <a:spcPts val="600"/>
+              </a:spcAft>
+            </a:pPr>
+            <a:r>
+              <a:rPr lang="hu-HU" b="1" dirty="0"/>
+              <a:t>Példa</a:t>
+            </a:r>
+            <a:r>
+              <a:rPr lang="hu-HU" dirty="0"/>
+              <a:t>: </a:t>
+            </a:r>
+            <a:r>
+              <a:rPr lang="hu-HU" dirty="0">
+                <a:highlight>
+                  <a:srgbClr val="FFFF00"/>
+                </a:highlight>
+              </a:rPr>
+              <a:t> =ÁTLAG(A1:A7) </a:t>
+            </a:r>
+            <a:r>
+              <a:rPr lang="hu-HU" dirty="0"/>
+              <a:t>– Kiszámolja a A1-től A7-ig tartó cellák átlagát.</a:t>
+            </a:r>
+          </a:p>
+          <a:p>
+            <a:pPr marL="285750" indent="-285750">
+              <a:spcAft>
+                <a:spcPts val="600"/>
+              </a:spcAft>
+            </a:pPr>
+            <a:r>
+              <a:rPr lang="hu-HU" b="1" dirty="0"/>
+              <a:t>Használat</a:t>
+            </a:r>
+            <a:r>
+              <a:rPr lang="hu-HU" dirty="0"/>
+              <a:t>: Például osztályzatok átlagának kiszámítására.</a:t>
+            </a:r>
+          </a:p>
+        </p:txBody>
+      </p:sp>
+      <p:pic>
+        <p:nvPicPr>
+          <p:cNvPr id="3" name="Kép 2">
+            <a:extLst>
+              <a:ext uri="{FF2B5EF4-FFF2-40B4-BE49-F238E27FC236}">
+                <a16:creationId xmlns:a16="http://schemas.microsoft.com/office/drawing/2014/main" id="{C8F933F6-CD7C-A34E-1CF7-87ADA30EA04E}"/>
+              </a:ext>
+            </a:extLst>
+          </p:cNvPr>
+          <p:cNvPicPr>
+            <a:picLocks noChangeAspect="1"/>
+          </p:cNvPicPr>
+          <p:nvPr/>
+        </p:nvPicPr>
+        <p:blipFill>
+          <a:blip r:embed="rId3"/>
+          <a:stretch>
+            <a:fillRect/>
+          </a:stretch>
+        </p:blipFill>
+        <p:spPr>
+          <a:xfrm>
+            <a:off x="5378454" y="1418818"/>
+            <a:ext cx="3191320" cy="2581635"/>
+          </a:xfrm>
+          <a:prstGeom prst="rect">
+            <a:avLst/>
+          </a:prstGeom>
+        </p:spPr>
+      </p:pic>
+    </p:spTree>
+    <p:extLst>
+      <p:ext uri="{BB962C8B-B14F-4D97-AF65-F5344CB8AC3E}">
+        <p14:creationId xmlns:p14="http://schemas.microsoft.com/office/powerpoint/2010/main" val="3494015106"/>
+      </p:ext>
+    </p:extLst>
+  </p:cSld>
+  <p:clrMapOvr>
+    <a:masterClrMapping/>
+  </p:clrMapOvr>
+</p:sld>
+</file>
+
+<file path=ppt/slides/slide18.xml><?xml version="1.0" encoding="utf-8"?>
 <p:sld xmlns:a="http://schemas.openxmlformats.org/drawingml/2006/main" xmlns:r="http://schemas.openxmlformats.org/officeDocument/2006/relationships" xmlns:p="http://schemas.openxmlformats.org/presentationml/2006/main">
   <p:cSld>
     <p:spTree>
@@ -12454,8 +13075,8 @@
         </p:nvSpPr>
         <p:spPr>
           <a:xfrm>
-            <a:off x="311700" y="2076816"/>
-            <a:ext cx="8520600" cy="1774748"/>
+            <a:off x="311700" y="1474473"/>
+            <a:ext cx="4485271" cy="3075756"/>
           </a:xfrm>
           <a:prstGeom prst="rect">
             <a:avLst/>
@@ -12467,7 +13088,11 @@
           </a:bodyPr>
           <a:lstStyle/>
           <a:p>
-            <a:pPr marL="285750" indent="-285750"/>
+            <a:pPr marL="285750" indent="-285750">
+              <a:spcAft>
+                <a:spcPts val="600"/>
+              </a:spcAft>
+            </a:pPr>
             <a:r>
               <a:rPr lang="hu-HU" b="1" dirty="0"/>
               <a:t>Leírás</a:t>
@@ -12478,7 +13103,11 @@
             </a:r>
           </a:p>
           <a:p>
-            <a:pPr marL="285750" indent="-285750"/>
+            <a:pPr marL="285750" indent="-285750">
+              <a:spcAft>
+                <a:spcPts val="600"/>
+              </a:spcAft>
+            </a:pPr>
             <a:r>
               <a:rPr lang="hu-HU" b="1" dirty="0"/>
               <a:t>Példa</a:t>
@@ -12490,10 +13119,10 @@
             <a:r>
               <a:rPr lang="hu-HU" dirty="0">
                 <a:highlight>
-                  <a:srgbClr val="C0C0C0"/>
+                  <a:srgbClr val="FFFF00"/>
                 </a:highlight>
               </a:rPr>
-              <a:t>=HA(A1&gt;5; "Jó"; "Rossz") </a:t>
+              <a:t>=HA(A1&gt;2; "Jó"; "Rossz") </a:t>
             </a:r>
             <a:r>
               <a:rPr lang="hu-HU" dirty="0"/>
@@ -12501,7 +13130,11 @@
             </a:r>
           </a:p>
           <a:p>
-            <a:pPr marL="285750" indent="-285750"/>
+            <a:pPr marL="285750" indent="-285750">
+              <a:spcAft>
+                <a:spcPts val="600"/>
+              </a:spcAft>
+            </a:pPr>
             <a:r>
               <a:rPr lang="hu-HU" b="1" dirty="0"/>
               <a:t>Használat</a:t>
@@ -12513,175 +13146,40 @@
           </a:p>
         </p:txBody>
       </p:sp>
+      <p:pic>
+        <p:nvPicPr>
+          <p:cNvPr id="3" name="Kép 2">
+            <a:extLst>
+              <a:ext uri="{FF2B5EF4-FFF2-40B4-BE49-F238E27FC236}">
+                <a16:creationId xmlns:a16="http://schemas.microsoft.com/office/drawing/2014/main" id="{FCB0D88C-CE3D-AE87-37F4-94297BE75536}"/>
+              </a:ext>
+            </a:extLst>
+          </p:cNvPr>
+          <p:cNvPicPr>
+            <a:picLocks noChangeAspect="1"/>
+          </p:cNvPicPr>
+          <p:nvPr/>
+        </p:nvPicPr>
+        <p:blipFill>
+          <a:blip r:embed="rId3"/>
+          <a:stretch>
+            <a:fillRect/>
+          </a:stretch>
+        </p:blipFill>
+        <p:spPr>
+          <a:xfrm>
+            <a:off x="4859821" y="1631178"/>
+            <a:ext cx="3972479" cy="2781688"/>
+          </a:xfrm>
+          <a:prstGeom prst="rect">
+            <a:avLst/>
+          </a:prstGeom>
+        </p:spPr>
+      </p:pic>
     </p:spTree>
     <p:extLst>
       <p:ext uri="{BB962C8B-B14F-4D97-AF65-F5344CB8AC3E}">
         <p14:creationId xmlns:p14="http://schemas.microsoft.com/office/powerpoint/2010/main" val="2491447683"/>
-      </p:ext>
-    </p:extLst>
-  </p:cSld>
-  <p:clrMapOvr>
-    <a:masterClrMapping/>
-  </p:clrMapOvr>
-</p:sld>
-</file>
-
-<file path=ppt/slides/slide18.xml><?xml version="1.0" encoding="utf-8"?>
-<p:sld xmlns:a="http://schemas.openxmlformats.org/drawingml/2006/main" xmlns:r="http://schemas.openxmlformats.org/officeDocument/2006/relationships" xmlns:p="http://schemas.openxmlformats.org/presentationml/2006/main">
-  <p:cSld>
-    <p:spTree>
-      <p:nvGrpSpPr>
-        <p:cNvPr id="1" name="Shape 150">
-          <a:extLst>
-            <a:ext uri="{FF2B5EF4-FFF2-40B4-BE49-F238E27FC236}">
-              <a16:creationId xmlns:a16="http://schemas.microsoft.com/office/drawing/2014/main" id="{F4B29A56-A8A0-C4BF-AA4B-2486B5D5F84E}"/>
-            </a:ext>
-          </a:extLst>
-        </p:cNvPr>
-        <p:cNvGrpSpPr/>
-        <p:nvPr/>
-      </p:nvGrpSpPr>
-      <p:grpSpPr>
-        <a:xfrm>
-          <a:off x="0" y="0"/>
-          <a:ext cx="0" cy="0"/>
-          <a:chOff x="0" y="0"/>
-          <a:chExt cx="0" cy="0"/>
-        </a:xfrm>
-      </p:grpSpPr>
-      <p:sp>
-        <p:nvSpPr>
-          <p:cNvPr id="151" name="Google Shape;151;p25">
-            <a:extLst>
-              <a:ext uri="{FF2B5EF4-FFF2-40B4-BE49-F238E27FC236}">
-                <a16:creationId xmlns:a16="http://schemas.microsoft.com/office/drawing/2014/main" id="{5779AECC-4C85-46A5-CEE3-807F7D64486F}"/>
-              </a:ext>
-            </a:extLst>
-          </p:cNvPr>
-          <p:cNvSpPr txBox="1">
-            <a:spLocks noGrp="1"/>
-          </p:cNvSpPr>
-          <p:nvPr>
-            <p:ph type="title"/>
-          </p:nvPr>
-        </p:nvSpPr>
-        <p:spPr>
-          <a:xfrm>
-            <a:off x="311700" y="445025"/>
-            <a:ext cx="8520600" cy="707400"/>
-          </a:xfrm>
-          <a:prstGeom prst="rect">
-            <a:avLst/>
-          </a:prstGeom>
-        </p:spPr>
-        <p:txBody>
-          <a:bodyPr spcFirstLastPara="1" wrap="square" lIns="91425" tIns="91425" rIns="91425" bIns="91425" anchor="t" anchorCtr="0">
-            <a:normAutofit fontScale="90000"/>
-          </a:bodyPr>
-          <a:lstStyle/>
-          <a:p>
-            <a:pPr marL="0" lvl="0" indent="0" algn="l" rtl="0">
-              <a:spcBef>
-                <a:spcPts val="0"/>
-              </a:spcBef>
-              <a:spcAft>
-                <a:spcPts val="0"/>
-              </a:spcAft>
-              <a:buNone/>
-            </a:pPr>
-            <a:r>
-              <a:rPr lang="en-US" dirty="0"/>
-              <a:t>ÁTLAG (AVERAGE)</a:t>
-            </a:r>
-            <a:r>
-              <a:rPr lang="hu-HU" dirty="0"/>
-              <a:t> Átlagérték</a:t>
-            </a:r>
-            <a:endParaRPr dirty="0"/>
-          </a:p>
-        </p:txBody>
-      </p:sp>
-      <p:sp>
-        <p:nvSpPr>
-          <p:cNvPr id="152" name="Google Shape;152;p25">
-            <a:extLst>
-              <a:ext uri="{FF2B5EF4-FFF2-40B4-BE49-F238E27FC236}">
-                <a16:creationId xmlns:a16="http://schemas.microsoft.com/office/drawing/2014/main" id="{04AD4102-8DF2-3234-AD3C-CCC94AD4A76E}"/>
-              </a:ext>
-            </a:extLst>
-          </p:cNvPr>
-          <p:cNvSpPr txBox="1">
-            <a:spLocks noGrp="1"/>
-          </p:cNvSpPr>
-          <p:nvPr>
-            <p:ph type="body" idx="1"/>
-          </p:nvPr>
-        </p:nvSpPr>
-        <p:spPr>
-          <a:xfrm>
-            <a:off x="311700" y="2076816"/>
-            <a:ext cx="8520600" cy="1774748"/>
-          </a:xfrm>
-          <a:prstGeom prst="rect">
-            <a:avLst/>
-          </a:prstGeom>
-        </p:spPr>
-        <p:txBody>
-          <a:bodyPr spcFirstLastPara="1" wrap="square" lIns="91425" tIns="91425" rIns="91425" bIns="91425" anchor="t" anchorCtr="0">
-            <a:normAutofit/>
-          </a:bodyPr>
-          <a:lstStyle/>
-          <a:p>
-            <a:pPr marL="285750" indent="-285750"/>
-            <a:r>
-              <a:rPr lang="hu-HU" b="1" dirty="0"/>
-              <a:t>Leírás</a:t>
-            </a:r>
-            <a:r>
-              <a:rPr lang="hu-HU" dirty="0"/>
-              <a:t>: Kiválasztott cellák átlagát számolja ki.</a:t>
-            </a:r>
-          </a:p>
-          <a:p>
-            <a:pPr marL="285750" indent="-285750"/>
-            <a:r>
-              <a:rPr lang="hu-HU" b="1" dirty="0"/>
-              <a:t>Példa</a:t>
-            </a:r>
-            <a:r>
-              <a:rPr lang="hu-HU" dirty="0"/>
-              <a:t>: </a:t>
-            </a:r>
-            <a:r>
-              <a:rPr lang="hu-HU" dirty="0">
-                <a:highlight>
-                  <a:srgbClr val="C0C0C0"/>
-                </a:highlight>
-              </a:rPr>
-              <a:t> =ÁTLAG(B1:B10) </a:t>
-            </a:r>
-            <a:r>
-              <a:rPr lang="hu-HU" dirty="0"/>
-              <a:t>– Kiszámolja a B1-től B10-ig tartó cellák átlagát.</a:t>
-            </a:r>
-          </a:p>
-          <a:p>
-            <a:pPr marL="285750" indent="-285750"/>
-            <a:r>
-              <a:rPr lang="hu-HU" b="1" dirty="0"/>
-              <a:t>Használat</a:t>
-            </a:r>
-            <a:r>
-              <a:rPr lang="hu-HU" dirty="0"/>
-              <a:t>: Például osztályzatok átlagának kiszámítására.</a:t>
-            </a:r>
-          </a:p>
-        </p:txBody>
-      </p:sp>
-    </p:spTree>
-    <p:extLst>
-      <p:ext uri="{BB962C8B-B14F-4D97-AF65-F5344CB8AC3E}">
-        <p14:creationId xmlns:p14="http://schemas.microsoft.com/office/powerpoint/2010/main" val="3494015106"/>
       </p:ext>
     </p:extLst>
   </p:cSld>
@@ -12784,8 +13282,8 @@
         </p:nvSpPr>
         <p:spPr>
           <a:xfrm>
-            <a:off x="311700" y="2076816"/>
-            <a:ext cx="8520600" cy="1774748"/>
+            <a:off x="311700" y="1638561"/>
+            <a:ext cx="4811843" cy="2955210"/>
           </a:xfrm>
           <a:prstGeom prst="rect">
             <a:avLst/>
@@ -12797,7 +13295,11 @@
           </a:bodyPr>
           <a:lstStyle/>
           <a:p>
-            <a:pPr marL="285750" indent="-285750"/>
+            <a:pPr marL="285750" indent="-285750">
+              <a:spcAft>
+                <a:spcPts val="600"/>
+              </a:spcAft>
+            </a:pPr>
             <a:r>
               <a:rPr lang="hu-HU" b="1" dirty="0"/>
               <a:t>Leírás</a:t>
@@ -12808,7 +13310,11 @@
             </a:r>
           </a:p>
           <a:p>
-            <a:pPr marL="285750" indent="-285750"/>
+            <a:pPr marL="285750" indent="-285750">
+              <a:spcAft>
+                <a:spcPts val="600"/>
+              </a:spcAft>
+            </a:pPr>
             <a:r>
               <a:rPr lang="hu-HU" b="1" dirty="0"/>
               <a:t>Példa</a:t>
@@ -12820,18 +13326,22 @@
             <a:r>
               <a:rPr lang="hu-HU" dirty="0">
                 <a:highlight>
-                  <a:srgbClr val="C0C0C0"/>
+                  <a:srgbClr val="FFFF00"/>
                 </a:highlight>
               </a:rPr>
-              <a:t>=MIN(C1:C10) </a:t>
+              <a:t>=MIN(A1:A7) </a:t>
             </a:r>
             <a:r>
               <a:rPr lang="hu-HU" dirty="0"/>
-              <a:t>– Megadja a C1-től C10-ig tartó cellák legkisebb értékét.</a:t>
-            </a:r>
-          </a:p>
-          <a:p>
-            <a:pPr marL="285750" indent="-285750"/>
+              <a:t>– Megadja a A1-től A7-ig tartó cellák legkisebb értékét.</a:t>
+            </a:r>
+          </a:p>
+          <a:p>
+            <a:pPr marL="285750" indent="-285750">
+              <a:spcAft>
+                <a:spcPts val="600"/>
+              </a:spcAft>
+            </a:pPr>
             <a:r>
               <a:rPr lang="hu-HU" b="1" dirty="0"/>
               <a:t>Használat</a:t>
@@ -12843,6 +13353,36 @@
           </a:p>
         </p:txBody>
       </p:sp>
+      <p:pic>
+        <p:nvPicPr>
+          <p:cNvPr id="5" name="Kép 4">
+            <a:extLst>
+              <a:ext uri="{FF2B5EF4-FFF2-40B4-BE49-F238E27FC236}">
+                <a16:creationId xmlns:a16="http://schemas.microsoft.com/office/drawing/2014/main" id="{9478E3F4-0E2C-F77C-0378-D14E26DF7505}"/>
+              </a:ext>
+            </a:extLst>
+          </p:cNvPr>
+          <p:cNvPicPr>
+            <a:picLocks noChangeAspect="1"/>
+          </p:cNvPicPr>
+          <p:nvPr/>
+        </p:nvPicPr>
+        <p:blipFill>
+          <a:blip r:embed="rId3"/>
+          <a:stretch>
+            <a:fillRect/>
+          </a:stretch>
+        </p:blipFill>
+        <p:spPr>
+          <a:xfrm>
+            <a:off x="5057545" y="1257116"/>
+            <a:ext cx="3296110" cy="2629267"/>
+          </a:xfrm>
+          <a:prstGeom prst="rect">
+            <a:avLst/>
+          </a:prstGeom>
+        </p:spPr>
+      </p:pic>
     </p:spTree>
     <p:extLst>
       <p:ext uri="{BB962C8B-B14F-4D97-AF65-F5344CB8AC3E}">
@@ -13145,8 +13685,8 @@
         </p:nvSpPr>
         <p:spPr>
           <a:xfrm>
-            <a:off x="311700" y="2076816"/>
-            <a:ext cx="8520600" cy="1774748"/>
+            <a:off x="311700" y="1311085"/>
+            <a:ext cx="4659443" cy="2540479"/>
           </a:xfrm>
           <a:prstGeom prst="rect">
             <a:avLst/>
@@ -13158,7 +13698,11 @@
           </a:bodyPr>
           <a:lstStyle/>
           <a:p>
-            <a:pPr marL="285750" indent="-285750"/>
+            <a:pPr marL="285750" indent="-285750">
+              <a:spcAft>
+                <a:spcPts val="600"/>
+              </a:spcAft>
+            </a:pPr>
             <a:r>
               <a:rPr lang="hu-HU" b="1" dirty="0"/>
               <a:t>Leírás</a:t>
@@ -13169,7 +13713,11 @@
             </a:r>
           </a:p>
           <a:p>
-            <a:pPr marL="285750" indent="-285750"/>
+            <a:pPr marL="285750" indent="-285750">
+              <a:spcAft>
+                <a:spcPts val="600"/>
+              </a:spcAft>
+            </a:pPr>
             <a:r>
               <a:rPr lang="hu-HU" b="1" dirty="0"/>
               <a:t>Példa</a:t>
@@ -13181,18 +13729,22 @@
             <a:r>
               <a:rPr lang="hu-HU" dirty="0">
                 <a:highlight>
-                  <a:srgbClr val="C0C0C0"/>
+                  <a:srgbClr val="FFFF00"/>
                 </a:highlight>
               </a:rPr>
-              <a:t>=MAX(D1:D10) </a:t>
+              <a:t>=MAX(A1:A7) </a:t>
             </a:r>
             <a:r>
               <a:rPr lang="hu-HU" dirty="0"/>
-              <a:t>– Megadja a D1-től D10-ig tartó cellák legnagyobb értékét.</a:t>
-            </a:r>
-          </a:p>
-          <a:p>
-            <a:pPr marL="285750" indent="-285750"/>
+              <a:t>– Megadja a A1-től A7-ig tartó cellák legnagyobb értékét.</a:t>
+            </a:r>
+          </a:p>
+          <a:p>
+            <a:pPr marL="285750" indent="-285750">
+              <a:spcAft>
+                <a:spcPts val="600"/>
+              </a:spcAft>
+            </a:pPr>
             <a:r>
               <a:rPr lang="hu-HU" b="1" dirty="0"/>
               <a:t>Használat</a:t>
@@ -13204,6 +13756,36 @@
           </a:p>
         </p:txBody>
       </p:sp>
+      <p:pic>
+        <p:nvPicPr>
+          <p:cNvPr id="3" name="Kép 2">
+            <a:extLst>
+              <a:ext uri="{FF2B5EF4-FFF2-40B4-BE49-F238E27FC236}">
+                <a16:creationId xmlns:a16="http://schemas.microsoft.com/office/drawing/2014/main" id="{D2BB1BEB-FEB5-5659-E951-319956C66F87}"/>
+              </a:ext>
+            </a:extLst>
+          </p:cNvPr>
+          <p:cNvPicPr>
+            <a:picLocks noChangeAspect="1"/>
+          </p:cNvPicPr>
+          <p:nvPr/>
+        </p:nvPicPr>
+        <p:blipFill>
+          <a:blip r:embed="rId3"/>
+          <a:stretch>
+            <a:fillRect/>
+          </a:stretch>
+        </p:blipFill>
+        <p:spPr>
+          <a:xfrm>
+            <a:off x="5380723" y="1311085"/>
+            <a:ext cx="3172268" cy="2724530"/>
+          </a:xfrm>
+          <a:prstGeom prst="rect">
+            <a:avLst/>
+          </a:prstGeom>
+        </p:spPr>
+      </p:pic>
     </p:spTree>
     <p:extLst>
       <p:ext uri="{BB962C8B-B14F-4D97-AF65-F5344CB8AC3E}">
@@ -13218,6 +13800,388 @@
 </file>
 
 <file path=ppt/slides/slide21.xml><?xml version="1.0" encoding="utf-8"?>
+<p:sld xmlns:a="http://schemas.openxmlformats.org/drawingml/2006/main" xmlns:r="http://schemas.openxmlformats.org/officeDocument/2006/relationships" xmlns:p="http://schemas.openxmlformats.org/presentationml/2006/main">
+  <p:cSld>
+    <p:spTree>
+      <p:nvGrpSpPr>
+        <p:cNvPr id="1" name="Shape 150">
+          <a:extLst>
+            <a:ext uri="{FF2B5EF4-FFF2-40B4-BE49-F238E27FC236}">
+              <a16:creationId xmlns:a16="http://schemas.microsoft.com/office/drawing/2014/main" id="{297242AB-3CB4-D678-671B-896CE7DF64E1}"/>
+            </a:ext>
+          </a:extLst>
+        </p:cNvPr>
+        <p:cNvGrpSpPr/>
+        <p:nvPr/>
+      </p:nvGrpSpPr>
+      <p:grpSpPr>
+        <a:xfrm>
+          <a:off x="0" y="0"/>
+          <a:ext cx="0" cy="0"/>
+          <a:chOff x="0" y="0"/>
+          <a:chExt cx="0" cy="0"/>
+        </a:xfrm>
+      </p:grpSpPr>
+      <p:sp>
+        <p:nvSpPr>
+          <p:cNvPr id="151" name="Google Shape;151;p25">
+            <a:extLst>
+              <a:ext uri="{FF2B5EF4-FFF2-40B4-BE49-F238E27FC236}">
+                <a16:creationId xmlns:a16="http://schemas.microsoft.com/office/drawing/2014/main" id="{CACD2523-7CED-A7BB-E3FB-06D6E42C2528}"/>
+              </a:ext>
+            </a:extLst>
+          </p:cNvPr>
+          <p:cNvSpPr txBox="1">
+            <a:spLocks noGrp="1"/>
+          </p:cNvSpPr>
+          <p:nvPr>
+            <p:ph type="title"/>
+          </p:nvPr>
+        </p:nvSpPr>
+        <p:spPr>
+          <a:xfrm>
+            <a:off x="311700" y="445025"/>
+            <a:ext cx="8520600" cy="707400"/>
+          </a:xfrm>
+          <a:prstGeom prst="rect">
+            <a:avLst/>
+          </a:prstGeom>
+        </p:spPr>
+        <p:txBody>
+          <a:bodyPr spcFirstLastPara="1" wrap="square" lIns="91425" tIns="91425" rIns="91425" bIns="91425" anchor="t" anchorCtr="0">
+            <a:normAutofit fontScale="90000"/>
+          </a:bodyPr>
+          <a:lstStyle/>
+          <a:p>
+            <a:pPr marL="0" lvl="0" indent="0" algn="l" rtl="0">
+              <a:spcBef>
+                <a:spcPts val="0"/>
+              </a:spcBef>
+              <a:spcAft>
+                <a:spcPts val="0"/>
+              </a:spcAft>
+              <a:buNone/>
+            </a:pPr>
+            <a:r>
+              <a:rPr lang="hu-HU" dirty="0"/>
+              <a:t>KICSI Valahányadik legkisebb érték</a:t>
+            </a:r>
+            <a:endParaRPr dirty="0"/>
+          </a:p>
+        </p:txBody>
+      </p:sp>
+      <p:sp>
+        <p:nvSpPr>
+          <p:cNvPr id="152" name="Google Shape;152;p25">
+            <a:extLst>
+              <a:ext uri="{FF2B5EF4-FFF2-40B4-BE49-F238E27FC236}">
+                <a16:creationId xmlns:a16="http://schemas.microsoft.com/office/drawing/2014/main" id="{E5702DC1-1073-CF21-2EA1-6AB53F936684}"/>
+              </a:ext>
+            </a:extLst>
+          </p:cNvPr>
+          <p:cNvSpPr txBox="1">
+            <a:spLocks noGrp="1"/>
+          </p:cNvSpPr>
+          <p:nvPr>
+            <p:ph type="body" idx="1"/>
+          </p:nvPr>
+        </p:nvSpPr>
+        <p:spPr>
+          <a:xfrm>
+            <a:off x="311700" y="1350818"/>
+            <a:ext cx="4869900" cy="2500746"/>
+          </a:xfrm>
+          <a:prstGeom prst="rect">
+            <a:avLst/>
+          </a:prstGeom>
+        </p:spPr>
+        <p:txBody>
+          <a:bodyPr spcFirstLastPara="1" wrap="square" lIns="91425" tIns="91425" rIns="91425" bIns="91425" anchor="t" anchorCtr="0">
+            <a:normAutofit lnSpcReduction="10000"/>
+          </a:bodyPr>
+          <a:lstStyle/>
+          <a:p>
+            <a:pPr marL="285750" indent="-285750"/>
+            <a:r>
+              <a:rPr lang="hu-HU" b="1" dirty="0"/>
+              <a:t>Leírás</a:t>
+            </a:r>
+            <a:r>
+              <a:rPr lang="hu-HU" dirty="0"/>
+              <a:t>: Kiválasztott cellák közül a valahányadik legkisebb értéket adja vissza.</a:t>
+            </a:r>
+          </a:p>
+          <a:p>
+            <a:pPr marL="285750" indent="-285750"/>
+            <a:r>
+              <a:rPr lang="hu-HU" b="1" dirty="0"/>
+              <a:t>Példa</a:t>
+            </a:r>
+            <a:r>
+              <a:rPr lang="hu-HU" dirty="0"/>
+              <a:t>: </a:t>
+            </a:r>
+            <a:r>
+              <a:rPr lang="hu-HU" dirty="0">
+                <a:highlight>
+                  <a:srgbClr val="FFFF00"/>
+                </a:highlight>
+              </a:rPr>
+              <a:t>=KICSI(A1:A7; 2) </a:t>
+            </a:r>
+            <a:r>
+              <a:rPr lang="hu-HU" dirty="0"/>
+              <a:t>– Megadja az A1-től A7-ig tartó cellák második legkisebb értékét.</a:t>
+            </a:r>
+          </a:p>
+          <a:p>
+            <a:pPr marL="285750" indent="-285750"/>
+            <a:r>
+              <a:rPr lang="hu-HU" b="1" dirty="0"/>
+              <a:t>Használat</a:t>
+            </a:r>
+            <a:r>
+              <a:rPr lang="hu-HU" dirty="0"/>
+              <a:t>: Például egy versenyben az utolsó előtti helyezett megtalálására.</a:t>
+            </a:r>
+          </a:p>
+        </p:txBody>
+      </p:sp>
+      <p:pic>
+        <p:nvPicPr>
+          <p:cNvPr id="3" name="Kép 2">
+            <a:extLst>
+              <a:ext uri="{FF2B5EF4-FFF2-40B4-BE49-F238E27FC236}">
+                <a16:creationId xmlns:a16="http://schemas.microsoft.com/office/drawing/2014/main" id="{90123178-88A4-43A6-6EFD-7DE142E3FBA3}"/>
+              </a:ext>
+            </a:extLst>
+          </p:cNvPr>
+          <p:cNvPicPr>
+            <a:picLocks noChangeAspect="1"/>
+          </p:cNvPicPr>
+          <p:nvPr/>
+        </p:nvPicPr>
+        <p:blipFill>
+          <a:blip r:embed="rId3"/>
+          <a:stretch>
+            <a:fillRect/>
+          </a:stretch>
+        </p:blipFill>
+        <p:spPr>
+          <a:xfrm>
+            <a:off x="5318182" y="1350818"/>
+            <a:ext cx="3315163" cy="2705478"/>
+          </a:xfrm>
+          <a:prstGeom prst="rect">
+            <a:avLst/>
+          </a:prstGeom>
+        </p:spPr>
+      </p:pic>
+    </p:spTree>
+    <p:extLst>
+      <p:ext uri="{BB962C8B-B14F-4D97-AF65-F5344CB8AC3E}">
+        <p14:creationId xmlns:p14="http://schemas.microsoft.com/office/powerpoint/2010/main" val="3731514719"/>
+      </p:ext>
+    </p:extLst>
+  </p:cSld>
+  <p:clrMapOvr>
+    <a:masterClrMapping/>
+  </p:clrMapOvr>
+</p:sld>
+</file>
+
+<file path=ppt/slides/slide22.xml><?xml version="1.0" encoding="utf-8"?>
+<p:sld xmlns:a="http://schemas.openxmlformats.org/drawingml/2006/main" xmlns:r="http://schemas.openxmlformats.org/officeDocument/2006/relationships" xmlns:p="http://schemas.openxmlformats.org/presentationml/2006/main">
+  <p:cSld>
+    <p:spTree>
+      <p:nvGrpSpPr>
+        <p:cNvPr id="1" name="Shape 150">
+          <a:extLst>
+            <a:ext uri="{FF2B5EF4-FFF2-40B4-BE49-F238E27FC236}">
+              <a16:creationId xmlns:a16="http://schemas.microsoft.com/office/drawing/2014/main" id="{C1D0E0A0-26F6-43E2-C055-F88F05700FE7}"/>
+            </a:ext>
+          </a:extLst>
+        </p:cNvPr>
+        <p:cNvGrpSpPr/>
+        <p:nvPr/>
+      </p:nvGrpSpPr>
+      <p:grpSpPr>
+        <a:xfrm>
+          <a:off x="0" y="0"/>
+          <a:ext cx="0" cy="0"/>
+          <a:chOff x="0" y="0"/>
+          <a:chExt cx="0" cy="0"/>
+        </a:xfrm>
+      </p:grpSpPr>
+      <p:sp>
+        <p:nvSpPr>
+          <p:cNvPr id="151" name="Google Shape;151;p25">
+            <a:extLst>
+              <a:ext uri="{FF2B5EF4-FFF2-40B4-BE49-F238E27FC236}">
+                <a16:creationId xmlns:a16="http://schemas.microsoft.com/office/drawing/2014/main" id="{B5470FD5-813F-0A76-6BB9-D9EB99D954AA}"/>
+              </a:ext>
+            </a:extLst>
+          </p:cNvPr>
+          <p:cNvSpPr txBox="1">
+            <a:spLocks noGrp="1"/>
+          </p:cNvSpPr>
+          <p:nvPr>
+            <p:ph type="title"/>
+          </p:nvPr>
+        </p:nvSpPr>
+        <p:spPr>
+          <a:xfrm>
+            <a:off x="311700" y="445025"/>
+            <a:ext cx="8520600" cy="707400"/>
+          </a:xfrm>
+          <a:prstGeom prst="rect">
+            <a:avLst/>
+          </a:prstGeom>
+        </p:spPr>
+        <p:txBody>
+          <a:bodyPr spcFirstLastPara="1" wrap="square" lIns="91425" tIns="91425" rIns="91425" bIns="91425" anchor="t" anchorCtr="0">
+            <a:normAutofit fontScale="90000"/>
+          </a:bodyPr>
+          <a:lstStyle/>
+          <a:p>
+            <a:pPr marL="0" lvl="0" indent="0" algn="l" rtl="0">
+              <a:spcBef>
+                <a:spcPts val="0"/>
+              </a:spcBef>
+              <a:spcAft>
+                <a:spcPts val="0"/>
+              </a:spcAft>
+              <a:buNone/>
+            </a:pPr>
+            <a:r>
+              <a:rPr lang="hu-HU" dirty="0"/>
+              <a:t>NAGY Valahányadik legnagyobb érték</a:t>
+            </a:r>
+            <a:endParaRPr dirty="0"/>
+          </a:p>
+        </p:txBody>
+      </p:sp>
+      <p:sp>
+        <p:nvSpPr>
+          <p:cNvPr id="152" name="Google Shape;152;p25">
+            <a:extLst>
+              <a:ext uri="{FF2B5EF4-FFF2-40B4-BE49-F238E27FC236}">
+                <a16:creationId xmlns:a16="http://schemas.microsoft.com/office/drawing/2014/main" id="{2460C037-574B-C96E-8279-AC5BB6E4EAEE}"/>
+              </a:ext>
+            </a:extLst>
+          </p:cNvPr>
+          <p:cNvSpPr txBox="1">
+            <a:spLocks noGrp="1"/>
+          </p:cNvSpPr>
+          <p:nvPr>
+            <p:ph type="body" idx="1"/>
+          </p:nvPr>
+        </p:nvSpPr>
+        <p:spPr>
+          <a:xfrm>
+            <a:off x="311700" y="1350818"/>
+            <a:ext cx="4869900" cy="2500746"/>
+          </a:xfrm>
+          <a:prstGeom prst="rect">
+            <a:avLst/>
+          </a:prstGeom>
+        </p:spPr>
+        <p:txBody>
+          <a:bodyPr spcFirstLastPara="1" wrap="square" lIns="91425" tIns="91425" rIns="91425" bIns="91425" anchor="t" anchorCtr="0">
+            <a:normAutofit fontScale="92500" lnSpcReduction="20000"/>
+          </a:bodyPr>
+          <a:lstStyle/>
+          <a:p>
+            <a:pPr marL="285750" indent="-285750"/>
+            <a:r>
+              <a:rPr lang="hu-HU" b="1" dirty="0"/>
+              <a:t>Leírás</a:t>
+            </a:r>
+            <a:r>
+              <a:rPr lang="hu-HU" dirty="0"/>
+              <a:t>: Kiválasztott cellák közül a valahányadik legnagyobb értéket adja vissza.</a:t>
+            </a:r>
+          </a:p>
+          <a:p>
+            <a:pPr marL="285750" indent="-285750"/>
+            <a:r>
+              <a:rPr lang="hu-HU" b="1" dirty="0"/>
+              <a:t>Példa</a:t>
+            </a:r>
+            <a:r>
+              <a:rPr lang="hu-HU" dirty="0"/>
+              <a:t>: </a:t>
+            </a:r>
+            <a:r>
+              <a:rPr lang="hu-HU" dirty="0">
+                <a:highlight>
+                  <a:srgbClr val="FFFF00"/>
+                </a:highlight>
+              </a:rPr>
+              <a:t>=NAGY(A1:A7; 2) </a:t>
+            </a:r>
+            <a:r>
+              <a:rPr lang="hu-HU" dirty="0"/>
+              <a:t>– Megadja az A1-től A7-ig tartó cellák második legnagyobb értékét.</a:t>
+            </a:r>
+          </a:p>
+          <a:p>
+            <a:pPr marL="285750" indent="-285750"/>
+            <a:r>
+              <a:rPr lang="hu-HU" b="1" dirty="0"/>
+              <a:t>Használat</a:t>
+            </a:r>
+            <a:r>
+              <a:rPr lang="hu-HU" dirty="0"/>
+              <a:t>: Például egy versenyben a második legmagasabb pontszámmal rendelkező helyezett megtalálására.</a:t>
+            </a:r>
+          </a:p>
+        </p:txBody>
+      </p:sp>
+      <p:pic>
+        <p:nvPicPr>
+          <p:cNvPr id="4" name="Kép 3">
+            <a:extLst>
+              <a:ext uri="{FF2B5EF4-FFF2-40B4-BE49-F238E27FC236}">
+                <a16:creationId xmlns:a16="http://schemas.microsoft.com/office/drawing/2014/main" id="{C040E098-4372-EA04-4F01-AAA583289F40}"/>
+              </a:ext>
+            </a:extLst>
+          </p:cNvPr>
+          <p:cNvPicPr>
+            <a:picLocks noChangeAspect="1"/>
+          </p:cNvPicPr>
+          <p:nvPr/>
+        </p:nvPicPr>
+        <p:blipFill>
+          <a:blip r:embed="rId3"/>
+          <a:stretch>
+            <a:fillRect/>
+          </a:stretch>
+        </p:blipFill>
+        <p:spPr>
+          <a:xfrm>
+            <a:off x="5567864" y="1146086"/>
+            <a:ext cx="3143689" cy="2705478"/>
+          </a:xfrm>
+          <a:prstGeom prst="rect">
+            <a:avLst/>
+          </a:prstGeom>
+        </p:spPr>
+      </p:pic>
+    </p:spTree>
+    <p:extLst>
+      <p:ext uri="{BB962C8B-B14F-4D97-AF65-F5344CB8AC3E}">
+        <p14:creationId xmlns:p14="http://schemas.microsoft.com/office/powerpoint/2010/main" val="1284465942"/>
+      </p:ext>
+    </p:extLst>
+  </p:cSld>
+  <p:clrMapOvr>
+    <a:masterClrMapping/>
+  </p:clrMapOvr>
+</p:sld>
+</file>
+
+<file path=ppt/slides/slide23.xml><?xml version="1.0" encoding="utf-8"?>
 <p:sld xmlns:a="http://schemas.openxmlformats.org/drawingml/2006/main" xmlns:r="http://schemas.openxmlformats.org/officeDocument/2006/relationships" xmlns:p="http://schemas.openxmlformats.org/presentationml/2006/main">
   <p:cSld>
     <p:spTree>
@@ -13310,8 +14274,8 @@
         </p:nvSpPr>
         <p:spPr>
           <a:xfrm>
-            <a:off x="311700" y="2076816"/>
-            <a:ext cx="8520600" cy="1774748"/>
+            <a:off x="311700" y="1240971"/>
+            <a:ext cx="4456243" cy="2610593"/>
           </a:xfrm>
           <a:prstGeom prst="rect">
             <a:avLst/>
@@ -13319,7 +14283,7 @@
         </p:spPr>
         <p:txBody>
           <a:bodyPr spcFirstLastPara="1" wrap="square" lIns="91425" tIns="91425" rIns="91425" bIns="91425" anchor="t" anchorCtr="0">
-            <a:normAutofit/>
+            <a:normAutofit fontScale="92500"/>
           </a:bodyPr>
           <a:lstStyle/>
           <a:p>
@@ -13346,14 +14310,14 @@
             <a:r>
               <a:rPr lang="hu-HU" dirty="0">
                 <a:highlight>
-                  <a:srgbClr val="C0C0C0"/>
+                  <a:srgbClr val="FFFF00"/>
                 </a:highlight>
               </a:rPr>
-              <a:t>=DARAB(E1:E10) </a:t>
+              <a:t>=DARAB(A1:A7) </a:t>
             </a:r>
             <a:r>
               <a:rPr lang="hu-HU" dirty="0"/>
-              <a:t>– Megszámolja, hogy hány szám van az E1-től E10-ig tartó cellákban.</a:t>
+              <a:t>– Megszámolja, hogy hány szám van az A1-től A7-ig tartó cellákban.</a:t>
             </a:r>
           </a:p>
           <a:p>
@@ -13369,6 +14333,36 @@
           </a:p>
         </p:txBody>
       </p:sp>
+      <p:pic>
+        <p:nvPicPr>
+          <p:cNvPr id="3" name="Kép 2">
+            <a:extLst>
+              <a:ext uri="{FF2B5EF4-FFF2-40B4-BE49-F238E27FC236}">
+                <a16:creationId xmlns:a16="http://schemas.microsoft.com/office/drawing/2014/main" id="{64D77845-7AB7-96FE-548A-E0E4EE37230C}"/>
+              </a:ext>
+            </a:extLst>
+          </p:cNvPr>
+          <p:cNvPicPr>
+            <a:picLocks noChangeAspect="1"/>
+          </p:cNvPicPr>
+          <p:nvPr/>
+        </p:nvPicPr>
+        <p:blipFill>
+          <a:blip r:embed="rId3"/>
+          <a:stretch>
+            <a:fillRect/>
+          </a:stretch>
+        </p:blipFill>
+        <p:spPr>
+          <a:xfrm>
+            <a:off x="5450126" y="1242827"/>
+            <a:ext cx="3077004" cy="2657846"/>
+          </a:xfrm>
+          <a:prstGeom prst="rect">
+            <a:avLst/>
+          </a:prstGeom>
+        </p:spPr>
+      </p:pic>
     </p:spTree>
     <p:extLst>
       <p:ext uri="{BB962C8B-B14F-4D97-AF65-F5344CB8AC3E}">
@@ -13382,7 +14376,7 @@
 </p:sld>
 </file>
 
-<file path=ppt/slides/slide22.xml><?xml version="1.0" encoding="utf-8"?>
+<file path=ppt/slides/slide24.xml><?xml version="1.0" encoding="utf-8"?>
 <p:sld xmlns:a="http://schemas.openxmlformats.org/drawingml/2006/main" xmlns:r="http://schemas.openxmlformats.org/officeDocument/2006/relationships" xmlns:p="http://schemas.openxmlformats.org/presentationml/2006/main">
   <p:cSld>
     <p:spTree>
@@ -13483,8 +14477,8 @@
         </p:nvSpPr>
         <p:spPr>
           <a:xfrm>
-            <a:off x="311700" y="1579419"/>
-            <a:ext cx="8520600" cy="2930236"/>
+            <a:off x="311699" y="1152424"/>
+            <a:ext cx="5624973" cy="3696667"/>
           </a:xfrm>
           <a:prstGeom prst="rect">
             <a:avLst/>
@@ -13527,14 +14521,14 @@
             <a:r>
               <a:rPr lang="hu-HU" dirty="0">
                 <a:highlight>
-                  <a:srgbClr val="C0C0C0"/>
+                  <a:srgbClr val="FFFF00"/>
                 </a:highlight>
               </a:rPr>
-              <a:t>=DARABTELI(G1:G10; "&gt;5") </a:t>
+              <a:t>=DARABTELI(A1:A7; "&gt;5") </a:t>
             </a:r>
             <a:r>
               <a:rPr lang="hu-HU" dirty="0"/>
-              <a:t>– Megszámolja, hogy hány cella értéke nagyobb, mint 5 a G1-től G10-ig tartó tartományban.</a:t>
+              <a:t> Megszámolja, hogy hány cella értéke nagyobb, mint 5 az A1-től A7-ig tartó tartományban.</a:t>
             </a:r>
           </a:p>
           <a:p>
@@ -13569,6 +14563,36 @@
           </a:p>
         </p:txBody>
       </p:sp>
+      <p:pic>
+        <p:nvPicPr>
+          <p:cNvPr id="3" name="Kép 2">
+            <a:extLst>
+              <a:ext uri="{FF2B5EF4-FFF2-40B4-BE49-F238E27FC236}">
+                <a16:creationId xmlns:a16="http://schemas.microsoft.com/office/drawing/2014/main" id="{00C9A2E1-2354-2488-D806-AEBCEDC70938}"/>
+              </a:ext>
+            </a:extLst>
+          </p:cNvPr>
+          <p:cNvPicPr>
+            <a:picLocks noChangeAspect="1"/>
+          </p:cNvPicPr>
+          <p:nvPr/>
+        </p:nvPicPr>
+        <p:blipFill>
+          <a:blip r:embed="rId3"/>
+          <a:stretch>
+            <a:fillRect/>
+          </a:stretch>
+        </p:blipFill>
+        <p:spPr>
+          <a:xfrm>
+            <a:off x="6120966" y="2024743"/>
+            <a:ext cx="2598116" cy="1966333"/>
+          </a:xfrm>
+          <a:prstGeom prst="rect">
+            <a:avLst/>
+          </a:prstGeom>
+        </p:spPr>
+      </p:pic>
     </p:spTree>
     <p:extLst>
       <p:ext uri="{BB962C8B-B14F-4D97-AF65-F5344CB8AC3E}">
@@ -13582,7 +14606,7 @@
 </p:sld>
 </file>
 
-<file path=ppt/slides/slide23.xml><?xml version="1.0" encoding="utf-8"?>
+<file path=ppt/slides/slide25.xml><?xml version="1.0" encoding="utf-8"?>
 <p:sld xmlns:a="http://schemas.openxmlformats.org/drawingml/2006/main" xmlns:r="http://schemas.openxmlformats.org/officeDocument/2006/relationships" xmlns:p="http://schemas.openxmlformats.org/presentationml/2006/main">
   <p:cSld>
     <p:spTree>
@@ -13675,8 +14699,8 @@
         </p:nvSpPr>
         <p:spPr>
           <a:xfrm>
-            <a:off x="311700" y="1579419"/>
-            <a:ext cx="8520600" cy="2930236"/>
+            <a:off x="311700" y="1152425"/>
+            <a:ext cx="4927957" cy="3357230"/>
           </a:xfrm>
           <a:prstGeom prst="rect">
             <a:avLst/>
@@ -13719,14 +14743,14 @@
             <a:r>
               <a:rPr lang="hu-HU" dirty="0">
                 <a:highlight>
-                  <a:srgbClr val="C0C0C0"/>
+                  <a:srgbClr val="FFFF00"/>
                 </a:highlight>
               </a:rPr>
-              <a:t>=SZUMHA(H1:H10; "&gt;5") </a:t>
+              <a:t>=SZUMHA(A1:A7; "&gt;5") </a:t>
             </a:r>
             <a:r>
               <a:rPr lang="hu-HU" dirty="0"/>
-              <a:t>– Összeadja a H1-től H10-ig tartó cellákban az 5-nél nagyobb értékeket.</a:t>
+              <a:t>– Összeadja a A1-től A7-ig tartó cellákban az 5-nél nagyobb értékeket.</a:t>
             </a:r>
           </a:p>
           <a:p>
@@ -13746,6 +14770,36 @@
           </a:p>
         </p:txBody>
       </p:sp>
+      <p:pic>
+        <p:nvPicPr>
+          <p:cNvPr id="3" name="Kép 2">
+            <a:extLst>
+              <a:ext uri="{FF2B5EF4-FFF2-40B4-BE49-F238E27FC236}">
+                <a16:creationId xmlns:a16="http://schemas.microsoft.com/office/drawing/2014/main" id="{FFE8DF8D-1104-184B-E88C-828DA9B2DBE2}"/>
+              </a:ext>
+            </a:extLst>
+          </p:cNvPr>
+          <p:cNvPicPr>
+            <a:picLocks noChangeAspect="1"/>
+          </p:cNvPicPr>
+          <p:nvPr/>
+        </p:nvPicPr>
+        <p:blipFill>
+          <a:blip r:embed="rId3"/>
+          <a:stretch>
+            <a:fillRect/>
+          </a:stretch>
+        </p:blipFill>
+        <p:spPr>
+          <a:xfrm>
+            <a:off x="5319186" y="1266643"/>
+            <a:ext cx="3400900" cy="2610214"/>
+          </a:xfrm>
+          <a:prstGeom prst="rect">
+            <a:avLst/>
+          </a:prstGeom>
+        </p:spPr>
+      </p:pic>
     </p:spTree>
     <p:extLst>
       <p:ext uri="{BB962C8B-B14F-4D97-AF65-F5344CB8AC3E}">
@@ -13759,7 +14813,7 @@
 </p:sld>
 </file>
 
-<file path=ppt/slides/slide24.xml><?xml version="1.0" encoding="utf-8"?>
+<file path=ppt/slides/slide26.xml><?xml version="1.0" encoding="utf-8"?>
 <p:sld xmlns:a="http://schemas.openxmlformats.org/drawingml/2006/main" xmlns:r="http://schemas.openxmlformats.org/officeDocument/2006/relationships" xmlns:p="http://schemas.openxmlformats.org/presentationml/2006/main">
   <p:cSld>
     <p:spTree>
@@ -13824,11 +14878,11 @@
             </a:pPr>
             <a:r>
               <a:rPr lang="en-US" dirty="0"/>
-              <a:t>VÉL (RAND)</a:t>
+              <a:t>VÉL</a:t>
             </a:r>
             <a:r>
               <a:rPr lang="hu-HU" dirty="0"/>
-              <a:t> Véletlenszám generálás</a:t>
+              <a:t>ETLEN.KÖZÖTT Véletlenszám generálás</a:t>
             </a:r>
             <a:endParaRPr dirty="0"/>
           </a:p>
@@ -13853,7 +14907,7 @@
         <p:spPr>
           <a:xfrm>
             <a:off x="311700" y="1579419"/>
-            <a:ext cx="8520600" cy="2930236"/>
+            <a:ext cx="5846618" cy="2930236"/>
           </a:xfrm>
           <a:prstGeom prst="rect">
             <a:avLst/>
@@ -13876,7 +14930,7 @@
             </a:r>
             <a:r>
               <a:rPr lang="hu-HU" dirty="0"/>
-              <a:t>: Véletlenszerű számot generál 0 és 1 között.</a:t>
+              <a:t>: Véletlenszerű egész számot generál két érték között.</a:t>
             </a:r>
           </a:p>
           <a:p>
@@ -13896,14 +14950,14 @@
             <a:r>
               <a:rPr lang="hu-HU" dirty="0">
                 <a:highlight>
-                  <a:srgbClr val="C0C0C0"/>
+                  <a:srgbClr val="FFFF00"/>
                 </a:highlight>
               </a:rPr>
-              <a:t>=VÉL() </a:t>
+              <a:t>=VÉLETLEN.KÖZÖTT(1;6) </a:t>
             </a:r>
             <a:r>
               <a:rPr lang="hu-HU" dirty="0"/>
-              <a:t>– Egy véletlenszerű számot ad vissza.</a:t>
+              <a:t>– Egy véletlenszerű számot ad vissza 1 és 6 között.</a:t>
             </a:r>
           </a:p>
           <a:p>
@@ -13918,11 +14972,41 @@
             </a:r>
             <a:r>
               <a:rPr lang="hu-HU" dirty="0"/>
-              <a:t>: Például véletlenszerű adatok generálására gyakorláshoz.</a:t>
+              <a:t>: Például a dobókocka dobásokat szimulálhatjuk vele.</a:t>
             </a:r>
           </a:p>
         </p:txBody>
       </p:sp>
+      <p:pic>
+        <p:nvPicPr>
+          <p:cNvPr id="3" name="Kép 2">
+            <a:extLst>
+              <a:ext uri="{FF2B5EF4-FFF2-40B4-BE49-F238E27FC236}">
+                <a16:creationId xmlns:a16="http://schemas.microsoft.com/office/drawing/2014/main" id="{4A38DB8E-43F6-8E3C-C0E0-CE771630BC6F}"/>
+              </a:ext>
+            </a:extLst>
+          </p:cNvPr>
+          <p:cNvPicPr>
+            <a:picLocks noChangeAspect="1"/>
+          </p:cNvPicPr>
+          <p:nvPr/>
+        </p:nvPicPr>
+        <p:blipFill>
+          <a:blip r:embed="rId3"/>
+          <a:stretch>
+            <a:fillRect/>
+          </a:stretch>
+        </p:blipFill>
+        <p:spPr>
+          <a:xfrm>
+            <a:off x="6234882" y="1259470"/>
+            <a:ext cx="1971950" cy="3439005"/>
+          </a:xfrm>
+          <a:prstGeom prst="rect">
+            <a:avLst/>
+          </a:prstGeom>
+        </p:spPr>
+      </p:pic>
     </p:spTree>
     <p:extLst>
       <p:ext uri="{BB962C8B-B14F-4D97-AF65-F5344CB8AC3E}">
@@ -13936,7 +15020,7 @@
 </p:sld>
 </file>
 
-<file path=ppt/slides/slide25.xml><?xml version="1.0" encoding="utf-8"?>
+<file path=ppt/slides/slide27.xml><?xml version="1.0" encoding="utf-8"?>
 <p:sld xmlns:a="http://schemas.openxmlformats.org/drawingml/2006/main" xmlns:r="http://schemas.openxmlformats.org/officeDocument/2006/relationships" xmlns:p="http://schemas.openxmlformats.org/presentationml/2006/main">
   <p:cSld>
     <p:spTree>
@@ -14001,23 +15085,15 @@
             </a:pPr>
             <a:r>
               <a:rPr lang="hu-HU" dirty="0"/>
-              <a:t>FKERES, VKERES</a:t>
+              <a:t>FKERES</a:t>
             </a:r>
             <a:r>
               <a:rPr lang="en-US" dirty="0"/>
-              <a:t> (VLOOKUP/HLOOKUP)</a:t>
+              <a:t> (VLOOKUP)</a:t>
             </a:r>
             <a:r>
               <a:rPr lang="hu-HU" dirty="0"/>
-              <a:t> Vízszintes és </a:t>
-            </a:r>
-            <a:r>
-              <a:rPr lang="hu-HU" dirty="0" err="1"/>
-              <a:t>függöleges</a:t>
-            </a:r>
-            <a:r>
-              <a:rPr lang="hu-HU" dirty="0"/>
-              <a:t> keresés</a:t>
+              <a:t> Függőleges keresés</a:t>
             </a:r>
             <a:endParaRPr dirty="0"/>
           </a:p>
@@ -14041,8 +15117,8 @@
         </p:nvSpPr>
         <p:spPr>
           <a:xfrm>
-            <a:off x="311700" y="1579419"/>
-            <a:ext cx="8520600" cy="2930236"/>
+            <a:off x="311700" y="1215843"/>
+            <a:ext cx="4521557" cy="3398981"/>
           </a:xfrm>
           <a:prstGeom prst="rect">
             <a:avLst/>
@@ -14085,14 +15161,14 @@
             <a:r>
               <a:rPr lang="hu-HU" dirty="0">
                 <a:highlight>
-                  <a:srgbClr val="C0C0C0"/>
+                  <a:srgbClr val="FFFF00"/>
                 </a:highlight>
               </a:rPr>
-              <a:t>=KERESÉS("János"; A1:B10; 2; HAMIS) </a:t>
+              <a:t>=FKERES(4; A2:B7; 2; HAMIS) </a:t>
             </a:r>
             <a:r>
               <a:rPr lang="hu-HU" dirty="0"/>
-              <a:t>– Megkeresi "János" nevű sort az A1:B10 tartományban, és a második oszlopban lévő értéket adja vissza.</a:t>
+              <a:t>– Megkeresi a 4-es nevű sort az A2:B7 tartományban, és a második oszlopban lévő értéket adja vissza, ami a Hanna.</a:t>
             </a:r>
           </a:p>
           <a:p>
@@ -14112,6 +15188,36 @@
           </a:p>
         </p:txBody>
       </p:sp>
+      <p:pic>
+        <p:nvPicPr>
+          <p:cNvPr id="3" name="Kép 2">
+            <a:extLst>
+              <a:ext uri="{FF2B5EF4-FFF2-40B4-BE49-F238E27FC236}">
+                <a16:creationId xmlns:a16="http://schemas.microsoft.com/office/drawing/2014/main" id="{F0F84D5C-246D-620F-8503-5513105734E6}"/>
+              </a:ext>
+            </a:extLst>
+          </p:cNvPr>
+          <p:cNvPicPr>
+            <a:picLocks noChangeAspect="1"/>
+          </p:cNvPicPr>
+          <p:nvPr/>
+        </p:nvPicPr>
+        <p:blipFill>
+          <a:blip r:embed="rId3"/>
+          <a:stretch>
+            <a:fillRect/>
+          </a:stretch>
+        </p:blipFill>
+        <p:spPr>
+          <a:xfrm>
+            <a:off x="4945252" y="1215843"/>
+            <a:ext cx="3781953" cy="2610214"/>
+          </a:xfrm>
+          <a:prstGeom prst="rect">
+            <a:avLst/>
+          </a:prstGeom>
+        </p:spPr>
+      </p:pic>
     </p:spTree>
     <p:extLst>
       <p:ext uri="{BB962C8B-B14F-4D97-AF65-F5344CB8AC3E}">
@@ -14125,7 +15231,210 @@
 </p:sld>
 </file>
 
-<file path=ppt/slides/slide26.xml><?xml version="1.0" encoding="utf-8"?>
+<file path=ppt/slides/slide28.xml><?xml version="1.0" encoding="utf-8"?>
+<p:sld xmlns:a="http://schemas.openxmlformats.org/drawingml/2006/main" xmlns:r="http://schemas.openxmlformats.org/officeDocument/2006/relationships" xmlns:p="http://schemas.openxmlformats.org/presentationml/2006/main">
+  <p:cSld>
+    <p:spTree>
+      <p:nvGrpSpPr>
+        <p:cNvPr id="1" name="Shape 150">
+          <a:extLst>
+            <a:ext uri="{FF2B5EF4-FFF2-40B4-BE49-F238E27FC236}">
+              <a16:creationId xmlns:a16="http://schemas.microsoft.com/office/drawing/2014/main" id="{F0C2009A-3C2B-CE51-D19C-790397A5E3CA}"/>
+            </a:ext>
+          </a:extLst>
+        </p:cNvPr>
+        <p:cNvGrpSpPr/>
+        <p:nvPr/>
+      </p:nvGrpSpPr>
+      <p:grpSpPr>
+        <a:xfrm>
+          <a:off x="0" y="0"/>
+          <a:ext cx="0" cy="0"/>
+          <a:chOff x="0" y="0"/>
+          <a:chExt cx="0" cy="0"/>
+        </a:xfrm>
+      </p:grpSpPr>
+      <p:sp>
+        <p:nvSpPr>
+          <p:cNvPr id="151" name="Google Shape;151;p25">
+            <a:extLst>
+              <a:ext uri="{FF2B5EF4-FFF2-40B4-BE49-F238E27FC236}">
+                <a16:creationId xmlns:a16="http://schemas.microsoft.com/office/drawing/2014/main" id="{1763106A-7BB1-D527-9BEA-108B8F25D7DC}"/>
+              </a:ext>
+            </a:extLst>
+          </p:cNvPr>
+          <p:cNvSpPr txBox="1">
+            <a:spLocks noGrp="1"/>
+          </p:cNvSpPr>
+          <p:nvPr>
+            <p:ph type="title"/>
+          </p:nvPr>
+        </p:nvSpPr>
+        <p:spPr>
+          <a:xfrm>
+            <a:off x="311700" y="445025"/>
+            <a:ext cx="8520600" cy="707400"/>
+          </a:xfrm>
+          <a:prstGeom prst="rect">
+            <a:avLst/>
+          </a:prstGeom>
+        </p:spPr>
+        <p:txBody>
+          <a:bodyPr spcFirstLastPara="1" wrap="square" lIns="91425" tIns="91425" rIns="91425" bIns="91425" anchor="t" anchorCtr="0">
+            <a:normAutofit fontScale="90000"/>
+          </a:bodyPr>
+          <a:lstStyle/>
+          <a:p>
+            <a:pPr marL="0" lvl="0" indent="0" algn="l" rtl="0">
+              <a:spcBef>
+                <a:spcPts val="0"/>
+              </a:spcBef>
+              <a:spcAft>
+                <a:spcPts val="0"/>
+              </a:spcAft>
+              <a:buNone/>
+            </a:pPr>
+            <a:r>
+              <a:rPr lang="hu-HU" dirty="0"/>
+              <a:t>HOL.VAN (MATCH) Hányadik helyen van egy érték</a:t>
+            </a:r>
+            <a:endParaRPr dirty="0"/>
+          </a:p>
+        </p:txBody>
+      </p:sp>
+      <p:sp>
+        <p:nvSpPr>
+          <p:cNvPr id="152" name="Google Shape;152;p25">
+            <a:extLst>
+              <a:ext uri="{FF2B5EF4-FFF2-40B4-BE49-F238E27FC236}">
+                <a16:creationId xmlns:a16="http://schemas.microsoft.com/office/drawing/2014/main" id="{BF7198EF-DA65-6FA8-A9E8-CBA7A8ADF06E}"/>
+              </a:ext>
+            </a:extLst>
+          </p:cNvPr>
+          <p:cNvSpPr txBox="1">
+            <a:spLocks noGrp="1"/>
+          </p:cNvSpPr>
+          <p:nvPr>
+            <p:ph type="body" idx="1"/>
+          </p:nvPr>
+        </p:nvSpPr>
+        <p:spPr>
+          <a:xfrm>
+            <a:off x="311700" y="1288473"/>
+            <a:ext cx="5003126" cy="3221182"/>
+          </a:xfrm>
+          <a:prstGeom prst="rect">
+            <a:avLst/>
+          </a:prstGeom>
+        </p:spPr>
+        <p:txBody>
+          <a:bodyPr spcFirstLastPara="1" wrap="square" lIns="91425" tIns="91425" rIns="91425" bIns="91425" anchor="t" anchorCtr="0">
+            <a:noAutofit/>
+          </a:bodyPr>
+          <a:lstStyle/>
+          <a:p>
+            <a:pPr marL="285750" indent="-285750">
+              <a:spcAft>
+                <a:spcPts val="600"/>
+              </a:spcAft>
+            </a:pPr>
+            <a:r>
+              <a:rPr lang="hu-HU" b="1" dirty="0"/>
+              <a:t>Leírás</a:t>
+            </a:r>
+            <a:r>
+              <a:rPr lang="hu-HU" dirty="0"/>
+              <a:t>: Megadja, hogy egy érték hányadik helyen szerepel egy tartományban.</a:t>
+            </a:r>
+          </a:p>
+          <a:p>
+            <a:pPr marL="285750" indent="-285750">
+              <a:spcAft>
+                <a:spcPts val="600"/>
+              </a:spcAft>
+            </a:pPr>
+            <a:r>
+              <a:rPr lang="hu-HU" b="1" dirty="0"/>
+              <a:t>Példa</a:t>
+            </a:r>
+            <a:r>
+              <a:rPr lang="hu-HU" dirty="0"/>
+              <a:t>: </a:t>
+            </a:r>
+            <a:r>
+              <a:rPr lang="hu-HU" dirty="0">
+                <a:highlight>
+                  <a:srgbClr val="FFFF00"/>
+                </a:highlight>
+              </a:rPr>
+              <a:t>=HOL.VAN("János"; B2:B7; 0) </a:t>
+            </a:r>
+            <a:r>
+              <a:rPr lang="hu-HU" dirty="0"/>
+              <a:t>– Megadja, hogy "János" hányadik sorban van az B2:B7 tartományban. Itt János a 3-ik sorban van.</a:t>
+            </a:r>
+          </a:p>
+          <a:p>
+            <a:pPr marL="285750" indent="-285750">
+              <a:spcAft>
+                <a:spcPts val="600"/>
+              </a:spcAft>
+            </a:pPr>
+            <a:r>
+              <a:rPr lang="hu-HU" b="1" dirty="0"/>
+              <a:t>Használat</a:t>
+            </a:r>
+            <a:r>
+              <a:rPr lang="hu-HU" dirty="0"/>
+              <a:t>: Például egy név vagy érték pozíciójának megtalálására. Gyakran az INDEX() függvényen belül használják.</a:t>
+            </a:r>
+          </a:p>
+        </p:txBody>
+      </p:sp>
+      <p:pic>
+        <p:nvPicPr>
+          <p:cNvPr id="3" name="Kép 2">
+            <a:extLst>
+              <a:ext uri="{FF2B5EF4-FFF2-40B4-BE49-F238E27FC236}">
+                <a16:creationId xmlns:a16="http://schemas.microsoft.com/office/drawing/2014/main" id="{2418D004-1AB8-8615-79EF-3388390B24AF}"/>
+              </a:ext>
+            </a:extLst>
+          </p:cNvPr>
+          <p:cNvPicPr>
+            <a:picLocks noChangeAspect="1"/>
+          </p:cNvPicPr>
+          <p:nvPr/>
+        </p:nvPicPr>
+        <p:blipFill>
+          <a:blip r:embed="rId3"/>
+          <a:stretch>
+            <a:fillRect/>
+          </a:stretch>
+        </p:blipFill>
+        <p:spPr>
+          <a:xfrm>
+            <a:off x="5314826" y="1908629"/>
+            <a:ext cx="3404308" cy="2205930"/>
+          </a:xfrm>
+          <a:prstGeom prst="rect">
+            <a:avLst/>
+          </a:prstGeom>
+        </p:spPr>
+      </p:pic>
+    </p:spTree>
+    <p:extLst>
+      <p:ext uri="{BB962C8B-B14F-4D97-AF65-F5344CB8AC3E}">
+        <p14:creationId xmlns:p14="http://schemas.microsoft.com/office/powerpoint/2010/main" val="3354337868"/>
+      </p:ext>
+    </p:extLst>
+  </p:cSld>
+  <p:clrMapOvr>
+    <a:masterClrMapping/>
+  </p:clrMapOvr>
+</p:sld>
+</file>
+
+<file path=ppt/slides/slide29.xml><?xml version="1.0" encoding="utf-8"?>
 <p:sld xmlns:a="http://schemas.openxmlformats.org/drawingml/2006/main" xmlns:r="http://schemas.openxmlformats.org/officeDocument/2006/relationships" xmlns:p="http://schemas.openxmlformats.org/presentationml/2006/main">
   <p:cSld>
     <p:spTree>
@@ -14215,7 +15524,7 @@
         <p:spPr>
           <a:xfrm>
             <a:off x="311700" y="1579419"/>
-            <a:ext cx="8520600" cy="2930236"/>
+            <a:ext cx="4869900" cy="2930236"/>
           </a:xfrm>
           <a:prstGeom prst="rect">
             <a:avLst/>
@@ -14258,14 +15567,14 @@
             <a:r>
               <a:rPr lang="hu-HU" dirty="0">
                 <a:highlight>
-                  <a:srgbClr val="C0C0C0"/>
+                  <a:srgbClr val="FFFF00"/>
                 </a:highlight>
               </a:rPr>
-              <a:t>=INDEX(A1:C10; 3; 2) </a:t>
+              <a:t>=INDEX(B2:C7; 4; 2) </a:t>
             </a:r>
             <a:r>
               <a:rPr lang="hu-HU" dirty="0"/>
-              <a:t>– Az A1:C10 tartomány 3. sorának és 2. oszlopának értékét adja vissza.</a:t>
+              <a:t>– Az B2:C7 tartomány 4. sorának és 2. oszlopának értékét adja vissza, ami itt a „barna”</a:t>
             </a:r>
           </a:p>
           <a:p>
@@ -14285,6 +15594,36 @@
           </a:p>
         </p:txBody>
       </p:sp>
+      <p:pic>
+        <p:nvPicPr>
+          <p:cNvPr id="3" name="Kép 2">
+            <a:extLst>
+              <a:ext uri="{FF2B5EF4-FFF2-40B4-BE49-F238E27FC236}">
+                <a16:creationId xmlns:a16="http://schemas.microsoft.com/office/drawing/2014/main" id="{12623B6A-9CE2-173C-A9E2-CABCD6AE342B}"/>
+              </a:ext>
+            </a:extLst>
+          </p:cNvPr>
+          <p:cNvPicPr>
+            <a:picLocks noChangeAspect="1"/>
+          </p:cNvPicPr>
+          <p:nvPr/>
+        </p:nvPicPr>
+        <p:blipFill>
+          <a:blip r:embed="rId3"/>
+          <a:stretch>
+            <a:fillRect/>
+          </a:stretch>
+        </p:blipFill>
+        <p:spPr>
+          <a:xfrm>
+            <a:off x="5562811" y="1152425"/>
+            <a:ext cx="3172268" cy="2676899"/>
+          </a:xfrm>
+          <a:prstGeom prst="rect">
+            <a:avLst/>
+          </a:prstGeom>
+        </p:spPr>
+      </p:pic>
     </p:spTree>
     <p:extLst>
       <p:ext uri="{BB962C8B-B14F-4D97-AF65-F5344CB8AC3E}">
@@ -14298,7 +15637,243 @@
 </p:sld>
 </file>
 
-<file path=ppt/slides/slide27.xml><?xml version="1.0" encoding="utf-8"?>
+<file path=ppt/slides/slide3.xml><?xml version="1.0" encoding="utf-8"?>
+<p:sld xmlns:a="http://schemas.openxmlformats.org/drawingml/2006/main" xmlns:r="http://schemas.openxmlformats.org/officeDocument/2006/relationships" xmlns:p="http://schemas.openxmlformats.org/presentationml/2006/main">
+  <p:cSld>
+    <p:spTree>
+      <p:nvGrpSpPr>
+        <p:cNvPr id="1" name="Shape 77"/>
+        <p:cNvGrpSpPr/>
+        <p:nvPr/>
+      </p:nvGrpSpPr>
+      <p:grpSpPr>
+        <a:xfrm>
+          <a:off x="0" y="0"/>
+          <a:ext cx="0" cy="0"/>
+          <a:chOff x="0" y="0"/>
+          <a:chExt cx="0" cy="0"/>
+        </a:xfrm>
+      </p:grpSpPr>
+      <p:sp>
+        <p:nvSpPr>
+          <p:cNvPr id="78" name="Google Shape;78;p15"/>
+          <p:cNvSpPr txBox="1">
+            <a:spLocks noGrp="1"/>
+          </p:cNvSpPr>
+          <p:nvPr>
+            <p:ph type="title"/>
+          </p:nvPr>
+        </p:nvSpPr>
+        <p:spPr>
+          <a:xfrm>
+            <a:off x="311700" y="445025"/>
+            <a:ext cx="8520600" cy="707400"/>
+          </a:xfrm>
+          <a:prstGeom prst="rect">
+            <a:avLst/>
+          </a:prstGeom>
+        </p:spPr>
+        <p:txBody>
+          <a:bodyPr spcFirstLastPara="1" wrap="square" lIns="91425" tIns="91425" rIns="91425" bIns="91425" anchor="t" anchorCtr="0">
+            <a:normAutofit fontScale="90000"/>
+          </a:bodyPr>
+          <a:lstStyle/>
+          <a:p>
+            <a:pPr marL="0" lvl="0" indent="0" algn="l" rtl="0">
+              <a:spcBef>
+                <a:spcPts val="0"/>
+              </a:spcBef>
+              <a:spcAft>
+                <a:spcPts val="0"/>
+              </a:spcAft>
+              <a:buNone/>
+            </a:pPr>
+            <a:r>
+              <a:rPr lang="hu"/>
+              <a:t>Felhasználási területek:</a:t>
+            </a:r>
+            <a:endParaRPr/>
+          </a:p>
+          <a:p>
+            <a:pPr marL="0" lvl="0" indent="0" algn="l" rtl="0">
+              <a:spcBef>
+                <a:spcPts val="0"/>
+              </a:spcBef>
+              <a:spcAft>
+                <a:spcPts val="0"/>
+              </a:spcAft>
+              <a:buNone/>
+            </a:pPr>
+            <a:endParaRPr/>
+          </a:p>
+          <a:p>
+            <a:pPr marL="0" lvl="0" indent="0" algn="l" rtl="0">
+              <a:spcBef>
+                <a:spcPts val="0"/>
+              </a:spcBef>
+              <a:spcAft>
+                <a:spcPts val="0"/>
+              </a:spcAft>
+              <a:buNone/>
+            </a:pPr>
+            <a:endParaRPr/>
+          </a:p>
+        </p:txBody>
+      </p:sp>
+      <p:sp>
+        <p:nvSpPr>
+          <p:cNvPr id="79" name="Google Shape;79;p15"/>
+          <p:cNvSpPr txBox="1">
+            <a:spLocks noGrp="1"/>
+          </p:cNvSpPr>
+          <p:nvPr>
+            <p:ph type="body" idx="1"/>
+          </p:nvPr>
+        </p:nvSpPr>
+        <p:spPr>
+          <a:xfrm>
+            <a:off x="311700" y="1266325"/>
+            <a:ext cx="8520600" cy="3302700"/>
+          </a:xfrm>
+          <a:prstGeom prst="rect">
+            <a:avLst/>
+          </a:prstGeom>
+        </p:spPr>
+        <p:txBody>
+          <a:bodyPr spcFirstLastPara="1" wrap="square" lIns="91425" tIns="91425" rIns="91425" bIns="91425" anchor="t" anchorCtr="0">
+            <a:normAutofit/>
+          </a:bodyPr>
+          <a:lstStyle/>
+          <a:p>
+            <a:pPr marL="457200" lvl="0" indent="-342900" algn="l" rtl="0">
+              <a:spcBef>
+                <a:spcPts val="0"/>
+              </a:spcBef>
+              <a:spcAft>
+                <a:spcPts val="0"/>
+              </a:spcAft>
+              <a:buSzPts val="1800"/>
+              <a:buChar char="●"/>
+            </a:pPr>
+            <a:r>
+              <a:rPr lang="hu"/>
+              <a:t>Pénzügyi tervezés és elemzés.</a:t>
+            </a:r>
+            <a:endParaRPr/>
+          </a:p>
+          <a:p>
+            <a:pPr marL="457200" lvl="0" indent="-342900" algn="l" rtl="0">
+              <a:spcBef>
+                <a:spcPts val="0"/>
+              </a:spcBef>
+              <a:spcAft>
+                <a:spcPts val="0"/>
+              </a:spcAft>
+              <a:buSzPts val="1800"/>
+              <a:buChar char="●"/>
+            </a:pPr>
+            <a:r>
+              <a:rPr lang="hu"/>
+              <a:t>Készletkezelés.</a:t>
+            </a:r>
+            <a:endParaRPr/>
+          </a:p>
+          <a:p>
+            <a:pPr marL="457200" lvl="0" indent="-342900" algn="l" rtl="0">
+              <a:spcBef>
+                <a:spcPts val="0"/>
+              </a:spcBef>
+              <a:spcAft>
+                <a:spcPts val="0"/>
+              </a:spcAft>
+              <a:buSzPts val="1800"/>
+              <a:buChar char="●"/>
+            </a:pPr>
+            <a:r>
+              <a:rPr lang="hu"/>
+              <a:t>Iskolai jegyzetek és nyilvántartások.</a:t>
+            </a:r>
+            <a:endParaRPr/>
+          </a:p>
+          <a:p>
+            <a:pPr marL="457200" lvl="0" indent="-342900" algn="l" rtl="0">
+              <a:spcBef>
+                <a:spcPts val="0"/>
+              </a:spcBef>
+              <a:spcAft>
+                <a:spcPts val="0"/>
+              </a:spcAft>
+              <a:buSzPts val="1800"/>
+              <a:buChar char="●"/>
+            </a:pPr>
+            <a:r>
+              <a:rPr lang="hu"/>
+              <a:t>Tudományos kutatás és statisztikai elemzések.</a:t>
+            </a:r>
+            <a:endParaRPr/>
+          </a:p>
+          <a:p>
+            <a:pPr marL="457200" lvl="0" indent="-342900" algn="l" rtl="0">
+              <a:spcBef>
+                <a:spcPts val="0"/>
+              </a:spcBef>
+              <a:spcAft>
+                <a:spcPts val="0"/>
+              </a:spcAft>
+              <a:buSzPts val="1800"/>
+              <a:buChar char="●"/>
+            </a:pPr>
+            <a:r>
+              <a:rPr lang="hu"/>
+              <a:t>Otthoni felhasználás:</a:t>
+            </a:r>
+            <a:endParaRPr/>
+          </a:p>
+          <a:p>
+            <a:pPr marL="914400" lvl="1" indent="-317500" algn="l" rtl="0">
+              <a:spcBef>
+                <a:spcPts val="0"/>
+              </a:spcBef>
+              <a:spcAft>
+                <a:spcPts val="0"/>
+              </a:spcAft>
+              <a:buSzPts val="1400"/>
+              <a:buChar char="○"/>
+            </a:pPr>
+            <a:r>
+              <a:rPr lang="hu"/>
+              <a:t>Családi költségvetés nyomon követése</a:t>
+            </a:r>
+            <a:endParaRPr/>
+          </a:p>
+          <a:p>
+            <a:pPr marL="914400" lvl="1" indent="-317500" algn="l" rtl="0">
+              <a:spcBef>
+                <a:spcPts val="0"/>
+              </a:spcBef>
+              <a:spcAft>
+                <a:spcPts val="0"/>
+              </a:spcAft>
+              <a:buSzPts val="1400"/>
+              <a:buChar char="○"/>
+            </a:pPr>
+            <a:r>
+              <a:rPr lang="hu"/>
+              <a:t>Autóval kapcsolatos szervizelések, tankolások nyomon követése</a:t>
+            </a:r>
+            <a:endParaRPr/>
+          </a:p>
+        </p:txBody>
+      </p:sp>
+    </p:spTree>
+  </p:cSld>
+  <p:clrMapOvr>
+    <a:masterClrMapping/>
+  </p:clrMapOvr>
+</p:sld>
+</file>
+
+<file path=ppt/slides/slide30.xml><?xml version="1.0" encoding="utf-8"?>
 <p:sld xmlns:a="http://schemas.openxmlformats.org/drawingml/2006/main" xmlns:r="http://schemas.openxmlformats.org/officeDocument/2006/relationships" xmlns:p="http://schemas.openxmlformats.org/presentationml/2006/main">
   <p:cSld>
     <p:spTree>
@@ -14306,7 +15881,7 @@
         <p:cNvPr id="1" name="Shape 150">
           <a:extLst>
             <a:ext uri="{FF2B5EF4-FFF2-40B4-BE49-F238E27FC236}">
-              <a16:creationId xmlns:a16="http://schemas.microsoft.com/office/drawing/2014/main" id="{F0C2009A-3C2B-CE51-D19C-790397A5E3CA}"/>
+              <a16:creationId xmlns:a16="http://schemas.microsoft.com/office/drawing/2014/main" id="{0AD70CA4-51F8-1256-DA56-CD62BEEF5F0A}"/>
             </a:ext>
           </a:extLst>
         </p:cNvPr>
@@ -14326,7 +15901,7 @@
           <p:cNvPr id="151" name="Google Shape;151;p25">
             <a:extLst>
               <a:ext uri="{FF2B5EF4-FFF2-40B4-BE49-F238E27FC236}">
-                <a16:creationId xmlns:a16="http://schemas.microsoft.com/office/drawing/2014/main" id="{1763106A-7BB1-D527-9BEA-108B8F25D7DC}"/>
+                <a16:creationId xmlns:a16="http://schemas.microsoft.com/office/drawing/2014/main" id="{4551034E-4BB5-E2A1-8F80-F1762849DBA0}"/>
               </a:ext>
             </a:extLst>
           </p:cNvPr>
@@ -14363,7 +15938,7 @@
             </a:pPr>
             <a:r>
               <a:rPr lang="hu-HU" dirty="0"/>
-              <a:t>HOL.VAN (MATCH) Hányadik helyen van egy érték</a:t>
+              <a:t>INDEX és HOL.VAN kombinációja</a:t>
             </a:r>
             <a:endParaRPr dirty="0"/>
           </a:p>
@@ -14374,7 +15949,7 @@
           <p:cNvPr id="152" name="Google Shape;152;p25">
             <a:extLst>
               <a:ext uri="{FF2B5EF4-FFF2-40B4-BE49-F238E27FC236}">
-                <a16:creationId xmlns:a16="http://schemas.microsoft.com/office/drawing/2014/main" id="{BF7198EF-DA65-6FA8-A9E8-CBA7A8ADF06E}"/>
+                <a16:creationId xmlns:a16="http://schemas.microsoft.com/office/drawing/2014/main" id="{79F58047-06DB-D487-E96B-223033D38B07}"/>
               </a:ext>
             </a:extLst>
           </p:cNvPr>
@@ -14388,7 +15963,7 @@
         <p:spPr>
           <a:xfrm>
             <a:off x="311700" y="1579419"/>
-            <a:ext cx="8520600" cy="2930236"/>
+            <a:ext cx="4869900" cy="2930236"/>
           </a:xfrm>
           <a:prstGeom prst="rect">
             <a:avLst/>
@@ -14407,11 +15982,11 @@
             </a:pPr>
             <a:r>
               <a:rPr lang="hu-HU" b="1" dirty="0"/>
-              <a:t>Leírás</a:t>
+              <a:t>Feladat</a:t>
             </a:r>
             <a:r>
               <a:rPr lang="hu-HU" dirty="0"/>
-              <a:t>: Megadja, hogy egy érték hányadik helyen szerepel egy tartományban.</a:t>
+              <a:t>: Kinek a kedvenc színe a fekete?</a:t>
             </a:r>
           </a:p>
           <a:p>
@@ -14422,46 +15997,165 @@
             </a:pPr>
             <a:r>
               <a:rPr lang="hu-HU" b="1" dirty="0"/>
-              <a:t>Példa</a:t>
+              <a:t>Megoldás</a:t>
             </a:r>
             <a:r>
               <a:rPr lang="hu-HU" dirty="0"/>
               <a:t>: </a:t>
             </a:r>
+          </a:p>
+          <a:p>
+            <a:pPr marL="800100" lvl="1" indent="-342900">
+              <a:spcAft>
+                <a:spcPts val="600"/>
+              </a:spcAft>
+              <a:buFont typeface="+mj-lt"/>
+              <a:buAutoNum type="arabicPeriod"/>
+            </a:pPr>
+            <a:r>
+              <a:rPr lang="hu-HU" dirty="0"/>
+              <a:t>Keressük meg hányadik sorban van a „fekete”! </a:t>
+            </a:r>
             <a:r>
               <a:rPr lang="hu-HU" dirty="0">
                 <a:highlight>
-                  <a:srgbClr val="C0C0C0"/>
+                  <a:srgbClr val="FFFF00"/>
                 </a:highlight>
               </a:rPr>
-              <a:t>=HOL.VAN("János"; A1:A10; 0) </a:t>
+              <a:t>=HOL.VAN(„fekete”;C2:C7;0) </a:t>
             </a:r>
             <a:r>
               <a:rPr lang="hu-HU" dirty="0"/>
-              <a:t>– Megadja, hogy "János" hányadik sorban van az A1:A10 tartományban.</a:t>
-            </a:r>
-          </a:p>
-          <a:p>
-            <a:pPr marL="285750" indent="-285750">
+              <a:t>Ez megmondja, hogy a tartomány ötödik sorában van a „fekete”.</a:t>
+            </a:r>
+          </a:p>
+          <a:p>
+            <a:pPr marL="800100" lvl="1" indent="-342900">
               <a:spcAft>
                 <a:spcPts val="600"/>
               </a:spcAft>
-            </a:pPr>
-            <a:r>
-              <a:rPr lang="hu-HU" b="1" dirty="0"/>
-              <a:t>Használat</a:t>
-            </a:r>
+              <a:buFont typeface="+mj-lt"/>
+              <a:buAutoNum type="arabicPeriod"/>
+            </a:pPr>
             <a:r>
               <a:rPr lang="hu-HU" dirty="0"/>
-              <a:t>: Például egy név vagy érték pozíciójának megtalálására.</a:t>
-            </a:r>
+              <a:t>Ezt illesszük be az INDEX() függvény sor paraméterébe!</a:t>
+            </a:r>
+            <a:br>
+              <a:rPr lang="hu-HU" dirty="0"/>
+            </a:br>
+            <a:r>
+              <a:rPr lang="hu-HU" dirty="0">
+                <a:highlight>
+                  <a:srgbClr val="00FF00"/>
+                </a:highlight>
+              </a:rPr>
+              <a:t>=INDEX(B2:C7;</a:t>
+            </a:r>
+            <a:r>
+              <a:rPr lang="hu-HU" dirty="0">
+                <a:highlight>
+                  <a:srgbClr val="FFFF00"/>
+                </a:highlight>
+              </a:rPr>
+              <a:t>HOL.VAN("fekete„;C2:C7;0)</a:t>
+            </a:r>
+            <a:r>
+              <a:rPr lang="hu-HU" dirty="0">
+                <a:highlight>
+                  <a:srgbClr val="00FF00"/>
+                </a:highlight>
+              </a:rPr>
+              <a:t>;1)</a:t>
+            </a:r>
+            <a:br>
+              <a:rPr lang="hu-HU" dirty="0"/>
+            </a:br>
+            <a:r>
+              <a:rPr lang="hu-HU" dirty="0"/>
+              <a:t>Ami kiadja az „Gergő” eredményt!</a:t>
+            </a:r>
+            <a:br>
+              <a:rPr lang="hu-HU" dirty="0"/>
+            </a:br>
+            <a:endParaRPr lang="hu-HU" dirty="0"/>
+          </a:p>
+          <a:p>
+            <a:pPr marL="800100" lvl="1" indent="-342900">
+              <a:spcAft>
+                <a:spcPts val="600"/>
+              </a:spcAft>
+              <a:buFont typeface="+mj-lt"/>
+              <a:buAutoNum type="arabicPeriod"/>
+            </a:pPr>
+            <a:endParaRPr lang="hu-HU" dirty="0"/>
           </a:p>
         </p:txBody>
       </p:sp>
+      <p:pic>
+        <p:nvPicPr>
+          <p:cNvPr id="4" name="Kép 3">
+            <a:extLst>
+              <a:ext uri="{FF2B5EF4-FFF2-40B4-BE49-F238E27FC236}">
+                <a16:creationId xmlns:a16="http://schemas.microsoft.com/office/drawing/2014/main" id="{64484E31-8CC5-89C6-7D19-CB95C4CE6CE0}"/>
+              </a:ext>
+            </a:extLst>
+          </p:cNvPr>
+          <p:cNvPicPr>
+            <a:picLocks noChangeAspect="1"/>
+          </p:cNvPicPr>
+          <p:nvPr/>
+        </p:nvPicPr>
+        <p:blipFill>
+          <a:blip r:embed="rId3"/>
+          <a:stretch>
+            <a:fillRect/>
+          </a:stretch>
+        </p:blipFill>
+        <p:spPr>
+          <a:xfrm>
+            <a:off x="5698404" y="945390"/>
+            <a:ext cx="2455023" cy="1728537"/>
+          </a:xfrm>
+          <a:prstGeom prst="rect">
+            <a:avLst/>
+          </a:prstGeom>
+        </p:spPr>
+      </p:pic>
+      <p:pic>
+        <p:nvPicPr>
+          <p:cNvPr id="6" name="Kép 5">
+            <a:extLst>
+              <a:ext uri="{FF2B5EF4-FFF2-40B4-BE49-F238E27FC236}">
+                <a16:creationId xmlns:a16="http://schemas.microsoft.com/office/drawing/2014/main" id="{7030090B-4FF6-BC92-0082-0F7FA3B90CA0}"/>
+              </a:ext>
+            </a:extLst>
+          </p:cNvPr>
+          <p:cNvPicPr>
+            <a:picLocks noChangeAspect="1"/>
+          </p:cNvPicPr>
+          <p:nvPr/>
+        </p:nvPicPr>
+        <p:blipFill>
+          <a:blip r:embed="rId4"/>
+          <a:stretch>
+            <a:fillRect/>
+          </a:stretch>
+        </p:blipFill>
+        <p:spPr>
+          <a:xfrm>
+            <a:off x="5430982" y="2888240"/>
+            <a:ext cx="2534003" cy="1309870"/>
+          </a:xfrm>
+          <a:prstGeom prst="rect">
+            <a:avLst/>
+          </a:prstGeom>
+        </p:spPr>
+      </p:pic>
     </p:spTree>
     <p:extLst>
       <p:ext uri="{BB962C8B-B14F-4D97-AF65-F5344CB8AC3E}">
-        <p14:creationId xmlns:p14="http://schemas.microsoft.com/office/powerpoint/2010/main" val="3354337868"/>
+        <p14:creationId xmlns:p14="http://schemas.microsoft.com/office/powerpoint/2010/main" val="3614204293"/>
       </p:ext>
     </p:extLst>
   </p:cSld>
@@ -14471,7 +16165,7 @@
 </p:sld>
 </file>
 
-<file path=ppt/slides/slide28.xml><?xml version="1.0" encoding="utf-8"?>
+<file path=ppt/slides/slide31.xml><?xml version="1.0" encoding="utf-8"?>
 <p:sld xmlns:a="http://schemas.openxmlformats.org/drawingml/2006/main" xmlns:r="http://schemas.openxmlformats.org/officeDocument/2006/relationships" xmlns:p="http://schemas.openxmlformats.org/presentationml/2006/main">
   <p:cSld>
     <p:spTree>
@@ -14536,7 +16230,7 @@
             </a:pPr>
             <a:r>
               <a:rPr lang="hu-HU" dirty="0"/>
-              <a:t>OFFSET Eltolva ad vissza értékeket</a:t>
+              <a:t>ELTOLÁS (OFFSET) Eltolva ad vissza értékeket</a:t>
             </a:r>
             <a:endParaRPr dirty="0"/>
           </a:p>
@@ -14560,8 +16254,8 @@
         </p:nvSpPr>
         <p:spPr>
           <a:xfrm>
-            <a:off x="311700" y="1579419"/>
-            <a:ext cx="8520600" cy="2930236"/>
+            <a:off x="311700" y="1242827"/>
+            <a:ext cx="4623157" cy="3266828"/>
           </a:xfrm>
           <a:prstGeom prst="rect">
             <a:avLst/>
@@ -14604,14 +16298,14 @@
             <a:r>
               <a:rPr lang="hu-HU" dirty="0">
                 <a:highlight>
-                  <a:srgbClr val="C0C0C0"/>
+                  <a:srgbClr val="FFFF00"/>
                 </a:highlight>
               </a:rPr>
-              <a:t>=OFFSET(A1; 2; 3) </a:t>
+              <a:t>=ELTOLÁS(C1; 5; 0) </a:t>
             </a:r>
             <a:r>
               <a:rPr lang="hu-HU" dirty="0"/>
-              <a:t>– Az A1 cellától 2 sorral lejjebb és 3 oszloppal jobbra lévő cella értékét adja vissza.</a:t>
+              <a:t>– Az C1 cellától 5 sorral lejjebb és 0 oszloppal jobbra lévő cella értékét adja vissza, ami itt a „fekete”</a:t>
             </a:r>
           </a:p>
           <a:p>
@@ -14626,11 +16320,49 @@
             </a:r>
             <a:r>
               <a:rPr lang="hu-HU" dirty="0"/>
-              <a:t>: Például dinamikus tartományok létrehozására.</a:t>
+              <a:t>: Például dinamikus tartományok létrehozására vagy a HOL.VAN-</a:t>
+            </a:r>
+            <a:r>
+              <a:rPr lang="hu-HU" dirty="0" err="1"/>
+              <a:t>nal</a:t>
+            </a:r>
+            <a:r>
+              <a:rPr lang="hu-HU" dirty="0"/>
+              <a:t> kombinálva.</a:t>
             </a:r>
           </a:p>
         </p:txBody>
       </p:sp>
+      <p:pic>
+        <p:nvPicPr>
+          <p:cNvPr id="3" name="Kép 2">
+            <a:extLst>
+              <a:ext uri="{FF2B5EF4-FFF2-40B4-BE49-F238E27FC236}">
+                <a16:creationId xmlns:a16="http://schemas.microsoft.com/office/drawing/2014/main" id="{C4FB1346-F4B8-7AB8-C28D-B62218B0B918}"/>
+              </a:ext>
+            </a:extLst>
+          </p:cNvPr>
+          <p:cNvPicPr>
+            <a:picLocks noChangeAspect="1"/>
+          </p:cNvPicPr>
+          <p:nvPr/>
+        </p:nvPicPr>
+        <p:blipFill>
+          <a:blip r:embed="rId3"/>
+          <a:stretch>
+            <a:fillRect/>
+          </a:stretch>
+        </p:blipFill>
+        <p:spPr>
+          <a:xfrm>
+            <a:off x="5264080" y="1242827"/>
+            <a:ext cx="3077004" cy="2657846"/>
+          </a:xfrm>
+          <a:prstGeom prst="rect">
+            <a:avLst/>
+          </a:prstGeom>
+        </p:spPr>
+      </p:pic>
     </p:spTree>
     <p:extLst>
       <p:ext uri="{BB962C8B-B14F-4D97-AF65-F5344CB8AC3E}">
@@ -14644,7 +16376,7 @@
 </p:sld>
 </file>
 
-<file path=ppt/slides/slide29.xml><?xml version="1.0" encoding="utf-8"?>
+<file path=ppt/slides/slide32.xml><?xml version="1.0" encoding="utf-8"?>
 <p:sld xmlns:a="http://schemas.openxmlformats.org/drawingml/2006/main" xmlns:r="http://schemas.openxmlformats.org/officeDocument/2006/relationships" xmlns:p="http://schemas.openxmlformats.org/presentationml/2006/main">
   <p:cSld>
     <p:spTree>
@@ -14708,8 +16440,24 @@
               <a:buNone/>
             </a:pPr>
             <a:r>
+              <a:rPr lang="hu-HU" dirty="0"/>
+              <a:t>ÖSSZEFŰZ</a:t>
+            </a:r>
+            <a:r>
               <a:rPr lang="en-US" dirty="0"/>
-              <a:t>SZÖVEG (TEXT)</a:t>
+              <a:t> (</a:t>
+            </a:r>
+            <a:r>
+              <a:rPr lang="hu-HU" dirty="0"/>
+              <a:t>CONCAT</a:t>
+            </a:r>
+            <a:r>
+              <a:rPr lang="en-US" dirty="0"/>
+              <a:t>)</a:t>
+            </a:r>
+            <a:r>
+              <a:rPr lang="hu-HU" dirty="0"/>
+              <a:t> összefűz szövegeket</a:t>
             </a:r>
             <a:endParaRPr dirty="0"/>
           </a:p>
@@ -14733,8 +16481,8 @@
         </p:nvSpPr>
         <p:spPr>
           <a:xfrm>
-            <a:off x="311700" y="1579419"/>
-            <a:ext cx="8520600" cy="2930236"/>
+            <a:off x="311700" y="2881006"/>
+            <a:ext cx="8520600" cy="1759527"/>
           </a:xfrm>
           <a:prstGeom prst="rect">
             <a:avLst/>
@@ -14757,7 +16505,7 @@
             </a:r>
             <a:r>
               <a:rPr lang="hu-HU" dirty="0"/>
-              <a:t>: Számokat szöveggé alakít, és formázza őket.</a:t>
+              <a:t>: Szöveges cellák tartalmát összefűzi</a:t>
             </a:r>
           </a:p>
           <a:p>
@@ -14777,14 +16525,14 @@
             <a:r>
               <a:rPr lang="hu-HU" dirty="0">
                 <a:highlight>
-                  <a:srgbClr val="C0C0C0"/>
+                  <a:srgbClr val="FFFF00"/>
                 </a:highlight>
               </a:rPr>
-              <a:t>=SZÖVEG(A1; "0,00%") </a:t>
+              <a:t>=ÖSSZEFŰZ(B2 ; ”.” ; C2 ; ”@” ; D2) </a:t>
             </a:r>
             <a:r>
               <a:rPr lang="hu-HU" dirty="0"/>
-              <a:t>– Az A1 cella értékét százalékos formátumba alakítja.</a:t>
+              <a:t>– A B2, C2 és a D2 cellák értékeit összefűzi és email formátummá alakítja.</a:t>
             </a:r>
           </a:p>
           <a:p>
@@ -14799,11 +16547,41 @@
             </a:r>
             <a:r>
               <a:rPr lang="hu-HU" dirty="0"/>
-              <a:t>: Például dátumok vagy pénzösszegek formázására.</a:t>
+              <a:t>: Például email címek előállítása.</a:t>
             </a:r>
           </a:p>
         </p:txBody>
       </p:sp>
+      <p:pic>
+        <p:nvPicPr>
+          <p:cNvPr id="3" name="Kép 2">
+            <a:extLst>
+              <a:ext uri="{FF2B5EF4-FFF2-40B4-BE49-F238E27FC236}">
+                <a16:creationId xmlns:a16="http://schemas.microsoft.com/office/drawing/2014/main" id="{8A1D230C-2A39-589C-F440-F7570754115E}"/>
+              </a:ext>
+            </a:extLst>
+          </p:cNvPr>
+          <p:cNvPicPr>
+            <a:picLocks noChangeAspect="1"/>
+          </p:cNvPicPr>
+          <p:nvPr/>
+        </p:nvPicPr>
+        <p:blipFill>
+          <a:blip r:embed="rId3"/>
+          <a:stretch>
+            <a:fillRect/>
+          </a:stretch>
+        </p:blipFill>
+        <p:spPr>
+          <a:xfrm>
+            <a:off x="2372585" y="1071003"/>
+            <a:ext cx="6296904" cy="1810003"/>
+          </a:xfrm>
+          <a:prstGeom prst="rect">
+            <a:avLst/>
+          </a:prstGeom>
+        </p:spPr>
+      </p:pic>
     </p:spTree>
     <p:extLst>
       <p:ext uri="{BB962C8B-B14F-4D97-AF65-F5344CB8AC3E}">
@@ -14817,243 +16595,7 @@
 </p:sld>
 </file>
 
-<file path=ppt/slides/slide3.xml><?xml version="1.0" encoding="utf-8"?>
-<p:sld xmlns:a="http://schemas.openxmlformats.org/drawingml/2006/main" xmlns:r="http://schemas.openxmlformats.org/officeDocument/2006/relationships" xmlns:p="http://schemas.openxmlformats.org/presentationml/2006/main">
-  <p:cSld>
-    <p:spTree>
-      <p:nvGrpSpPr>
-        <p:cNvPr id="1" name="Shape 77"/>
-        <p:cNvGrpSpPr/>
-        <p:nvPr/>
-      </p:nvGrpSpPr>
-      <p:grpSpPr>
-        <a:xfrm>
-          <a:off x="0" y="0"/>
-          <a:ext cx="0" cy="0"/>
-          <a:chOff x="0" y="0"/>
-          <a:chExt cx="0" cy="0"/>
-        </a:xfrm>
-      </p:grpSpPr>
-      <p:sp>
-        <p:nvSpPr>
-          <p:cNvPr id="78" name="Google Shape;78;p15"/>
-          <p:cNvSpPr txBox="1">
-            <a:spLocks noGrp="1"/>
-          </p:cNvSpPr>
-          <p:nvPr>
-            <p:ph type="title"/>
-          </p:nvPr>
-        </p:nvSpPr>
-        <p:spPr>
-          <a:xfrm>
-            <a:off x="311700" y="445025"/>
-            <a:ext cx="8520600" cy="707400"/>
-          </a:xfrm>
-          <a:prstGeom prst="rect">
-            <a:avLst/>
-          </a:prstGeom>
-        </p:spPr>
-        <p:txBody>
-          <a:bodyPr spcFirstLastPara="1" wrap="square" lIns="91425" tIns="91425" rIns="91425" bIns="91425" anchor="t" anchorCtr="0">
-            <a:normAutofit fontScale="90000"/>
-          </a:bodyPr>
-          <a:lstStyle/>
-          <a:p>
-            <a:pPr marL="0" lvl="0" indent="0" algn="l" rtl="0">
-              <a:spcBef>
-                <a:spcPts val="0"/>
-              </a:spcBef>
-              <a:spcAft>
-                <a:spcPts val="0"/>
-              </a:spcAft>
-              <a:buNone/>
-            </a:pPr>
-            <a:r>
-              <a:rPr lang="hu"/>
-              <a:t>Felhasználási területek:</a:t>
-            </a:r>
-            <a:endParaRPr/>
-          </a:p>
-          <a:p>
-            <a:pPr marL="0" lvl="0" indent="0" algn="l" rtl="0">
-              <a:spcBef>
-                <a:spcPts val="0"/>
-              </a:spcBef>
-              <a:spcAft>
-                <a:spcPts val="0"/>
-              </a:spcAft>
-              <a:buNone/>
-            </a:pPr>
-            <a:endParaRPr/>
-          </a:p>
-          <a:p>
-            <a:pPr marL="0" lvl="0" indent="0" algn="l" rtl="0">
-              <a:spcBef>
-                <a:spcPts val="0"/>
-              </a:spcBef>
-              <a:spcAft>
-                <a:spcPts val="0"/>
-              </a:spcAft>
-              <a:buNone/>
-            </a:pPr>
-            <a:endParaRPr/>
-          </a:p>
-        </p:txBody>
-      </p:sp>
-      <p:sp>
-        <p:nvSpPr>
-          <p:cNvPr id="79" name="Google Shape;79;p15"/>
-          <p:cNvSpPr txBox="1">
-            <a:spLocks noGrp="1"/>
-          </p:cNvSpPr>
-          <p:nvPr>
-            <p:ph type="body" idx="1"/>
-          </p:nvPr>
-        </p:nvSpPr>
-        <p:spPr>
-          <a:xfrm>
-            <a:off x="311700" y="1266325"/>
-            <a:ext cx="8520600" cy="3302700"/>
-          </a:xfrm>
-          <a:prstGeom prst="rect">
-            <a:avLst/>
-          </a:prstGeom>
-        </p:spPr>
-        <p:txBody>
-          <a:bodyPr spcFirstLastPara="1" wrap="square" lIns="91425" tIns="91425" rIns="91425" bIns="91425" anchor="t" anchorCtr="0">
-            <a:normAutofit/>
-          </a:bodyPr>
-          <a:lstStyle/>
-          <a:p>
-            <a:pPr marL="457200" lvl="0" indent="-342900" algn="l" rtl="0">
-              <a:spcBef>
-                <a:spcPts val="0"/>
-              </a:spcBef>
-              <a:spcAft>
-                <a:spcPts val="0"/>
-              </a:spcAft>
-              <a:buSzPts val="1800"/>
-              <a:buChar char="●"/>
-            </a:pPr>
-            <a:r>
-              <a:rPr lang="hu"/>
-              <a:t>Pénzügyi tervezés és elemzés.</a:t>
-            </a:r>
-            <a:endParaRPr/>
-          </a:p>
-          <a:p>
-            <a:pPr marL="457200" lvl="0" indent="-342900" algn="l" rtl="0">
-              <a:spcBef>
-                <a:spcPts val="0"/>
-              </a:spcBef>
-              <a:spcAft>
-                <a:spcPts val="0"/>
-              </a:spcAft>
-              <a:buSzPts val="1800"/>
-              <a:buChar char="●"/>
-            </a:pPr>
-            <a:r>
-              <a:rPr lang="hu"/>
-              <a:t>Készletkezelés.</a:t>
-            </a:r>
-            <a:endParaRPr/>
-          </a:p>
-          <a:p>
-            <a:pPr marL="457200" lvl="0" indent="-342900" algn="l" rtl="0">
-              <a:spcBef>
-                <a:spcPts val="0"/>
-              </a:spcBef>
-              <a:spcAft>
-                <a:spcPts val="0"/>
-              </a:spcAft>
-              <a:buSzPts val="1800"/>
-              <a:buChar char="●"/>
-            </a:pPr>
-            <a:r>
-              <a:rPr lang="hu"/>
-              <a:t>Iskolai jegyzetek és nyilvántartások.</a:t>
-            </a:r>
-            <a:endParaRPr/>
-          </a:p>
-          <a:p>
-            <a:pPr marL="457200" lvl="0" indent="-342900" algn="l" rtl="0">
-              <a:spcBef>
-                <a:spcPts val="0"/>
-              </a:spcBef>
-              <a:spcAft>
-                <a:spcPts val="0"/>
-              </a:spcAft>
-              <a:buSzPts val="1800"/>
-              <a:buChar char="●"/>
-            </a:pPr>
-            <a:r>
-              <a:rPr lang="hu"/>
-              <a:t>Tudományos kutatás és statisztikai elemzések.</a:t>
-            </a:r>
-            <a:endParaRPr/>
-          </a:p>
-          <a:p>
-            <a:pPr marL="457200" lvl="0" indent="-342900" algn="l" rtl="0">
-              <a:spcBef>
-                <a:spcPts val="0"/>
-              </a:spcBef>
-              <a:spcAft>
-                <a:spcPts val="0"/>
-              </a:spcAft>
-              <a:buSzPts val="1800"/>
-              <a:buChar char="●"/>
-            </a:pPr>
-            <a:r>
-              <a:rPr lang="hu"/>
-              <a:t>Otthoni felhasználás:</a:t>
-            </a:r>
-            <a:endParaRPr/>
-          </a:p>
-          <a:p>
-            <a:pPr marL="914400" lvl="1" indent="-317500" algn="l" rtl="0">
-              <a:spcBef>
-                <a:spcPts val="0"/>
-              </a:spcBef>
-              <a:spcAft>
-                <a:spcPts val="0"/>
-              </a:spcAft>
-              <a:buSzPts val="1400"/>
-              <a:buChar char="○"/>
-            </a:pPr>
-            <a:r>
-              <a:rPr lang="hu"/>
-              <a:t>Családi költségvetés nyomon követése</a:t>
-            </a:r>
-            <a:endParaRPr/>
-          </a:p>
-          <a:p>
-            <a:pPr marL="914400" lvl="1" indent="-317500" algn="l" rtl="0">
-              <a:spcBef>
-                <a:spcPts val="0"/>
-              </a:spcBef>
-              <a:spcAft>
-                <a:spcPts val="0"/>
-              </a:spcAft>
-              <a:buSzPts val="1400"/>
-              <a:buChar char="○"/>
-            </a:pPr>
-            <a:r>
-              <a:rPr lang="hu"/>
-              <a:t>Autóval kapcsolatos szervizelések, tankolások nyomon követése</a:t>
-            </a:r>
-            <a:endParaRPr/>
-          </a:p>
-        </p:txBody>
-      </p:sp>
-    </p:spTree>
-  </p:cSld>
-  <p:clrMapOvr>
-    <a:masterClrMapping/>
-  </p:clrMapOvr>
-</p:sld>
-</file>
-
-<file path=ppt/slides/slide30.xml><?xml version="1.0" encoding="utf-8"?>
+<file path=ppt/slides/slide33.xml><?xml version="1.0" encoding="utf-8"?>
 <p:sld xmlns:a="http://schemas.openxmlformats.org/drawingml/2006/main" xmlns:r="http://schemas.openxmlformats.org/officeDocument/2006/relationships" xmlns:p="http://schemas.openxmlformats.org/presentationml/2006/main">
   <p:cSld>
     <p:spTree>
@@ -15120,7 +16662,7 @@
 </p:sld>
 </file>
 
-<file path=ppt/slides/slide31.xml><?xml version="1.0" encoding="utf-8"?>
+<file path=ppt/slides/slide34.xml><?xml version="1.0" encoding="utf-8"?>
 <p:sld xmlns:a="http://schemas.openxmlformats.org/drawingml/2006/main" xmlns:r="http://schemas.openxmlformats.org/officeDocument/2006/relationships" xmlns:p="http://schemas.openxmlformats.org/presentationml/2006/main">
   <p:cSld>
     <p:spTree>
@@ -15267,7 +16809,7 @@
 </p:sld>
 </file>
 
-<file path=ppt/slides/slide32.xml><?xml version="1.0" encoding="utf-8"?>
+<file path=ppt/slides/slide35.xml><?xml version="1.0" encoding="utf-8"?>
 <p:sld xmlns:a="http://schemas.openxmlformats.org/drawingml/2006/main" xmlns:r="http://schemas.openxmlformats.org/officeDocument/2006/relationships" xmlns:p="http://schemas.openxmlformats.org/presentationml/2006/main">
   <p:cSld>
     <p:spTree>
@@ -15347,7 +16889,7 @@
         </p:spPr>
         <p:txBody>
           <a:bodyPr spcFirstLastPara="1" wrap="square" lIns="91425" tIns="91425" rIns="91425" bIns="91425" anchor="t" anchorCtr="0">
-            <a:normAutofit fontScale="92500"/>
+            <a:normAutofit fontScale="92500" lnSpcReduction="10000"/>
           </a:bodyPr>
           <a:lstStyle/>
           <a:p>
@@ -15638,7 +17180,7 @@
 </p:sld>
 </file>
 
-<file path=ppt/slides/slide33.xml><?xml version="1.0" encoding="utf-8"?>
+<file path=ppt/slides/slide36.xml><?xml version="1.0" encoding="utf-8"?>
 <p:sld xmlns:a="http://schemas.openxmlformats.org/drawingml/2006/main" xmlns:r="http://schemas.openxmlformats.org/officeDocument/2006/relationships" xmlns:p="http://schemas.openxmlformats.org/presentationml/2006/main">
   <p:cSld>
     <p:spTree>
@@ -16929,7 +18471,7 @@
 </p:sld>
 </file>
 
-<file path=ppt/slides/slide34.xml><?xml version="1.0" encoding="utf-8"?>
+<file path=ppt/slides/slide37.xml><?xml version="1.0" encoding="utf-8"?>
 <p:sld xmlns:a="http://schemas.openxmlformats.org/drawingml/2006/main" xmlns:r="http://schemas.openxmlformats.org/officeDocument/2006/relationships" xmlns:p="http://schemas.openxmlformats.org/presentationml/2006/main">
   <p:cSld>
     <p:spTree>
@@ -17106,7 +18648,7 @@
 </p:sld>
 </file>
 
-<file path=ppt/slides/slide35.xml><?xml version="1.0" encoding="utf-8"?>
+<file path=ppt/slides/slide38.xml><?xml version="1.0" encoding="utf-8"?>
 <p:sld xmlns:a="http://schemas.openxmlformats.org/drawingml/2006/main" xmlns:r="http://schemas.openxmlformats.org/officeDocument/2006/relationships" xmlns:p="http://schemas.openxmlformats.org/presentationml/2006/main">
   <p:cSld>
     <p:spTree>
@@ -17327,7 +18869,7 @@
 </p:sld>
 </file>
 
-<file path=ppt/slides/slide36.xml><?xml version="1.0" encoding="utf-8"?>
+<file path=ppt/slides/slide39.xml><?xml version="1.0" encoding="utf-8"?>
 <p:sld xmlns:a="http://schemas.openxmlformats.org/drawingml/2006/main" xmlns:r="http://schemas.openxmlformats.org/officeDocument/2006/relationships" xmlns:p="http://schemas.openxmlformats.org/presentationml/2006/main">
   <p:cSld>
     <p:spTree>
@@ -17944,7 +19486,265 @@
 </p:sld>
 </file>
 
-<file path=ppt/slides/slide37.xml><?xml version="1.0" encoding="utf-8"?>
+<file path=ppt/slides/slide4.xml><?xml version="1.0" encoding="utf-8"?>
+<p:sld xmlns:a="http://schemas.openxmlformats.org/drawingml/2006/main" xmlns:r="http://schemas.openxmlformats.org/officeDocument/2006/relationships" xmlns:p="http://schemas.openxmlformats.org/presentationml/2006/main">
+  <p:cSld>
+    <p:spTree>
+      <p:nvGrpSpPr>
+        <p:cNvPr id="1" name="Shape 83"/>
+        <p:cNvGrpSpPr/>
+        <p:nvPr/>
+      </p:nvGrpSpPr>
+      <p:grpSpPr>
+        <a:xfrm>
+          <a:off x="0" y="0"/>
+          <a:ext cx="0" cy="0"/>
+          <a:chOff x="0" y="0"/>
+          <a:chExt cx="0" cy="0"/>
+        </a:xfrm>
+      </p:grpSpPr>
+      <p:sp>
+        <p:nvSpPr>
+          <p:cNvPr id="84" name="Google Shape;84;p16"/>
+          <p:cNvSpPr txBox="1">
+            <a:spLocks noGrp="1"/>
+          </p:cNvSpPr>
+          <p:nvPr>
+            <p:ph type="title"/>
+          </p:nvPr>
+        </p:nvSpPr>
+        <p:spPr>
+          <a:xfrm>
+            <a:off x="311700" y="445025"/>
+            <a:ext cx="8520600" cy="707400"/>
+          </a:xfrm>
+          <a:prstGeom prst="rect">
+            <a:avLst/>
+          </a:prstGeom>
+        </p:spPr>
+        <p:txBody>
+          <a:bodyPr spcFirstLastPara="1" wrap="square" lIns="91425" tIns="91425" rIns="91425" bIns="91425" anchor="t" anchorCtr="0">
+            <a:normAutofit fontScale="90000"/>
+          </a:bodyPr>
+          <a:lstStyle/>
+          <a:p>
+            <a:pPr marL="0" lvl="0" indent="0" algn="l" rtl="0">
+              <a:spcBef>
+                <a:spcPts val="0"/>
+              </a:spcBef>
+              <a:spcAft>
+                <a:spcPts val="0"/>
+              </a:spcAft>
+              <a:buNone/>
+            </a:pPr>
+            <a:r>
+              <a:rPr lang="hu"/>
+              <a:t>A táblázatkezelés története</a:t>
+            </a:r>
+            <a:endParaRPr/>
+          </a:p>
+        </p:txBody>
+      </p:sp>
+      <p:sp>
+        <p:nvSpPr>
+          <p:cNvPr id="85" name="Google Shape;85;p16"/>
+          <p:cNvSpPr txBox="1">
+            <a:spLocks noGrp="1"/>
+          </p:cNvSpPr>
+          <p:nvPr>
+            <p:ph type="body" idx="1"/>
+          </p:nvPr>
+        </p:nvSpPr>
+        <p:spPr>
+          <a:xfrm>
+            <a:off x="311700" y="1152475"/>
+            <a:ext cx="8520600" cy="1268400"/>
+          </a:xfrm>
+          <a:prstGeom prst="rect">
+            <a:avLst/>
+          </a:prstGeom>
+        </p:spPr>
+        <p:txBody>
+          <a:bodyPr spcFirstLastPara="1" wrap="square" lIns="91425" tIns="91425" rIns="91425" bIns="91425" anchor="t" anchorCtr="0">
+            <a:normAutofit fontScale="85000" lnSpcReduction="10000"/>
+          </a:bodyPr>
+          <a:lstStyle/>
+          <a:p>
+            <a:pPr marL="0" lvl="0" indent="0" algn="l" rtl="0">
+              <a:spcBef>
+                <a:spcPts val="0"/>
+              </a:spcBef>
+              <a:spcAft>
+                <a:spcPts val="1200"/>
+              </a:spcAft>
+              <a:buNone/>
+            </a:pPr>
+            <a:r>
+              <a:rPr lang="hu"/>
+              <a:t>Az első széles körben elterjedt táblázatkezelő program, a </a:t>
+            </a:r>
+            <a:r>
+              <a:rPr lang="hu" b="1"/>
+              <a:t>VisiCalc</a:t>
+            </a:r>
+            <a:r>
+              <a:rPr lang="hu"/>
+              <a:t>, amelyet két egyetemista, Dan Bricklin és Bob Frankston készített, 1979-ben jelent meg az Apple II számítógépen, utolsó változatát 1985-ben adták ki. A táblázatkezelő elvi felépítése azóta sem változott.</a:t>
+            </a:r>
+            <a:endParaRPr/>
+          </a:p>
+        </p:txBody>
+      </p:sp>
+      <p:pic>
+        <p:nvPicPr>
+          <p:cNvPr id="86" name="Google Shape;86;p16"/>
+          <p:cNvPicPr preferRelativeResize="0"/>
+          <p:nvPr/>
+        </p:nvPicPr>
+        <p:blipFill>
+          <a:blip r:embed="rId3">
+            <a:alphaModFix/>
+          </a:blip>
+          <a:stretch>
+            <a:fillRect/>
+          </a:stretch>
+        </p:blipFill>
+        <p:spPr>
+          <a:xfrm>
+            <a:off x="469500" y="2420875"/>
+            <a:ext cx="4500875" cy="2417825"/>
+          </a:xfrm>
+          <a:prstGeom prst="rect">
+            <a:avLst/>
+          </a:prstGeom>
+          <a:noFill/>
+          <a:ln>
+            <a:noFill/>
+          </a:ln>
+        </p:spPr>
+      </p:pic>
+      <p:pic>
+        <p:nvPicPr>
+          <p:cNvPr id="87" name="Google Shape;87;p16" descr="A look at the original electronic spreadsheet &quot;VisiCalc&quot; for the Apple II.  VisiCalc's release was one of two extremely important events to secure Apple's success.  The other was its deal with MECC enabling its dominance in the educational market." title="VisiCalc: The First Electronic Spreadsheet">
+            <a:hlinkClick r:id="rId4"/>
+          </p:cNvPr>
+          <p:cNvPicPr preferRelativeResize="0"/>
+          <p:nvPr/>
+        </p:nvPicPr>
+        <p:blipFill>
+          <a:blip r:embed="rId5">
+            <a:alphaModFix/>
+          </a:blip>
+          <a:stretch>
+            <a:fillRect/>
+          </a:stretch>
+        </p:blipFill>
+        <p:spPr>
+          <a:xfrm>
+            <a:off x="5122775" y="2573275"/>
+            <a:ext cx="3048000" cy="1714500"/>
+          </a:xfrm>
+          <a:prstGeom prst="rect">
+            <a:avLst/>
+          </a:prstGeom>
+          <a:noFill/>
+          <a:ln>
+            <a:noFill/>
+          </a:ln>
+        </p:spPr>
+      </p:pic>
+    </p:spTree>
+  </p:cSld>
+  <p:clrMapOvr>
+    <a:masterClrMapping/>
+  </p:clrMapOvr>
+  <p:timing>
+    <p:tnLst>
+      <p:par>
+        <p:cTn id="1" dur="indefinite" restart="never" nodeType="tmRoot">
+          <p:childTnLst>
+            <p:seq concurrent="1" nextAc="seek">
+              <p:cTn id="2" dur="indefinite" nodeType="mainSeq">
+                <p:childTnLst>
+                  <p:par>
+                    <p:cTn id="3" fill="hold">
+                      <p:stCondLst>
+                        <p:cond delay="indefinite"/>
+                      </p:stCondLst>
+                      <p:childTnLst>
+                        <p:par>
+                          <p:cTn id="4" fill="hold">
+                            <p:stCondLst>
+                              <p:cond delay="0"/>
+                            </p:stCondLst>
+                            <p:childTnLst>
+                              <p:par>
+                                <p:cTn id="5" presetID="10" presetClass="entr" presetSubtype="0" fill="hold" nodeType="clickEffect">
+                                  <p:stCondLst>
+                                    <p:cond delay="0"/>
+                                  </p:stCondLst>
+                                  <p:childTnLst>
+                                    <p:set>
+                                      <p:cBhvr>
+                                        <p:cTn id="6" dur="1" fill="hold">
+                                          <p:stCondLst>
+                                            <p:cond delay="0"/>
+                                          </p:stCondLst>
+                                        </p:cTn>
+                                        <p:tgtEl>
+                                          <p:spTgt spid="87"/>
+                                        </p:tgtEl>
+                                        <p:attrNameLst>
+                                          <p:attrName>style.visibility</p:attrName>
+                                        </p:attrNameLst>
+                                      </p:cBhvr>
+                                      <p:to>
+                                        <p:strVal val="visible"/>
+                                      </p:to>
+                                    </p:set>
+                                    <p:animEffect transition="in" filter="fade">
+                                      <p:cBhvr>
+                                        <p:cTn id="7" dur="1000"/>
+                                        <p:tgtEl>
+                                          <p:spTgt spid="87"/>
+                                        </p:tgtEl>
+                                      </p:cBhvr>
+                                    </p:animEffect>
+                                  </p:childTnLst>
+                                </p:cTn>
+                              </p:par>
+                            </p:childTnLst>
+                          </p:cTn>
+                        </p:par>
+                      </p:childTnLst>
+                    </p:cTn>
+                  </p:par>
+                </p:childTnLst>
+              </p:cTn>
+              <p:prevCondLst>
+                <p:cond evt="onPrev" delay="0">
+                  <p:tgtEl>
+                    <p:sldTgt/>
+                  </p:tgtEl>
+                </p:cond>
+              </p:prevCondLst>
+              <p:nextCondLst>
+                <p:cond evt="onNext" delay="0">
+                  <p:tgtEl>
+                    <p:sldTgt/>
+                  </p:tgtEl>
+                </p:cond>
+              </p:nextCondLst>
+            </p:seq>
+          </p:childTnLst>
+        </p:cTn>
+      </p:par>
+    </p:tnLst>
+  </p:timing>
+</p:sld>
+</file>
+
+<file path=ppt/slides/slide40.xml><?xml version="1.0" encoding="utf-8"?>
 <p:sld xmlns:a="http://schemas.openxmlformats.org/drawingml/2006/main" xmlns:r="http://schemas.openxmlformats.org/officeDocument/2006/relationships" xmlns:p="http://schemas.openxmlformats.org/presentationml/2006/main">
   <p:cSld>
     <p:spTree>
@@ -18271,7 +20071,7 @@
 </p:sld>
 </file>
 
-<file path=ppt/slides/slide38.xml><?xml version="1.0" encoding="utf-8"?>
+<file path=ppt/slides/slide41.xml><?xml version="1.0" encoding="utf-8"?>
 <p:sld xmlns:a="http://schemas.openxmlformats.org/drawingml/2006/main" xmlns:r="http://schemas.openxmlformats.org/officeDocument/2006/relationships" xmlns:p="http://schemas.openxmlformats.org/presentationml/2006/main">
   <p:cSld>
     <p:spTree>
@@ -19360,7 +21160,7 @@
 </p:sld>
 </file>
 
-<file path=ppt/slides/slide39.xml><?xml version="1.0" encoding="utf-8"?>
+<file path=ppt/slides/slide42.xml><?xml version="1.0" encoding="utf-8"?>
 <p:sld xmlns:a="http://schemas.openxmlformats.org/drawingml/2006/main" xmlns:r="http://schemas.openxmlformats.org/officeDocument/2006/relationships" xmlns:p="http://schemas.openxmlformats.org/presentationml/2006/main">
   <p:cSld>
     <p:spTree>
@@ -19636,265 +21436,7 @@
 </p:sld>
 </file>
 
-<file path=ppt/slides/slide4.xml><?xml version="1.0" encoding="utf-8"?>
-<p:sld xmlns:a="http://schemas.openxmlformats.org/drawingml/2006/main" xmlns:r="http://schemas.openxmlformats.org/officeDocument/2006/relationships" xmlns:p="http://schemas.openxmlformats.org/presentationml/2006/main">
-  <p:cSld>
-    <p:spTree>
-      <p:nvGrpSpPr>
-        <p:cNvPr id="1" name="Shape 83"/>
-        <p:cNvGrpSpPr/>
-        <p:nvPr/>
-      </p:nvGrpSpPr>
-      <p:grpSpPr>
-        <a:xfrm>
-          <a:off x="0" y="0"/>
-          <a:ext cx="0" cy="0"/>
-          <a:chOff x="0" y="0"/>
-          <a:chExt cx="0" cy="0"/>
-        </a:xfrm>
-      </p:grpSpPr>
-      <p:sp>
-        <p:nvSpPr>
-          <p:cNvPr id="84" name="Google Shape;84;p16"/>
-          <p:cNvSpPr txBox="1">
-            <a:spLocks noGrp="1"/>
-          </p:cNvSpPr>
-          <p:nvPr>
-            <p:ph type="title"/>
-          </p:nvPr>
-        </p:nvSpPr>
-        <p:spPr>
-          <a:xfrm>
-            <a:off x="311700" y="445025"/>
-            <a:ext cx="8520600" cy="707400"/>
-          </a:xfrm>
-          <a:prstGeom prst="rect">
-            <a:avLst/>
-          </a:prstGeom>
-        </p:spPr>
-        <p:txBody>
-          <a:bodyPr spcFirstLastPara="1" wrap="square" lIns="91425" tIns="91425" rIns="91425" bIns="91425" anchor="t" anchorCtr="0">
-            <a:normAutofit fontScale="90000"/>
-          </a:bodyPr>
-          <a:lstStyle/>
-          <a:p>
-            <a:pPr marL="0" lvl="0" indent="0" algn="l" rtl="0">
-              <a:spcBef>
-                <a:spcPts val="0"/>
-              </a:spcBef>
-              <a:spcAft>
-                <a:spcPts val="0"/>
-              </a:spcAft>
-              <a:buNone/>
-            </a:pPr>
-            <a:r>
-              <a:rPr lang="hu"/>
-              <a:t>A táblázatkezelés története</a:t>
-            </a:r>
-            <a:endParaRPr/>
-          </a:p>
-        </p:txBody>
-      </p:sp>
-      <p:sp>
-        <p:nvSpPr>
-          <p:cNvPr id="85" name="Google Shape;85;p16"/>
-          <p:cNvSpPr txBox="1">
-            <a:spLocks noGrp="1"/>
-          </p:cNvSpPr>
-          <p:nvPr>
-            <p:ph type="body" idx="1"/>
-          </p:nvPr>
-        </p:nvSpPr>
-        <p:spPr>
-          <a:xfrm>
-            <a:off x="311700" y="1152475"/>
-            <a:ext cx="8520600" cy="1268400"/>
-          </a:xfrm>
-          <a:prstGeom prst="rect">
-            <a:avLst/>
-          </a:prstGeom>
-        </p:spPr>
-        <p:txBody>
-          <a:bodyPr spcFirstLastPara="1" wrap="square" lIns="91425" tIns="91425" rIns="91425" bIns="91425" anchor="t" anchorCtr="0">
-            <a:normAutofit fontScale="85000" lnSpcReduction="10000"/>
-          </a:bodyPr>
-          <a:lstStyle/>
-          <a:p>
-            <a:pPr marL="0" lvl="0" indent="0" algn="l" rtl="0">
-              <a:spcBef>
-                <a:spcPts val="0"/>
-              </a:spcBef>
-              <a:spcAft>
-                <a:spcPts val="1200"/>
-              </a:spcAft>
-              <a:buNone/>
-            </a:pPr>
-            <a:r>
-              <a:rPr lang="hu"/>
-              <a:t>Az első széles körben elterjedt táblázatkezelő program, a </a:t>
-            </a:r>
-            <a:r>
-              <a:rPr lang="hu" b="1"/>
-              <a:t>VisiCalc</a:t>
-            </a:r>
-            <a:r>
-              <a:rPr lang="hu"/>
-              <a:t>, amelyet két egyetemista, Dan Bricklin és Bob Frankston készített, 1979-ben jelent meg az Apple II számítógépen, utolsó változatát 1985-ben adták ki. A táblázatkezelő elvi felépítése azóta sem változott.</a:t>
-            </a:r>
-            <a:endParaRPr/>
-          </a:p>
-        </p:txBody>
-      </p:sp>
-      <p:pic>
-        <p:nvPicPr>
-          <p:cNvPr id="86" name="Google Shape;86;p16"/>
-          <p:cNvPicPr preferRelativeResize="0"/>
-          <p:nvPr/>
-        </p:nvPicPr>
-        <p:blipFill>
-          <a:blip r:embed="rId3">
-            <a:alphaModFix/>
-          </a:blip>
-          <a:stretch>
-            <a:fillRect/>
-          </a:stretch>
-        </p:blipFill>
-        <p:spPr>
-          <a:xfrm>
-            <a:off x="469500" y="2420875"/>
-            <a:ext cx="4500875" cy="2417825"/>
-          </a:xfrm>
-          <a:prstGeom prst="rect">
-            <a:avLst/>
-          </a:prstGeom>
-          <a:noFill/>
-          <a:ln>
-            <a:noFill/>
-          </a:ln>
-        </p:spPr>
-      </p:pic>
-      <p:pic>
-        <p:nvPicPr>
-          <p:cNvPr id="87" name="Google Shape;87;p16" descr="A look at the original electronic spreadsheet &quot;VisiCalc&quot; for the Apple II.  VisiCalc's release was one of two extremely important events to secure Apple's success.  The other was its deal with MECC enabling its dominance in the educational market." title="VisiCalc: The First Electronic Spreadsheet">
-            <a:hlinkClick r:id="rId4"/>
-          </p:cNvPr>
-          <p:cNvPicPr preferRelativeResize="0"/>
-          <p:nvPr/>
-        </p:nvPicPr>
-        <p:blipFill>
-          <a:blip r:embed="rId5">
-            <a:alphaModFix/>
-          </a:blip>
-          <a:stretch>
-            <a:fillRect/>
-          </a:stretch>
-        </p:blipFill>
-        <p:spPr>
-          <a:xfrm>
-            <a:off x="5122775" y="2573275"/>
-            <a:ext cx="3048000" cy="1714500"/>
-          </a:xfrm>
-          <a:prstGeom prst="rect">
-            <a:avLst/>
-          </a:prstGeom>
-          <a:noFill/>
-          <a:ln>
-            <a:noFill/>
-          </a:ln>
-        </p:spPr>
-      </p:pic>
-    </p:spTree>
-  </p:cSld>
-  <p:clrMapOvr>
-    <a:masterClrMapping/>
-  </p:clrMapOvr>
-  <p:timing>
-    <p:tnLst>
-      <p:par>
-        <p:cTn id="1" dur="indefinite" restart="never" nodeType="tmRoot">
-          <p:childTnLst>
-            <p:seq concurrent="1" nextAc="seek">
-              <p:cTn id="2" dur="indefinite" nodeType="mainSeq">
-                <p:childTnLst>
-                  <p:par>
-                    <p:cTn id="3" fill="hold">
-                      <p:stCondLst>
-                        <p:cond delay="indefinite"/>
-                      </p:stCondLst>
-                      <p:childTnLst>
-                        <p:par>
-                          <p:cTn id="4" fill="hold">
-                            <p:stCondLst>
-                              <p:cond delay="0"/>
-                            </p:stCondLst>
-                            <p:childTnLst>
-                              <p:par>
-                                <p:cTn id="5" presetID="10" presetClass="entr" presetSubtype="0" fill="hold" nodeType="clickEffect">
-                                  <p:stCondLst>
-                                    <p:cond delay="0"/>
-                                  </p:stCondLst>
-                                  <p:childTnLst>
-                                    <p:set>
-                                      <p:cBhvr>
-                                        <p:cTn id="6" dur="1" fill="hold">
-                                          <p:stCondLst>
-                                            <p:cond delay="0"/>
-                                          </p:stCondLst>
-                                        </p:cTn>
-                                        <p:tgtEl>
-                                          <p:spTgt spid="87"/>
-                                        </p:tgtEl>
-                                        <p:attrNameLst>
-                                          <p:attrName>style.visibility</p:attrName>
-                                        </p:attrNameLst>
-                                      </p:cBhvr>
-                                      <p:to>
-                                        <p:strVal val="visible"/>
-                                      </p:to>
-                                    </p:set>
-                                    <p:animEffect transition="in" filter="fade">
-                                      <p:cBhvr>
-                                        <p:cTn id="7" dur="1000"/>
-                                        <p:tgtEl>
-                                          <p:spTgt spid="87"/>
-                                        </p:tgtEl>
-                                      </p:cBhvr>
-                                    </p:animEffect>
-                                  </p:childTnLst>
-                                </p:cTn>
-                              </p:par>
-                            </p:childTnLst>
-                          </p:cTn>
-                        </p:par>
-                      </p:childTnLst>
-                    </p:cTn>
-                  </p:par>
-                </p:childTnLst>
-              </p:cTn>
-              <p:prevCondLst>
-                <p:cond evt="onPrev" delay="0">
-                  <p:tgtEl>
-                    <p:sldTgt/>
-                  </p:tgtEl>
-                </p:cond>
-              </p:prevCondLst>
-              <p:nextCondLst>
-                <p:cond evt="onNext" delay="0">
-                  <p:tgtEl>
-                    <p:sldTgt/>
-                  </p:tgtEl>
-                </p:cond>
-              </p:nextCondLst>
-            </p:seq>
-          </p:childTnLst>
-        </p:cTn>
-      </p:par>
-    </p:tnLst>
-  </p:timing>
-</p:sld>
-</file>
-
-<file path=ppt/slides/slide40.xml><?xml version="1.0" encoding="utf-8"?>
+<file path=ppt/slides/slide43.xml><?xml version="1.0" encoding="utf-8"?>
 <p:sld xmlns:a="http://schemas.openxmlformats.org/drawingml/2006/main" xmlns:r="http://schemas.openxmlformats.org/officeDocument/2006/relationships" xmlns:p="http://schemas.openxmlformats.org/presentationml/2006/main">
   <p:cSld>
     <p:spTree>
@@ -20033,7 +21575,7 @@
 </p:sld>
 </file>
 
-<file path=ppt/slides/slide41.xml><?xml version="1.0" encoding="utf-8"?>
+<file path=ppt/slides/slide44.xml><?xml version="1.0" encoding="utf-8"?>
 <p:sld xmlns:a="http://schemas.openxmlformats.org/drawingml/2006/main" xmlns:r="http://schemas.openxmlformats.org/officeDocument/2006/relationships" xmlns:p="http://schemas.openxmlformats.org/presentationml/2006/main">
   <p:cSld>
     <p:spTree>

--- a/excel/Táblázatkezelés.pptx
+++ b/excel/Táblázatkezelés.pptx
@@ -5,7 +5,7 @@
     <p:sldMasterId id="2147483659" r:id="rId1"/>
   </p:sldMasterIdLst>
   <p:notesMasterIdLst>
-    <p:notesMasterId r:id="rId46"/>
+    <p:notesMasterId r:id="rId50"/>
   </p:notesMasterIdLst>
   <p:sldIdLst>
     <p:sldId id="256" r:id="rId2"/>
@@ -26,47 +26,51 @@
     <p:sldId id="283" r:id="rId17"/>
     <p:sldId id="285" r:id="rId18"/>
     <p:sldId id="284" r:id="rId19"/>
-    <p:sldId id="286" r:id="rId20"/>
-    <p:sldId id="287" r:id="rId21"/>
-    <p:sldId id="297" r:id="rId22"/>
-    <p:sldId id="298" r:id="rId23"/>
-    <p:sldId id="288" r:id="rId24"/>
-    <p:sldId id="289" r:id="rId25"/>
-    <p:sldId id="290" r:id="rId26"/>
-    <p:sldId id="293" r:id="rId27"/>
-    <p:sldId id="291" r:id="rId28"/>
-    <p:sldId id="295" r:id="rId29"/>
-    <p:sldId id="294" r:id="rId30"/>
-    <p:sldId id="299" r:id="rId31"/>
-    <p:sldId id="296" r:id="rId32"/>
-    <p:sldId id="292" r:id="rId33"/>
-    <p:sldId id="270" r:id="rId34"/>
-    <p:sldId id="271" r:id="rId35"/>
-    <p:sldId id="272" r:id="rId36"/>
-    <p:sldId id="273" r:id="rId37"/>
-    <p:sldId id="274" r:id="rId38"/>
-    <p:sldId id="275" r:id="rId39"/>
-    <p:sldId id="276" r:id="rId40"/>
-    <p:sldId id="277" r:id="rId41"/>
-    <p:sldId id="278" r:id="rId42"/>
-    <p:sldId id="279" r:id="rId43"/>
-    <p:sldId id="280" r:id="rId44"/>
-    <p:sldId id="281" r:id="rId45"/>
+    <p:sldId id="300" r:id="rId20"/>
+    <p:sldId id="301" r:id="rId21"/>
+    <p:sldId id="286" r:id="rId22"/>
+    <p:sldId id="287" r:id="rId23"/>
+    <p:sldId id="297" r:id="rId24"/>
+    <p:sldId id="298" r:id="rId25"/>
+    <p:sldId id="302" r:id="rId26"/>
+    <p:sldId id="303" r:id="rId27"/>
+    <p:sldId id="288" r:id="rId28"/>
+    <p:sldId id="289" r:id="rId29"/>
+    <p:sldId id="290" r:id="rId30"/>
+    <p:sldId id="293" r:id="rId31"/>
+    <p:sldId id="291" r:id="rId32"/>
+    <p:sldId id="295" r:id="rId33"/>
+    <p:sldId id="294" r:id="rId34"/>
+    <p:sldId id="299" r:id="rId35"/>
+    <p:sldId id="296" r:id="rId36"/>
+    <p:sldId id="292" r:id="rId37"/>
+    <p:sldId id="270" r:id="rId38"/>
+    <p:sldId id="271" r:id="rId39"/>
+    <p:sldId id="272" r:id="rId40"/>
+    <p:sldId id="273" r:id="rId41"/>
+    <p:sldId id="274" r:id="rId42"/>
+    <p:sldId id="275" r:id="rId43"/>
+    <p:sldId id="276" r:id="rId44"/>
+    <p:sldId id="277" r:id="rId45"/>
+    <p:sldId id="278" r:id="rId46"/>
+    <p:sldId id="279" r:id="rId47"/>
+    <p:sldId id="280" r:id="rId48"/>
+    <p:sldId id="281" r:id="rId49"/>
   </p:sldIdLst>
   <p:sldSz cx="9144000" cy="5143500" type="screen16x9"/>
   <p:notesSz cx="6858000" cy="9144000"/>
   <p:embeddedFontLst>
     <p:embeddedFont>
       <p:font typeface="Open Sans" panose="020B0606030504020204" pitchFamily="34" charset="0"/>
-      <p:regular r:id="rId47"/>
-      <p:bold r:id="rId48"/>
-      <p:italic r:id="rId49"/>
-      <p:boldItalic r:id="rId50"/>
+      <p:regular r:id="rId51"/>
+      <p:bold r:id="rId52"/>
+      <p:italic r:id="rId53"/>
+      <p:boldItalic r:id="rId54"/>
     </p:embeddedFont>
     <p:embeddedFont>
       <p:font typeface="PT Sans Narrow" panose="020B0506020203020204" pitchFamily="34" charset="0"/>
-      <p:regular r:id="rId51"/>
-      <p:bold r:id="rId52"/>
+      <p:regular r:id="rId55"/>
+      <p:bold r:id="rId56"/>
     </p:embeddedFont>
   </p:embeddedFontLst>
   <p:defaultTextStyle>
@@ -787,8 +791,8 @@
         </p:nvSpPr>
         <p:spPr>
           <a:xfrm>
-            <a:off x="381300" y="685800"/>
-            <a:ext cx="6096075" cy="3429000"/>
+            <a:off x="381000" y="685800"/>
+            <a:ext cx="6096000" cy="3429000"/>
           </a:xfrm>
           <a:custGeom>
             <a:avLst/>
@@ -11048,7 +11052,7 @@
         <p:spPr>
           <a:xfrm>
             <a:off x="2137225" y="2850039"/>
-            <a:ext cx="4870500" cy="792600"/>
+            <a:ext cx="4870500" cy="973816"/>
           </a:xfrm>
           <a:prstGeom prst="rect">
             <a:avLst/>
@@ -11070,10 +11074,10 @@
               <a:buNone/>
             </a:pPr>
             <a:r>
-              <a:rPr lang="hu"/>
+              <a:rPr lang="hu" dirty="0"/>
               <a:t>Készítette: Szalontai István</a:t>
             </a:r>
-            <a:endParaRPr/>
+            <a:endParaRPr dirty="0"/>
           </a:p>
           <a:p>
             <a:pPr marL="0" lvl="0" indent="0" algn="ctr" rtl="0">
@@ -11086,10 +11090,10 @@
               <a:buNone/>
             </a:pPr>
             <a:r>
-              <a:rPr lang="hu"/>
+              <a:rPr lang="hu" dirty="0"/>
               <a:t>Dátum: 2025-01-13</a:t>
             </a:r>
-            <a:endParaRPr/>
+            <a:endParaRPr dirty="0"/>
           </a:p>
           <a:p>
             <a:pPr marL="0" lvl="0" indent="0" algn="ctr" rtl="0">
@@ -11102,10 +11106,25 @@
               <a:buNone/>
             </a:pPr>
             <a:r>
-              <a:rPr lang="hu"/>
+              <a:rPr lang="hu" dirty="0"/>
               <a:t>Kinek: 9 nyek tanulók részére</a:t>
             </a:r>
-            <a:endParaRPr/>
+          </a:p>
+          <a:p>
+            <a:pPr marL="0" lvl="0" indent="0" algn="ctr" rtl="0">
+              <a:spcBef>
+                <a:spcPts val="0"/>
+              </a:spcBef>
+              <a:spcAft>
+                <a:spcPts val="0"/>
+              </a:spcAft>
+              <a:buNone/>
+            </a:pPr>
+            <a:r>
+              <a:rPr lang="hu-HU" dirty="0"/>
+              <a:t>Verzió: 2025-03-27</a:t>
+            </a:r>
+            <a:endParaRPr dirty="0"/>
           </a:p>
         </p:txBody>
       </p:sp>
@@ -13194,13 +13213,7 @@
   <p:cSld>
     <p:spTree>
       <p:nvGrpSpPr>
-        <p:cNvPr id="1" name="Shape 150">
-          <a:extLst>
-            <a:ext uri="{FF2B5EF4-FFF2-40B4-BE49-F238E27FC236}">
-              <a16:creationId xmlns:a16="http://schemas.microsoft.com/office/drawing/2014/main" id="{475D1640-3574-AD28-DF81-1A46087A2AF9}"/>
-            </a:ext>
-          </a:extLst>
-        </p:cNvPr>
+        <p:cNvPr id="1" name=""/>
         <p:cNvGrpSpPr/>
         <p:nvPr/>
       </p:nvGrpSpPr>
@@ -13214,66 +13227,45 @@
       </p:grpSpPr>
       <p:sp>
         <p:nvSpPr>
-          <p:cNvPr id="151" name="Google Shape;151;p25">
+          <p:cNvPr id="2" name="Cím 1">
             <a:extLst>
               <a:ext uri="{FF2B5EF4-FFF2-40B4-BE49-F238E27FC236}">
-                <a16:creationId xmlns:a16="http://schemas.microsoft.com/office/drawing/2014/main" id="{B02226EB-7D4B-6484-D1D6-0098FAD42FF5}"/>
+                <a16:creationId xmlns:a16="http://schemas.microsoft.com/office/drawing/2014/main" id="{50C5C735-7ED4-E063-694D-D022ECD075AA}"/>
               </a:ext>
             </a:extLst>
           </p:cNvPr>
-          <p:cNvSpPr txBox="1">
+          <p:cNvSpPr>
             <a:spLocks noGrp="1"/>
           </p:cNvSpPr>
           <p:nvPr>
             <p:ph type="title"/>
           </p:nvPr>
         </p:nvSpPr>
-        <p:spPr>
-          <a:xfrm>
-            <a:off x="311700" y="445025"/>
-            <a:ext cx="8520600" cy="707400"/>
-          </a:xfrm>
-          <a:prstGeom prst="rect">
-            <a:avLst/>
-          </a:prstGeom>
-        </p:spPr>
+        <p:spPr/>
         <p:txBody>
-          <a:bodyPr spcFirstLastPara="1" wrap="square" lIns="91425" tIns="91425" rIns="91425" bIns="91425" anchor="t" anchorCtr="0">
+          <a:bodyPr>
             <a:normAutofit fontScale="90000"/>
           </a:bodyPr>
           <a:lstStyle/>
           <a:p>
-            <a:pPr marL="0" lvl="0" indent="0" algn="l" rtl="0">
-              <a:spcBef>
-                <a:spcPts val="0"/>
-              </a:spcBef>
-              <a:spcAft>
-                <a:spcPts val="0"/>
-              </a:spcAft>
-              <a:buNone/>
-            </a:pPr>
-            <a:r>
-              <a:rPr lang="en-US" dirty="0"/>
-              <a:t>MIN</a:t>
-            </a:r>
             <a:r>
               <a:rPr lang="hu-HU" dirty="0"/>
-              <a:t> Minimum, legkisebb érték</a:t>
-            </a:r>
-            <a:endParaRPr dirty="0"/>
+              <a:t>ÉS, VAGY logikai függvények</a:t>
+            </a:r>
+            <a:endParaRPr lang="en-US" dirty="0"/>
           </a:p>
         </p:txBody>
       </p:sp>
       <p:sp>
         <p:nvSpPr>
-          <p:cNvPr id="152" name="Google Shape;152;p25">
+          <p:cNvPr id="3" name="Szöveg helye 2">
             <a:extLst>
               <a:ext uri="{FF2B5EF4-FFF2-40B4-BE49-F238E27FC236}">
-                <a16:creationId xmlns:a16="http://schemas.microsoft.com/office/drawing/2014/main" id="{02CDFB13-0F15-AA41-1AF9-2C316B3A7136}"/>
+                <a16:creationId xmlns:a16="http://schemas.microsoft.com/office/drawing/2014/main" id="{912AFF95-22C8-6D35-76AB-BEAAF65FC0D0}"/>
               </a:ext>
             </a:extLst>
           </p:cNvPr>
-          <p:cNvSpPr txBox="1">
+          <p:cNvSpPr>
             <a:spLocks noGrp="1"/>
           </p:cNvSpPr>
           <p:nvPr>
@@ -13282,16 +13274,13 @@
         </p:nvSpPr>
         <p:spPr>
           <a:xfrm>
-            <a:off x="311700" y="1638561"/>
-            <a:ext cx="4811843" cy="2955210"/>
-          </a:xfrm>
-          <a:prstGeom prst="rect">
-            <a:avLst/>
-          </a:prstGeom>
+            <a:off x="311700" y="1266325"/>
+            <a:ext cx="4947620" cy="3302700"/>
+          </a:xfrm>
         </p:spPr>
         <p:txBody>
-          <a:bodyPr spcFirstLastPara="1" wrap="square" lIns="91425" tIns="91425" rIns="91425" bIns="91425" anchor="t" anchorCtr="0">
-            <a:normAutofit/>
+          <a:bodyPr>
+            <a:normAutofit lnSpcReduction="10000"/>
           </a:bodyPr>
           <a:lstStyle/>
           <a:p>
@@ -13306,7 +13295,7 @@
             </a:r>
             <a:r>
               <a:rPr lang="hu-HU" dirty="0"/>
-              <a:t>: Kiválasztott cellák közül a legkisebb értéket adja vissza.</a:t>
+              <a:t>: Logikai függvények. A HA függvénnyel együtt szoktuk használni</a:t>
             </a:r>
           </a:p>
           <a:p>
@@ -13329,11 +13318,11 @@
                   <a:srgbClr val="FFFF00"/>
                 </a:highlight>
               </a:rPr>
-              <a:t>=MIN(A1:A7) </a:t>
+              <a:t>=HA( ÉS(A1&gt;=4 ; A1&lt;= 6) ; "Közepes"  ; "") </a:t>
             </a:r>
             <a:r>
               <a:rPr lang="hu-HU" dirty="0"/>
-              <a:t>– Megadja a A1-től A7-ig tartó cellák legkisebb értékét.</a:t>
+              <a:t>– Ha A1 értéke nagyobb vagy egyenlő, mint 4 és kisebb vagy egyenlő mint 6 akkor ”Közepes”. Ez például egy 1-től 10-es pontozás esetén elképzelhető.</a:t>
             </a:r>
           </a:p>
           <a:p>
@@ -13348,7 +13337,15 @@
             </a:r>
             <a:r>
               <a:rPr lang="hu-HU" dirty="0"/>
-              <a:t>: Például a legkisebb osztályzat megtalálására.</a:t>
+              <a:t>: Például 1-10 –</a:t>
+            </a:r>
+            <a:r>
+              <a:rPr lang="hu-HU" dirty="0" err="1"/>
+              <a:t>ig</a:t>
+            </a:r>
+            <a:r>
+              <a:rPr lang="hu-HU" dirty="0"/>
+              <a:t> pontszámok értékelése.</a:t>
             </a:r>
           </a:p>
         </p:txBody>
@@ -13358,7 +13355,7 @@
           <p:cNvPr id="5" name="Kép 4">
             <a:extLst>
               <a:ext uri="{FF2B5EF4-FFF2-40B4-BE49-F238E27FC236}">
-                <a16:creationId xmlns:a16="http://schemas.microsoft.com/office/drawing/2014/main" id="{9478E3F4-0E2C-F77C-0378-D14E26DF7505}"/>
+                <a16:creationId xmlns:a16="http://schemas.microsoft.com/office/drawing/2014/main" id="{6C2BEEDD-C84B-F3DE-2E27-3594D853D944}"/>
               </a:ext>
             </a:extLst>
           </p:cNvPr>
@@ -13368,15 +13365,15 @@
           <p:nvPr/>
         </p:nvPicPr>
         <p:blipFill>
-          <a:blip r:embed="rId3"/>
+          <a:blip r:embed="rId2"/>
           <a:stretch>
             <a:fillRect/>
           </a:stretch>
         </p:blipFill>
         <p:spPr>
           <a:xfrm>
-            <a:off x="5057545" y="1257116"/>
-            <a:ext cx="3296110" cy="2629267"/>
+            <a:off x="5259320" y="1317343"/>
+            <a:ext cx="3190849" cy="2673732"/>
           </a:xfrm>
           <a:prstGeom prst="rect">
             <a:avLst/>
@@ -13386,7 +13383,7 @@
     </p:spTree>
     <p:extLst>
       <p:ext uri="{BB962C8B-B14F-4D97-AF65-F5344CB8AC3E}">
-        <p14:creationId xmlns:p14="http://schemas.microsoft.com/office/powerpoint/2010/main" val="843368199"/>
+        <p14:creationId xmlns:p14="http://schemas.microsoft.com/office/powerpoint/2010/main" val="352432771"/>
       </p:ext>
     </p:extLst>
   </p:cSld>
@@ -13593,6 +13590,703 @@
 </file>
 
 <file path=ppt/slides/slide20.xml><?xml version="1.0" encoding="utf-8"?>
+<p:sld xmlns:a="http://schemas.openxmlformats.org/drawingml/2006/main" xmlns:r="http://schemas.openxmlformats.org/officeDocument/2006/relationships" xmlns:p="http://schemas.openxmlformats.org/presentationml/2006/main">
+  <p:cSld>
+    <p:spTree>
+      <p:nvGrpSpPr>
+        <p:cNvPr id="1" name=""/>
+        <p:cNvGrpSpPr/>
+        <p:nvPr/>
+      </p:nvGrpSpPr>
+      <p:grpSpPr>
+        <a:xfrm>
+          <a:off x="0" y="0"/>
+          <a:ext cx="0" cy="0"/>
+          <a:chOff x="0" y="0"/>
+          <a:chExt cx="0" cy="0"/>
+        </a:xfrm>
+      </p:grpSpPr>
+      <p:sp>
+        <p:nvSpPr>
+          <p:cNvPr id="2" name="Cím 1">
+            <a:extLst>
+              <a:ext uri="{FF2B5EF4-FFF2-40B4-BE49-F238E27FC236}">
+                <a16:creationId xmlns:a16="http://schemas.microsoft.com/office/drawing/2014/main" id="{76C8A5E5-9771-F125-C781-D21ED96861BC}"/>
+              </a:ext>
+            </a:extLst>
+          </p:cNvPr>
+          <p:cNvSpPr>
+            <a:spLocks noGrp="1"/>
+          </p:cNvSpPr>
+          <p:nvPr>
+            <p:ph type="title"/>
+          </p:nvPr>
+        </p:nvSpPr>
+        <p:spPr/>
+        <p:txBody>
+          <a:bodyPr>
+            <a:normAutofit fontScale="90000"/>
+          </a:bodyPr>
+          <a:lstStyle/>
+          <a:p>
+            <a:r>
+              <a:rPr lang="hu-HU" dirty="0"/>
+              <a:t>Egymásba ágyazott HA függvények</a:t>
+            </a:r>
+            <a:endParaRPr lang="en-US" dirty="0"/>
+          </a:p>
+        </p:txBody>
+      </p:sp>
+      <p:sp>
+        <p:nvSpPr>
+          <p:cNvPr id="3" name="Szöveg helye 2">
+            <a:extLst>
+              <a:ext uri="{FF2B5EF4-FFF2-40B4-BE49-F238E27FC236}">
+                <a16:creationId xmlns:a16="http://schemas.microsoft.com/office/drawing/2014/main" id="{171CB01E-BFBC-2A0D-2C0E-034FD8F547D6}"/>
+              </a:ext>
+            </a:extLst>
+          </p:cNvPr>
+          <p:cNvSpPr>
+            <a:spLocks noGrp="1"/>
+          </p:cNvSpPr>
+          <p:nvPr>
+            <p:ph type="body" idx="1"/>
+          </p:nvPr>
+        </p:nvSpPr>
+        <p:spPr>
+          <a:xfrm>
+            <a:off x="311700" y="1266325"/>
+            <a:ext cx="4986014" cy="1106761"/>
+          </a:xfrm>
+        </p:spPr>
+        <p:txBody>
+          <a:bodyPr>
+            <a:normAutofit lnSpcReduction="10000"/>
+          </a:bodyPr>
+          <a:lstStyle/>
+          <a:p>
+            <a:r>
+              <a:rPr lang="hu-HU" b="1" dirty="0"/>
+              <a:t>Leírás</a:t>
+            </a:r>
+            <a:r>
+              <a:rPr lang="hu-HU" dirty="0"/>
+              <a:t>: Ha nem csak kétféle elágazást szeretnénk kezelni, hanem többet mint kettő.</a:t>
+            </a:r>
+            <a:endParaRPr lang="en-US" dirty="0"/>
+          </a:p>
+        </p:txBody>
+      </p:sp>
+      <p:pic>
+        <p:nvPicPr>
+          <p:cNvPr id="5" name="Kép 4">
+            <a:extLst>
+              <a:ext uri="{FF2B5EF4-FFF2-40B4-BE49-F238E27FC236}">
+                <a16:creationId xmlns:a16="http://schemas.microsoft.com/office/drawing/2014/main" id="{9DEC508A-275B-68BF-0186-EBCC7A49DB5C}"/>
+              </a:ext>
+            </a:extLst>
+          </p:cNvPr>
+          <p:cNvPicPr>
+            <a:picLocks noChangeAspect="1"/>
+          </p:cNvPicPr>
+          <p:nvPr/>
+        </p:nvPicPr>
+        <p:blipFill>
+          <a:blip r:embed="rId2"/>
+          <a:stretch>
+            <a:fillRect/>
+          </a:stretch>
+        </p:blipFill>
+        <p:spPr>
+          <a:xfrm>
+            <a:off x="5086146" y="1133375"/>
+            <a:ext cx="3389294" cy="2184789"/>
+          </a:xfrm>
+          <a:prstGeom prst="rect">
+            <a:avLst/>
+          </a:prstGeom>
+        </p:spPr>
+      </p:pic>
+      <p:sp>
+        <p:nvSpPr>
+          <p:cNvPr id="6" name="Szöveg helye 2">
+            <a:extLst>
+              <a:ext uri="{FF2B5EF4-FFF2-40B4-BE49-F238E27FC236}">
+                <a16:creationId xmlns:a16="http://schemas.microsoft.com/office/drawing/2014/main" id="{8BA270F2-6078-7336-3D0D-51734BE263F2}"/>
+              </a:ext>
+            </a:extLst>
+          </p:cNvPr>
+          <p:cNvSpPr txBox="1">
+            <a:spLocks/>
+          </p:cNvSpPr>
+          <p:nvPr/>
+        </p:nvSpPr>
+        <p:spPr>
+          <a:xfrm>
+            <a:off x="311700" y="3398237"/>
+            <a:ext cx="8340464" cy="1106761"/>
+          </a:xfrm>
+          <a:prstGeom prst="rect">
+            <a:avLst/>
+          </a:prstGeom>
+          <a:noFill/>
+          <a:ln>
+            <a:noFill/>
+          </a:ln>
+        </p:spPr>
+        <p:txBody>
+          <a:bodyPr spcFirstLastPara="1" wrap="square" lIns="91425" tIns="91425" rIns="91425" bIns="91425" anchor="t" anchorCtr="0">
+            <a:normAutofit/>
+          </a:bodyPr>
+          <a:lstStyle>
+            <a:defPPr marR="0" lvl="0" algn="l" rtl="0">
+              <a:lnSpc>
+                <a:spcPct val="100000"/>
+              </a:lnSpc>
+              <a:spcBef>
+                <a:spcPts val="0"/>
+              </a:spcBef>
+              <a:spcAft>
+                <a:spcPts val="0"/>
+              </a:spcAft>
+            </a:defPPr>
+            <a:lvl1pPr marL="457200" marR="0" lvl="0" indent="-342900" algn="l" rtl="0">
+              <a:lnSpc>
+                <a:spcPct val="115000"/>
+              </a:lnSpc>
+              <a:spcBef>
+                <a:spcPts val="0"/>
+              </a:spcBef>
+              <a:spcAft>
+                <a:spcPts val="0"/>
+              </a:spcAft>
+              <a:buClr>
+                <a:schemeClr val="dk2"/>
+              </a:buClr>
+              <a:buSzPts val="1800"/>
+              <a:buFont typeface="Open Sans"/>
+              <a:buChar char="●"/>
+              <a:defRPr sz="1800" b="0" i="0" u="none" strike="noStrike" cap="none">
+                <a:solidFill>
+                  <a:schemeClr val="dk2"/>
+                </a:solidFill>
+                <a:latin typeface="Open Sans"/>
+                <a:ea typeface="Open Sans"/>
+                <a:cs typeface="Open Sans"/>
+                <a:sym typeface="Open Sans"/>
+              </a:defRPr>
+            </a:lvl1pPr>
+            <a:lvl2pPr marL="914400" marR="0" lvl="1" indent="-317500" algn="l" rtl="0">
+              <a:lnSpc>
+                <a:spcPct val="115000"/>
+              </a:lnSpc>
+              <a:spcBef>
+                <a:spcPts val="0"/>
+              </a:spcBef>
+              <a:spcAft>
+                <a:spcPts val="0"/>
+              </a:spcAft>
+              <a:buClr>
+                <a:schemeClr val="dk2"/>
+              </a:buClr>
+              <a:buSzPts val="1400"/>
+              <a:buFont typeface="Open Sans"/>
+              <a:buChar char="○"/>
+              <a:defRPr sz="1400" b="0" i="0" u="none" strike="noStrike" cap="none">
+                <a:solidFill>
+                  <a:schemeClr val="dk2"/>
+                </a:solidFill>
+                <a:latin typeface="Open Sans"/>
+                <a:ea typeface="Open Sans"/>
+                <a:cs typeface="Open Sans"/>
+                <a:sym typeface="Open Sans"/>
+              </a:defRPr>
+            </a:lvl2pPr>
+            <a:lvl3pPr marL="1371600" marR="0" lvl="2" indent="-317500" algn="l" rtl="0">
+              <a:lnSpc>
+                <a:spcPct val="115000"/>
+              </a:lnSpc>
+              <a:spcBef>
+                <a:spcPts val="0"/>
+              </a:spcBef>
+              <a:spcAft>
+                <a:spcPts val="0"/>
+              </a:spcAft>
+              <a:buClr>
+                <a:schemeClr val="dk2"/>
+              </a:buClr>
+              <a:buSzPts val="1400"/>
+              <a:buFont typeface="Open Sans"/>
+              <a:buChar char="■"/>
+              <a:defRPr sz="1400" b="0" i="0" u="none" strike="noStrike" cap="none">
+                <a:solidFill>
+                  <a:schemeClr val="dk2"/>
+                </a:solidFill>
+                <a:latin typeface="Open Sans"/>
+                <a:ea typeface="Open Sans"/>
+                <a:cs typeface="Open Sans"/>
+                <a:sym typeface="Open Sans"/>
+              </a:defRPr>
+            </a:lvl3pPr>
+            <a:lvl4pPr marL="1828800" marR="0" lvl="3" indent="-317500" algn="l" rtl="0">
+              <a:lnSpc>
+                <a:spcPct val="115000"/>
+              </a:lnSpc>
+              <a:spcBef>
+                <a:spcPts val="0"/>
+              </a:spcBef>
+              <a:spcAft>
+                <a:spcPts val="0"/>
+              </a:spcAft>
+              <a:buClr>
+                <a:schemeClr val="dk2"/>
+              </a:buClr>
+              <a:buSzPts val="1400"/>
+              <a:buFont typeface="Open Sans"/>
+              <a:buChar char="●"/>
+              <a:defRPr sz="1400" b="0" i="0" u="none" strike="noStrike" cap="none">
+                <a:solidFill>
+                  <a:schemeClr val="dk2"/>
+                </a:solidFill>
+                <a:latin typeface="Open Sans"/>
+                <a:ea typeface="Open Sans"/>
+                <a:cs typeface="Open Sans"/>
+                <a:sym typeface="Open Sans"/>
+              </a:defRPr>
+            </a:lvl4pPr>
+            <a:lvl5pPr marL="2286000" marR="0" lvl="4" indent="-317500" algn="l" rtl="0">
+              <a:lnSpc>
+                <a:spcPct val="115000"/>
+              </a:lnSpc>
+              <a:spcBef>
+                <a:spcPts val="0"/>
+              </a:spcBef>
+              <a:spcAft>
+                <a:spcPts val="0"/>
+              </a:spcAft>
+              <a:buClr>
+                <a:schemeClr val="dk2"/>
+              </a:buClr>
+              <a:buSzPts val="1400"/>
+              <a:buFont typeface="Open Sans"/>
+              <a:buChar char="○"/>
+              <a:defRPr sz="1400" b="0" i="0" u="none" strike="noStrike" cap="none">
+                <a:solidFill>
+                  <a:schemeClr val="dk2"/>
+                </a:solidFill>
+                <a:latin typeface="Open Sans"/>
+                <a:ea typeface="Open Sans"/>
+                <a:cs typeface="Open Sans"/>
+                <a:sym typeface="Open Sans"/>
+              </a:defRPr>
+            </a:lvl5pPr>
+            <a:lvl6pPr marL="2743200" marR="0" lvl="5" indent="-317500" algn="l" rtl="0">
+              <a:lnSpc>
+                <a:spcPct val="115000"/>
+              </a:lnSpc>
+              <a:spcBef>
+                <a:spcPts val="0"/>
+              </a:spcBef>
+              <a:spcAft>
+                <a:spcPts val="0"/>
+              </a:spcAft>
+              <a:buClr>
+                <a:schemeClr val="dk2"/>
+              </a:buClr>
+              <a:buSzPts val="1400"/>
+              <a:buFont typeface="Open Sans"/>
+              <a:buChar char="■"/>
+              <a:defRPr sz="1400" b="0" i="0" u="none" strike="noStrike" cap="none">
+                <a:solidFill>
+                  <a:schemeClr val="dk2"/>
+                </a:solidFill>
+                <a:latin typeface="Open Sans"/>
+                <a:ea typeface="Open Sans"/>
+                <a:cs typeface="Open Sans"/>
+                <a:sym typeface="Open Sans"/>
+              </a:defRPr>
+            </a:lvl6pPr>
+            <a:lvl7pPr marL="3200400" marR="0" lvl="6" indent="-317500" algn="l" rtl="0">
+              <a:lnSpc>
+                <a:spcPct val="115000"/>
+              </a:lnSpc>
+              <a:spcBef>
+                <a:spcPts val="0"/>
+              </a:spcBef>
+              <a:spcAft>
+                <a:spcPts val="0"/>
+              </a:spcAft>
+              <a:buClr>
+                <a:schemeClr val="dk2"/>
+              </a:buClr>
+              <a:buSzPts val="1400"/>
+              <a:buFont typeface="Open Sans"/>
+              <a:buChar char="●"/>
+              <a:defRPr sz="1400" b="0" i="0" u="none" strike="noStrike" cap="none">
+                <a:solidFill>
+                  <a:schemeClr val="dk2"/>
+                </a:solidFill>
+                <a:latin typeface="Open Sans"/>
+                <a:ea typeface="Open Sans"/>
+                <a:cs typeface="Open Sans"/>
+                <a:sym typeface="Open Sans"/>
+              </a:defRPr>
+            </a:lvl7pPr>
+            <a:lvl8pPr marL="3657600" marR="0" lvl="7" indent="-317500" algn="l" rtl="0">
+              <a:lnSpc>
+                <a:spcPct val="115000"/>
+              </a:lnSpc>
+              <a:spcBef>
+                <a:spcPts val="0"/>
+              </a:spcBef>
+              <a:spcAft>
+                <a:spcPts val="0"/>
+              </a:spcAft>
+              <a:buClr>
+                <a:schemeClr val="dk2"/>
+              </a:buClr>
+              <a:buSzPts val="1400"/>
+              <a:buFont typeface="Open Sans"/>
+              <a:buChar char="○"/>
+              <a:defRPr sz="1400" b="0" i="0" u="none" strike="noStrike" cap="none">
+                <a:solidFill>
+                  <a:schemeClr val="dk2"/>
+                </a:solidFill>
+                <a:latin typeface="Open Sans"/>
+                <a:ea typeface="Open Sans"/>
+                <a:cs typeface="Open Sans"/>
+                <a:sym typeface="Open Sans"/>
+              </a:defRPr>
+            </a:lvl8pPr>
+            <a:lvl9pPr marL="4114800" marR="0" lvl="8" indent="-317500" algn="l" rtl="0">
+              <a:lnSpc>
+                <a:spcPct val="115000"/>
+              </a:lnSpc>
+              <a:spcBef>
+                <a:spcPts val="0"/>
+              </a:spcBef>
+              <a:spcAft>
+                <a:spcPts val="0"/>
+              </a:spcAft>
+              <a:buClr>
+                <a:schemeClr val="dk2"/>
+              </a:buClr>
+              <a:buSzPts val="1400"/>
+              <a:buFont typeface="Open Sans"/>
+              <a:buChar char="■"/>
+              <a:defRPr sz="1400" b="0" i="0" u="none" strike="noStrike" cap="none">
+                <a:solidFill>
+                  <a:schemeClr val="dk2"/>
+                </a:solidFill>
+                <a:latin typeface="Open Sans"/>
+                <a:ea typeface="Open Sans"/>
+                <a:cs typeface="Open Sans"/>
+                <a:sym typeface="Open Sans"/>
+              </a:defRPr>
+            </a:lvl9pPr>
+          </a:lstStyle>
+          <a:p>
+            <a:r>
+              <a:rPr lang="hu-HU" b="1" dirty="0"/>
+              <a:t>Példa</a:t>
+            </a:r>
+            <a:r>
+              <a:rPr lang="hu-HU" dirty="0"/>
+              <a:t>: </a:t>
+            </a:r>
+            <a:r>
+              <a:rPr lang="it-IT" dirty="0">
+                <a:highlight>
+                  <a:srgbClr val="FFFF00"/>
+                </a:highlight>
+              </a:rPr>
+              <a:t>=HA(A2&gt;=4</a:t>
+            </a:r>
+            <a:r>
+              <a:rPr lang="hu-HU" dirty="0">
+                <a:highlight>
+                  <a:srgbClr val="FFFF00"/>
+                </a:highlight>
+              </a:rPr>
+              <a:t>;</a:t>
+            </a:r>
+            <a:r>
+              <a:rPr lang="it-IT" dirty="0">
+                <a:highlight>
+                  <a:srgbClr val="00FF00"/>
+                </a:highlight>
+              </a:rPr>
+              <a:t>HA(A2&gt;8</a:t>
+            </a:r>
+            <a:r>
+              <a:rPr lang="hu-HU" dirty="0">
+                <a:highlight>
+                  <a:srgbClr val="00FF00"/>
+                </a:highlight>
+              </a:rPr>
+              <a:t>;</a:t>
+            </a:r>
+            <a:r>
+              <a:rPr lang="it-IT" dirty="0">
+                <a:highlight>
+                  <a:srgbClr val="00FF00"/>
+                </a:highlight>
+              </a:rPr>
+              <a:t>"Fantasztikus " </a:t>
+            </a:r>
+            <a:r>
+              <a:rPr lang="hu-HU" dirty="0">
+                <a:highlight>
+                  <a:srgbClr val="00FF00"/>
+                </a:highlight>
+              </a:rPr>
+              <a:t> ; </a:t>
+            </a:r>
+            <a:r>
+              <a:rPr lang="it-IT" dirty="0">
+                <a:highlight>
+                  <a:srgbClr val="00FF00"/>
+                </a:highlight>
+              </a:rPr>
+              <a:t>"Közepes")</a:t>
+            </a:r>
+            <a:r>
+              <a:rPr lang="it-IT" dirty="0">
+                <a:highlight>
+                  <a:srgbClr val="FFFF00"/>
+                </a:highlight>
+              </a:rPr>
+              <a:t>,"Alkalmatlan")</a:t>
+            </a:r>
+            <a:endParaRPr lang="en-US" dirty="0">
+              <a:highlight>
+                <a:srgbClr val="FFFF00"/>
+              </a:highlight>
+            </a:endParaRPr>
+          </a:p>
+        </p:txBody>
+      </p:sp>
+    </p:spTree>
+    <p:extLst>
+      <p:ext uri="{BB962C8B-B14F-4D97-AF65-F5344CB8AC3E}">
+        <p14:creationId xmlns:p14="http://schemas.microsoft.com/office/powerpoint/2010/main" val="2364980928"/>
+      </p:ext>
+    </p:extLst>
+  </p:cSld>
+  <p:clrMapOvr>
+    <a:masterClrMapping/>
+  </p:clrMapOvr>
+</p:sld>
+</file>
+
+<file path=ppt/slides/slide21.xml><?xml version="1.0" encoding="utf-8"?>
+<p:sld xmlns:a="http://schemas.openxmlformats.org/drawingml/2006/main" xmlns:r="http://schemas.openxmlformats.org/officeDocument/2006/relationships" xmlns:p="http://schemas.openxmlformats.org/presentationml/2006/main">
+  <p:cSld>
+    <p:spTree>
+      <p:nvGrpSpPr>
+        <p:cNvPr id="1" name="Shape 150">
+          <a:extLst>
+            <a:ext uri="{FF2B5EF4-FFF2-40B4-BE49-F238E27FC236}">
+              <a16:creationId xmlns:a16="http://schemas.microsoft.com/office/drawing/2014/main" id="{475D1640-3574-AD28-DF81-1A46087A2AF9}"/>
+            </a:ext>
+          </a:extLst>
+        </p:cNvPr>
+        <p:cNvGrpSpPr/>
+        <p:nvPr/>
+      </p:nvGrpSpPr>
+      <p:grpSpPr>
+        <a:xfrm>
+          <a:off x="0" y="0"/>
+          <a:ext cx="0" cy="0"/>
+          <a:chOff x="0" y="0"/>
+          <a:chExt cx="0" cy="0"/>
+        </a:xfrm>
+      </p:grpSpPr>
+      <p:sp>
+        <p:nvSpPr>
+          <p:cNvPr id="151" name="Google Shape;151;p25">
+            <a:extLst>
+              <a:ext uri="{FF2B5EF4-FFF2-40B4-BE49-F238E27FC236}">
+                <a16:creationId xmlns:a16="http://schemas.microsoft.com/office/drawing/2014/main" id="{B02226EB-7D4B-6484-D1D6-0098FAD42FF5}"/>
+              </a:ext>
+            </a:extLst>
+          </p:cNvPr>
+          <p:cNvSpPr txBox="1">
+            <a:spLocks noGrp="1"/>
+          </p:cNvSpPr>
+          <p:nvPr>
+            <p:ph type="title"/>
+          </p:nvPr>
+        </p:nvSpPr>
+        <p:spPr>
+          <a:xfrm>
+            <a:off x="311700" y="445025"/>
+            <a:ext cx="8520600" cy="707400"/>
+          </a:xfrm>
+          <a:prstGeom prst="rect">
+            <a:avLst/>
+          </a:prstGeom>
+        </p:spPr>
+        <p:txBody>
+          <a:bodyPr spcFirstLastPara="1" wrap="square" lIns="91425" tIns="91425" rIns="91425" bIns="91425" anchor="t" anchorCtr="0">
+            <a:normAutofit fontScale="90000"/>
+          </a:bodyPr>
+          <a:lstStyle/>
+          <a:p>
+            <a:pPr marL="0" lvl="0" indent="0" algn="l" rtl="0">
+              <a:spcBef>
+                <a:spcPts val="0"/>
+              </a:spcBef>
+              <a:spcAft>
+                <a:spcPts val="0"/>
+              </a:spcAft>
+              <a:buNone/>
+            </a:pPr>
+            <a:r>
+              <a:rPr lang="en-US" dirty="0"/>
+              <a:t>MIN</a:t>
+            </a:r>
+            <a:r>
+              <a:rPr lang="hu-HU" dirty="0"/>
+              <a:t> Minimum, legkisebb érték</a:t>
+            </a:r>
+            <a:endParaRPr dirty="0"/>
+          </a:p>
+        </p:txBody>
+      </p:sp>
+      <p:sp>
+        <p:nvSpPr>
+          <p:cNvPr id="152" name="Google Shape;152;p25">
+            <a:extLst>
+              <a:ext uri="{FF2B5EF4-FFF2-40B4-BE49-F238E27FC236}">
+                <a16:creationId xmlns:a16="http://schemas.microsoft.com/office/drawing/2014/main" id="{02CDFB13-0F15-AA41-1AF9-2C316B3A7136}"/>
+              </a:ext>
+            </a:extLst>
+          </p:cNvPr>
+          <p:cNvSpPr txBox="1">
+            <a:spLocks noGrp="1"/>
+          </p:cNvSpPr>
+          <p:nvPr>
+            <p:ph type="body" idx="1"/>
+          </p:nvPr>
+        </p:nvSpPr>
+        <p:spPr>
+          <a:xfrm>
+            <a:off x="311700" y="1638561"/>
+            <a:ext cx="4811843" cy="2955210"/>
+          </a:xfrm>
+          <a:prstGeom prst="rect">
+            <a:avLst/>
+          </a:prstGeom>
+        </p:spPr>
+        <p:txBody>
+          <a:bodyPr spcFirstLastPara="1" wrap="square" lIns="91425" tIns="91425" rIns="91425" bIns="91425" anchor="t" anchorCtr="0">
+            <a:normAutofit/>
+          </a:bodyPr>
+          <a:lstStyle/>
+          <a:p>
+            <a:pPr marL="285750" indent="-285750">
+              <a:spcAft>
+                <a:spcPts val="600"/>
+              </a:spcAft>
+            </a:pPr>
+            <a:r>
+              <a:rPr lang="hu-HU" b="1" dirty="0"/>
+              <a:t>Leírás</a:t>
+            </a:r>
+            <a:r>
+              <a:rPr lang="hu-HU" dirty="0"/>
+              <a:t>: Kiválasztott cellák közül a legkisebb értéket adja vissza.</a:t>
+            </a:r>
+          </a:p>
+          <a:p>
+            <a:pPr marL="285750" indent="-285750">
+              <a:spcAft>
+                <a:spcPts val="600"/>
+              </a:spcAft>
+            </a:pPr>
+            <a:r>
+              <a:rPr lang="hu-HU" b="1" dirty="0"/>
+              <a:t>Példa</a:t>
+            </a:r>
+            <a:r>
+              <a:rPr lang="hu-HU" dirty="0"/>
+              <a:t>: </a:t>
+            </a:r>
+            <a:r>
+              <a:rPr lang="hu-HU" dirty="0">
+                <a:highlight>
+                  <a:srgbClr val="FFFF00"/>
+                </a:highlight>
+              </a:rPr>
+              <a:t>=MIN(A1:A7) </a:t>
+            </a:r>
+            <a:r>
+              <a:rPr lang="hu-HU" dirty="0"/>
+              <a:t>– Megadja a A1-től A7-ig tartó cellák legkisebb értékét.</a:t>
+            </a:r>
+          </a:p>
+          <a:p>
+            <a:pPr marL="285750" indent="-285750">
+              <a:spcAft>
+                <a:spcPts val="600"/>
+              </a:spcAft>
+            </a:pPr>
+            <a:r>
+              <a:rPr lang="hu-HU" b="1" dirty="0"/>
+              <a:t>Használat</a:t>
+            </a:r>
+            <a:r>
+              <a:rPr lang="hu-HU" dirty="0"/>
+              <a:t>: Például a legkisebb osztályzat megtalálására.</a:t>
+            </a:r>
+          </a:p>
+        </p:txBody>
+      </p:sp>
+      <p:pic>
+        <p:nvPicPr>
+          <p:cNvPr id="5" name="Kép 4">
+            <a:extLst>
+              <a:ext uri="{FF2B5EF4-FFF2-40B4-BE49-F238E27FC236}">
+                <a16:creationId xmlns:a16="http://schemas.microsoft.com/office/drawing/2014/main" id="{9478E3F4-0E2C-F77C-0378-D14E26DF7505}"/>
+              </a:ext>
+            </a:extLst>
+          </p:cNvPr>
+          <p:cNvPicPr>
+            <a:picLocks noChangeAspect="1"/>
+          </p:cNvPicPr>
+          <p:nvPr/>
+        </p:nvPicPr>
+        <p:blipFill>
+          <a:blip r:embed="rId3"/>
+          <a:stretch>
+            <a:fillRect/>
+          </a:stretch>
+        </p:blipFill>
+        <p:spPr>
+          <a:xfrm>
+            <a:off x="5057545" y="1257116"/>
+            <a:ext cx="3296110" cy="2629267"/>
+          </a:xfrm>
+          <a:prstGeom prst="rect">
+            <a:avLst/>
+          </a:prstGeom>
+        </p:spPr>
+      </p:pic>
+    </p:spTree>
+    <p:extLst>
+      <p:ext uri="{BB962C8B-B14F-4D97-AF65-F5344CB8AC3E}">
+        <p14:creationId xmlns:p14="http://schemas.microsoft.com/office/powerpoint/2010/main" val="843368199"/>
+      </p:ext>
+    </p:extLst>
+  </p:cSld>
+  <p:clrMapOvr>
+    <a:masterClrMapping/>
+  </p:clrMapOvr>
+</p:sld>
+</file>
+
+<file path=ppt/slides/slide22.xml><?xml version="1.0" encoding="utf-8"?>
 <p:sld xmlns:a="http://schemas.openxmlformats.org/drawingml/2006/main" xmlns:r="http://schemas.openxmlformats.org/officeDocument/2006/relationships" xmlns:p="http://schemas.openxmlformats.org/presentationml/2006/main">
   <p:cSld>
     <p:spTree>
@@ -13799,7 +14493,7 @@
 </p:sld>
 </file>
 
-<file path=ppt/slides/slide21.xml><?xml version="1.0" encoding="utf-8"?>
+<file path=ppt/slides/slide23.xml><?xml version="1.0" encoding="utf-8"?>
 <p:sld xmlns:a="http://schemas.openxmlformats.org/drawingml/2006/main" xmlns:r="http://schemas.openxmlformats.org/officeDocument/2006/relationships" xmlns:p="http://schemas.openxmlformats.org/presentationml/2006/main">
   <p:cSld>
     <p:spTree>
@@ -13990,7 +14684,7 @@
 </p:sld>
 </file>
 
-<file path=ppt/slides/slide22.xml><?xml version="1.0" encoding="utf-8"?>
+<file path=ppt/slides/slide24.xml><?xml version="1.0" encoding="utf-8"?>
 <p:sld xmlns:a="http://schemas.openxmlformats.org/drawingml/2006/main" xmlns:r="http://schemas.openxmlformats.org/officeDocument/2006/relationships" xmlns:p="http://schemas.openxmlformats.org/presentationml/2006/main">
   <p:cSld>
     <p:spTree>
@@ -14181,7 +14875,313 @@
 </p:sld>
 </file>
 
-<file path=ppt/slides/slide23.xml><?xml version="1.0" encoding="utf-8"?>
+<file path=ppt/slides/slide25.xml><?xml version="1.0" encoding="utf-8"?>
+<p:sld xmlns:a="http://schemas.openxmlformats.org/drawingml/2006/main" xmlns:r="http://schemas.openxmlformats.org/officeDocument/2006/relationships" xmlns:p="http://schemas.openxmlformats.org/presentationml/2006/main">
+  <p:cSld>
+    <p:spTree>
+      <p:nvGrpSpPr>
+        <p:cNvPr id="1" name=""/>
+        <p:cNvGrpSpPr/>
+        <p:nvPr/>
+      </p:nvGrpSpPr>
+      <p:grpSpPr>
+        <a:xfrm>
+          <a:off x="0" y="0"/>
+          <a:ext cx="0" cy="0"/>
+          <a:chOff x="0" y="0"/>
+          <a:chExt cx="0" cy="0"/>
+        </a:xfrm>
+      </p:grpSpPr>
+      <p:sp>
+        <p:nvSpPr>
+          <p:cNvPr id="2" name="Cím 1">
+            <a:extLst>
+              <a:ext uri="{FF2B5EF4-FFF2-40B4-BE49-F238E27FC236}">
+                <a16:creationId xmlns:a16="http://schemas.microsoft.com/office/drawing/2014/main" id="{48D74479-A24D-A824-17FA-4292FA0F3BDC}"/>
+              </a:ext>
+            </a:extLst>
+          </p:cNvPr>
+          <p:cNvSpPr>
+            <a:spLocks noGrp="1"/>
+          </p:cNvSpPr>
+          <p:nvPr>
+            <p:ph type="title"/>
+          </p:nvPr>
+        </p:nvSpPr>
+        <p:spPr/>
+        <p:txBody>
+          <a:bodyPr>
+            <a:normAutofit fontScale="90000"/>
+          </a:bodyPr>
+          <a:lstStyle/>
+          <a:p>
+            <a:r>
+              <a:rPr lang="hu-HU" dirty="0"/>
+              <a:t>Kerekítés</a:t>
+            </a:r>
+            <a:endParaRPr lang="en-US" dirty="0"/>
+          </a:p>
+        </p:txBody>
+      </p:sp>
+      <p:sp>
+        <p:nvSpPr>
+          <p:cNvPr id="3" name="Szöveg helye 2">
+            <a:extLst>
+              <a:ext uri="{FF2B5EF4-FFF2-40B4-BE49-F238E27FC236}">
+                <a16:creationId xmlns:a16="http://schemas.microsoft.com/office/drawing/2014/main" id="{76575FDD-B487-7D3C-5F8A-01D477A13E40}"/>
+              </a:ext>
+            </a:extLst>
+          </p:cNvPr>
+          <p:cNvSpPr>
+            <a:spLocks noGrp="1"/>
+          </p:cNvSpPr>
+          <p:nvPr>
+            <p:ph type="body" idx="1"/>
+          </p:nvPr>
+        </p:nvSpPr>
+        <p:spPr/>
+        <p:txBody>
+          <a:bodyPr/>
+          <a:lstStyle/>
+          <a:p>
+            <a:r>
+              <a:rPr lang="hu-HU" b="1" dirty="0"/>
+              <a:t>Leírás</a:t>
+            </a:r>
+            <a:r>
+              <a:rPr lang="hu-HU" dirty="0"/>
+              <a:t>: Számok kerekítése megadott tizedes jegyig.</a:t>
+            </a:r>
+          </a:p>
+          <a:p>
+            <a:r>
+              <a:rPr lang="hu-HU" dirty="0"/>
+              <a:t>Példa: Kerekítsük a pi-t 2 tizedes jegyre!</a:t>
+            </a:r>
+            <a:br>
+              <a:rPr lang="hu-HU" dirty="0"/>
+            </a:br>
+            <a:r>
+              <a:rPr lang="hu-HU" dirty="0">
+                <a:highlight>
+                  <a:srgbClr val="FFFF00"/>
+                </a:highlight>
+              </a:rPr>
+              <a:t>=KEREKÍTÉS(A2 ; 2)</a:t>
+            </a:r>
+            <a:endParaRPr lang="en-US" dirty="0">
+              <a:highlight>
+                <a:srgbClr val="FFFF00"/>
+              </a:highlight>
+            </a:endParaRPr>
+          </a:p>
+        </p:txBody>
+      </p:sp>
+      <p:pic>
+        <p:nvPicPr>
+          <p:cNvPr id="5" name="Kép 4">
+            <a:extLst>
+              <a:ext uri="{FF2B5EF4-FFF2-40B4-BE49-F238E27FC236}">
+                <a16:creationId xmlns:a16="http://schemas.microsoft.com/office/drawing/2014/main" id="{3A2B936D-10B5-1A2C-5A6D-AA8D62F74811}"/>
+              </a:ext>
+            </a:extLst>
+          </p:cNvPr>
+          <p:cNvPicPr>
+            <a:picLocks noChangeAspect="1"/>
+          </p:cNvPicPr>
+          <p:nvPr/>
+        </p:nvPicPr>
+        <p:blipFill>
+          <a:blip r:embed="rId2"/>
+          <a:stretch>
+            <a:fillRect/>
+          </a:stretch>
+        </p:blipFill>
+        <p:spPr>
+          <a:xfrm>
+            <a:off x="2641599" y="2571750"/>
+            <a:ext cx="3519199" cy="1390650"/>
+          </a:xfrm>
+          <a:prstGeom prst="rect">
+            <a:avLst/>
+          </a:prstGeom>
+        </p:spPr>
+      </p:pic>
+    </p:spTree>
+    <p:extLst>
+      <p:ext uri="{BB962C8B-B14F-4D97-AF65-F5344CB8AC3E}">
+        <p14:creationId xmlns:p14="http://schemas.microsoft.com/office/powerpoint/2010/main" val="513567054"/>
+      </p:ext>
+    </p:extLst>
+  </p:cSld>
+  <p:clrMapOvr>
+    <a:masterClrMapping/>
+  </p:clrMapOvr>
+</p:sld>
+</file>
+
+<file path=ppt/slides/slide26.xml><?xml version="1.0" encoding="utf-8"?>
+<p:sld xmlns:a="http://schemas.openxmlformats.org/drawingml/2006/main" xmlns:r="http://schemas.openxmlformats.org/officeDocument/2006/relationships" xmlns:p="http://schemas.openxmlformats.org/presentationml/2006/main">
+  <p:cSld>
+    <p:spTree>
+      <p:nvGrpSpPr>
+        <p:cNvPr id="1" name=""/>
+        <p:cNvGrpSpPr/>
+        <p:nvPr/>
+      </p:nvGrpSpPr>
+      <p:grpSpPr>
+        <a:xfrm>
+          <a:off x="0" y="0"/>
+          <a:ext cx="0" cy="0"/>
+          <a:chOff x="0" y="0"/>
+          <a:chExt cx="0" cy="0"/>
+        </a:xfrm>
+      </p:grpSpPr>
+      <p:sp>
+        <p:nvSpPr>
+          <p:cNvPr id="2" name="Cím 1">
+            <a:extLst>
+              <a:ext uri="{FF2B5EF4-FFF2-40B4-BE49-F238E27FC236}">
+                <a16:creationId xmlns:a16="http://schemas.microsoft.com/office/drawing/2014/main" id="{EF3FC57B-617A-8768-A0C4-659660DC5B98}"/>
+              </a:ext>
+            </a:extLst>
+          </p:cNvPr>
+          <p:cNvSpPr>
+            <a:spLocks noGrp="1"/>
+          </p:cNvSpPr>
+          <p:nvPr>
+            <p:ph type="title"/>
+          </p:nvPr>
+        </p:nvSpPr>
+        <p:spPr/>
+        <p:txBody>
+          <a:bodyPr>
+            <a:normAutofit fontScale="90000"/>
+          </a:bodyPr>
+          <a:lstStyle/>
+          <a:p>
+            <a:r>
+              <a:rPr lang="hu-HU" dirty="0"/>
+              <a:t>A SZÖVEG függvény</a:t>
+            </a:r>
+            <a:endParaRPr lang="en-US" dirty="0"/>
+          </a:p>
+        </p:txBody>
+      </p:sp>
+      <p:sp>
+        <p:nvSpPr>
+          <p:cNvPr id="3" name="Szöveg helye 2">
+            <a:extLst>
+              <a:ext uri="{FF2B5EF4-FFF2-40B4-BE49-F238E27FC236}">
+                <a16:creationId xmlns:a16="http://schemas.microsoft.com/office/drawing/2014/main" id="{CE277269-584D-B2B2-0B3C-ADF98DE19B47}"/>
+              </a:ext>
+            </a:extLst>
+          </p:cNvPr>
+          <p:cNvSpPr>
+            <a:spLocks noGrp="1"/>
+          </p:cNvSpPr>
+          <p:nvPr>
+            <p:ph type="body" idx="1"/>
+          </p:nvPr>
+        </p:nvSpPr>
+        <p:spPr/>
+        <p:txBody>
+          <a:bodyPr/>
+          <a:lstStyle/>
+          <a:p>
+            <a:r>
+              <a:rPr lang="hu-HU" b="1" dirty="0"/>
+              <a:t>Leírás</a:t>
+            </a:r>
+            <a:r>
+              <a:rPr lang="hu-HU" dirty="0"/>
+              <a:t>: Értéket konvertál egy adott számformátumú szöveggé.</a:t>
+            </a:r>
+          </a:p>
+          <a:p>
+            <a:r>
+              <a:rPr lang="hu-HU" dirty="0"/>
+              <a:t>Példa: Nézzük meg, hogy a születésünk napja a hét melyik napjára esik!</a:t>
+            </a:r>
+            <a:br>
+              <a:rPr lang="hu-HU" dirty="0"/>
+            </a:br>
+            <a:r>
+              <a:rPr lang="hu-HU" dirty="0">
+                <a:highlight>
+                  <a:srgbClr val="FFFF00"/>
+                </a:highlight>
+              </a:rPr>
+              <a:t>=SZÖVEG( A2 ; "</a:t>
+            </a:r>
+            <a:r>
+              <a:rPr lang="hu-HU" dirty="0" err="1">
+                <a:highlight>
+                  <a:srgbClr val="FFFF00"/>
+                </a:highlight>
+              </a:rPr>
+              <a:t>nnnn</a:t>
+            </a:r>
+            <a:r>
+              <a:rPr lang="hu-HU" dirty="0">
+                <a:highlight>
+                  <a:srgbClr val="FFFF00"/>
+                </a:highlight>
+              </a:rPr>
+              <a:t>")</a:t>
+            </a:r>
+            <a:endParaRPr lang="en-US" dirty="0">
+              <a:highlight>
+                <a:srgbClr val="FFFF00"/>
+              </a:highlight>
+            </a:endParaRPr>
+          </a:p>
+        </p:txBody>
+      </p:sp>
+      <p:pic>
+        <p:nvPicPr>
+          <p:cNvPr id="5" name="Kép 4">
+            <a:extLst>
+              <a:ext uri="{FF2B5EF4-FFF2-40B4-BE49-F238E27FC236}">
+                <a16:creationId xmlns:a16="http://schemas.microsoft.com/office/drawing/2014/main" id="{51B5BED7-1B3B-CF3C-BE84-4A50A9C1B5F7}"/>
+              </a:ext>
+            </a:extLst>
+          </p:cNvPr>
+          <p:cNvPicPr>
+            <a:picLocks noChangeAspect="1"/>
+          </p:cNvPicPr>
+          <p:nvPr/>
+        </p:nvPicPr>
+        <p:blipFill>
+          <a:blip r:embed="rId2"/>
+          <a:stretch>
+            <a:fillRect/>
+          </a:stretch>
+        </p:blipFill>
+        <p:spPr>
+          <a:xfrm>
+            <a:off x="4066979" y="2015836"/>
+            <a:ext cx="2348365" cy="2585022"/>
+          </a:xfrm>
+          <a:prstGeom prst="rect">
+            <a:avLst/>
+          </a:prstGeom>
+        </p:spPr>
+      </p:pic>
+    </p:spTree>
+    <p:extLst>
+      <p:ext uri="{BB962C8B-B14F-4D97-AF65-F5344CB8AC3E}">
+        <p14:creationId xmlns:p14="http://schemas.microsoft.com/office/powerpoint/2010/main" val="2179678597"/>
+      </p:ext>
+    </p:extLst>
+  </p:cSld>
+  <p:clrMapOvr>
+    <a:masterClrMapping/>
+  </p:clrMapOvr>
+</p:sld>
+</file>
+
+<file path=ppt/slides/slide27.xml><?xml version="1.0" encoding="utf-8"?>
 <p:sld xmlns:a="http://schemas.openxmlformats.org/drawingml/2006/main" xmlns:r="http://schemas.openxmlformats.org/officeDocument/2006/relationships" xmlns:p="http://schemas.openxmlformats.org/presentationml/2006/main">
   <p:cSld>
     <p:spTree>
@@ -14376,7 +15376,7 @@
 </p:sld>
 </file>
 
-<file path=ppt/slides/slide24.xml><?xml version="1.0" encoding="utf-8"?>
+<file path=ppt/slides/slide28.xml><?xml version="1.0" encoding="utf-8"?>
 <p:sld xmlns:a="http://schemas.openxmlformats.org/drawingml/2006/main" xmlns:r="http://schemas.openxmlformats.org/officeDocument/2006/relationships" xmlns:p="http://schemas.openxmlformats.org/presentationml/2006/main">
   <p:cSld>
     <p:spTree>
@@ -14606,7 +15606,7 @@
 </p:sld>
 </file>
 
-<file path=ppt/slides/slide25.xml><?xml version="1.0" encoding="utf-8"?>
+<file path=ppt/slides/slide29.xml><?xml version="1.0" encoding="utf-8"?>
 <p:sld xmlns:a="http://schemas.openxmlformats.org/drawingml/2006/main" xmlns:r="http://schemas.openxmlformats.org/officeDocument/2006/relationships" xmlns:p="http://schemas.openxmlformats.org/presentationml/2006/main">
   <p:cSld>
     <p:spTree>
@@ -14813,7 +15813,243 @@
 </p:sld>
 </file>
 
-<file path=ppt/slides/slide26.xml><?xml version="1.0" encoding="utf-8"?>
+<file path=ppt/slides/slide3.xml><?xml version="1.0" encoding="utf-8"?>
+<p:sld xmlns:a="http://schemas.openxmlformats.org/drawingml/2006/main" xmlns:r="http://schemas.openxmlformats.org/officeDocument/2006/relationships" xmlns:p="http://schemas.openxmlformats.org/presentationml/2006/main">
+  <p:cSld>
+    <p:spTree>
+      <p:nvGrpSpPr>
+        <p:cNvPr id="1" name="Shape 77"/>
+        <p:cNvGrpSpPr/>
+        <p:nvPr/>
+      </p:nvGrpSpPr>
+      <p:grpSpPr>
+        <a:xfrm>
+          <a:off x="0" y="0"/>
+          <a:ext cx="0" cy="0"/>
+          <a:chOff x="0" y="0"/>
+          <a:chExt cx="0" cy="0"/>
+        </a:xfrm>
+      </p:grpSpPr>
+      <p:sp>
+        <p:nvSpPr>
+          <p:cNvPr id="78" name="Google Shape;78;p15"/>
+          <p:cNvSpPr txBox="1">
+            <a:spLocks noGrp="1"/>
+          </p:cNvSpPr>
+          <p:nvPr>
+            <p:ph type="title"/>
+          </p:nvPr>
+        </p:nvSpPr>
+        <p:spPr>
+          <a:xfrm>
+            <a:off x="311700" y="445025"/>
+            <a:ext cx="8520600" cy="707400"/>
+          </a:xfrm>
+          <a:prstGeom prst="rect">
+            <a:avLst/>
+          </a:prstGeom>
+        </p:spPr>
+        <p:txBody>
+          <a:bodyPr spcFirstLastPara="1" wrap="square" lIns="91425" tIns="91425" rIns="91425" bIns="91425" anchor="t" anchorCtr="0">
+            <a:normAutofit fontScale="90000"/>
+          </a:bodyPr>
+          <a:lstStyle/>
+          <a:p>
+            <a:pPr marL="0" lvl="0" indent="0" algn="l" rtl="0">
+              <a:spcBef>
+                <a:spcPts val="0"/>
+              </a:spcBef>
+              <a:spcAft>
+                <a:spcPts val="0"/>
+              </a:spcAft>
+              <a:buNone/>
+            </a:pPr>
+            <a:r>
+              <a:rPr lang="hu"/>
+              <a:t>Felhasználási területek:</a:t>
+            </a:r>
+            <a:endParaRPr/>
+          </a:p>
+          <a:p>
+            <a:pPr marL="0" lvl="0" indent="0" algn="l" rtl="0">
+              <a:spcBef>
+                <a:spcPts val="0"/>
+              </a:spcBef>
+              <a:spcAft>
+                <a:spcPts val="0"/>
+              </a:spcAft>
+              <a:buNone/>
+            </a:pPr>
+            <a:endParaRPr/>
+          </a:p>
+          <a:p>
+            <a:pPr marL="0" lvl="0" indent="0" algn="l" rtl="0">
+              <a:spcBef>
+                <a:spcPts val="0"/>
+              </a:spcBef>
+              <a:spcAft>
+                <a:spcPts val="0"/>
+              </a:spcAft>
+              <a:buNone/>
+            </a:pPr>
+            <a:endParaRPr/>
+          </a:p>
+        </p:txBody>
+      </p:sp>
+      <p:sp>
+        <p:nvSpPr>
+          <p:cNvPr id="79" name="Google Shape;79;p15"/>
+          <p:cNvSpPr txBox="1">
+            <a:spLocks noGrp="1"/>
+          </p:cNvSpPr>
+          <p:nvPr>
+            <p:ph type="body" idx="1"/>
+          </p:nvPr>
+        </p:nvSpPr>
+        <p:spPr>
+          <a:xfrm>
+            <a:off x="311700" y="1266325"/>
+            <a:ext cx="8520600" cy="3302700"/>
+          </a:xfrm>
+          <a:prstGeom prst="rect">
+            <a:avLst/>
+          </a:prstGeom>
+        </p:spPr>
+        <p:txBody>
+          <a:bodyPr spcFirstLastPara="1" wrap="square" lIns="91425" tIns="91425" rIns="91425" bIns="91425" anchor="t" anchorCtr="0">
+            <a:normAutofit/>
+          </a:bodyPr>
+          <a:lstStyle/>
+          <a:p>
+            <a:pPr marL="457200" lvl="0" indent="-342900" algn="l" rtl="0">
+              <a:spcBef>
+                <a:spcPts val="0"/>
+              </a:spcBef>
+              <a:spcAft>
+                <a:spcPts val="0"/>
+              </a:spcAft>
+              <a:buSzPts val="1800"/>
+              <a:buChar char="●"/>
+            </a:pPr>
+            <a:r>
+              <a:rPr lang="hu"/>
+              <a:t>Pénzügyi tervezés és elemzés.</a:t>
+            </a:r>
+            <a:endParaRPr/>
+          </a:p>
+          <a:p>
+            <a:pPr marL="457200" lvl="0" indent="-342900" algn="l" rtl="0">
+              <a:spcBef>
+                <a:spcPts val="0"/>
+              </a:spcBef>
+              <a:spcAft>
+                <a:spcPts val="0"/>
+              </a:spcAft>
+              <a:buSzPts val="1800"/>
+              <a:buChar char="●"/>
+            </a:pPr>
+            <a:r>
+              <a:rPr lang="hu"/>
+              <a:t>Készletkezelés.</a:t>
+            </a:r>
+            <a:endParaRPr/>
+          </a:p>
+          <a:p>
+            <a:pPr marL="457200" lvl="0" indent="-342900" algn="l" rtl="0">
+              <a:spcBef>
+                <a:spcPts val="0"/>
+              </a:spcBef>
+              <a:spcAft>
+                <a:spcPts val="0"/>
+              </a:spcAft>
+              <a:buSzPts val="1800"/>
+              <a:buChar char="●"/>
+            </a:pPr>
+            <a:r>
+              <a:rPr lang="hu"/>
+              <a:t>Iskolai jegyzetek és nyilvántartások.</a:t>
+            </a:r>
+            <a:endParaRPr/>
+          </a:p>
+          <a:p>
+            <a:pPr marL="457200" lvl="0" indent="-342900" algn="l" rtl="0">
+              <a:spcBef>
+                <a:spcPts val="0"/>
+              </a:spcBef>
+              <a:spcAft>
+                <a:spcPts val="0"/>
+              </a:spcAft>
+              <a:buSzPts val="1800"/>
+              <a:buChar char="●"/>
+            </a:pPr>
+            <a:r>
+              <a:rPr lang="hu"/>
+              <a:t>Tudományos kutatás és statisztikai elemzések.</a:t>
+            </a:r>
+            <a:endParaRPr/>
+          </a:p>
+          <a:p>
+            <a:pPr marL="457200" lvl="0" indent="-342900" algn="l" rtl="0">
+              <a:spcBef>
+                <a:spcPts val="0"/>
+              </a:spcBef>
+              <a:spcAft>
+                <a:spcPts val="0"/>
+              </a:spcAft>
+              <a:buSzPts val="1800"/>
+              <a:buChar char="●"/>
+            </a:pPr>
+            <a:r>
+              <a:rPr lang="hu"/>
+              <a:t>Otthoni felhasználás:</a:t>
+            </a:r>
+            <a:endParaRPr/>
+          </a:p>
+          <a:p>
+            <a:pPr marL="914400" lvl="1" indent="-317500" algn="l" rtl="0">
+              <a:spcBef>
+                <a:spcPts val="0"/>
+              </a:spcBef>
+              <a:spcAft>
+                <a:spcPts val="0"/>
+              </a:spcAft>
+              <a:buSzPts val="1400"/>
+              <a:buChar char="○"/>
+            </a:pPr>
+            <a:r>
+              <a:rPr lang="hu"/>
+              <a:t>Családi költségvetés nyomon követése</a:t>
+            </a:r>
+            <a:endParaRPr/>
+          </a:p>
+          <a:p>
+            <a:pPr marL="914400" lvl="1" indent="-317500" algn="l" rtl="0">
+              <a:spcBef>
+                <a:spcPts val="0"/>
+              </a:spcBef>
+              <a:spcAft>
+                <a:spcPts val="0"/>
+              </a:spcAft>
+              <a:buSzPts val="1400"/>
+              <a:buChar char="○"/>
+            </a:pPr>
+            <a:r>
+              <a:rPr lang="hu"/>
+              <a:t>Autóval kapcsolatos szervizelések, tankolások nyomon követése</a:t>
+            </a:r>
+            <a:endParaRPr/>
+          </a:p>
+        </p:txBody>
+      </p:sp>
+    </p:spTree>
+  </p:cSld>
+  <p:clrMapOvr>
+    <a:masterClrMapping/>
+  </p:clrMapOvr>
+</p:sld>
+</file>
+
+<file path=ppt/slides/slide30.xml><?xml version="1.0" encoding="utf-8"?>
 <p:sld xmlns:a="http://schemas.openxmlformats.org/drawingml/2006/main" xmlns:r="http://schemas.openxmlformats.org/officeDocument/2006/relationships" xmlns:p="http://schemas.openxmlformats.org/presentationml/2006/main">
   <p:cSld>
     <p:spTree>
@@ -15020,7 +16256,7 @@
 </p:sld>
 </file>
 
-<file path=ppt/slides/slide27.xml><?xml version="1.0" encoding="utf-8"?>
+<file path=ppt/slides/slide31.xml><?xml version="1.0" encoding="utf-8"?>
 <p:sld xmlns:a="http://schemas.openxmlformats.org/drawingml/2006/main" xmlns:r="http://schemas.openxmlformats.org/officeDocument/2006/relationships" xmlns:p="http://schemas.openxmlformats.org/presentationml/2006/main">
   <p:cSld>
     <p:spTree>
@@ -15231,7 +16467,7 @@
 </p:sld>
 </file>
 
-<file path=ppt/slides/slide28.xml><?xml version="1.0" encoding="utf-8"?>
+<file path=ppt/slides/slide32.xml><?xml version="1.0" encoding="utf-8"?>
 <p:sld xmlns:a="http://schemas.openxmlformats.org/drawingml/2006/main" xmlns:r="http://schemas.openxmlformats.org/officeDocument/2006/relationships" xmlns:p="http://schemas.openxmlformats.org/presentationml/2006/main">
   <p:cSld>
     <p:spTree>
@@ -15434,7 +16670,7 @@
 </p:sld>
 </file>
 
-<file path=ppt/slides/slide29.xml><?xml version="1.0" encoding="utf-8"?>
+<file path=ppt/slides/slide33.xml><?xml version="1.0" encoding="utf-8"?>
 <p:sld xmlns:a="http://schemas.openxmlformats.org/drawingml/2006/main" xmlns:r="http://schemas.openxmlformats.org/officeDocument/2006/relationships" xmlns:p="http://schemas.openxmlformats.org/presentationml/2006/main">
   <p:cSld>
     <p:spTree>
@@ -15637,243 +16873,7 @@
 </p:sld>
 </file>
 
-<file path=ppt/slides/slide3.xml><?xml version="1.0" encoding="utf-8"?>
-<p:sld xmlns:a="http://schemas.openxmlformats.org/drawingml/2006/main" xmlns:r="http://schemas.openxmlformats.org/officeDocument/2006/relationships" xmlns:p="http://schemas.openxmlformats.org/presentationml/2006/main">
-  <p:cSld>
-    <p:spTree>
-      <p:nvGrpSpPr>
-        <p:cNvPr id="1" name="Shape 77"/>
-        <p:cNvGrpSpPr/>
-        <p:nvPr/>
-      </p:nvGrpSpPr>
-      <p:grpSpPr>
-        <a:xfrm>
-          <a:off x="0" y="0"/>
-          <a:ext cx="0" cy="0"/>
-          <a:chOff x="0" y="0"/>
-          <a:chExt cx="0" cy="0"/>
-        </a:xfrm>
-      </p:grpSpPr>
-      <p:sp>
-        <p:nvSpPr>
-          <p:cNvPr id="78" name="Google Shape;78;p15"/>
-          <p:cNvSpPr txBox="1">
-            <a:spLocks noGrp="1"/>
-          </p:cNvSpPr>
-          <p:nvPr>
-            <p:ph type="title"/>
-          </p:nvPr>
-        </p:nvSpPr>
-        <p:spPr>
-          <a:xfrm>
-            <a:off x="311700" y="445025"/>
-            <a:ext cx="8520600" cy="707400"/>
-          </a:xfrm>
-          <a:prstGeom prst="rect">
-            <a:avLst/>
-          </a:prstGeom>
-        </p:spPr>
-        <p:txBody>
-          <a:bodyPr spcFirstLastPara="1" wrap="square" lIns="91425" tIns="91425" rIns="91425" bIns="91425" anchor="t" anchorCtr="0">
-            <a:normAutofit fontScale="90000"/>
-          </a:bodyPr>
-          <a:lstStyle/>
-          <a:p>
-            <a:pPr marL="0" lvl="0" indent="0" algn="l" rtl="0">
-              <a:spcBef>
-                <a:spcPts val="0"/>
-              </a:spcBef>
-              <a:spcAft>
-                <a:spcPts val="0"/>
-              </a:spcAft>
-              <a:buNone/>
-            </a:pPr>
-            <a:r>
-              <a:rPr lang="hu"/>
-              <a:t>Felhasználási területek:</a:t>
-            </a:r>
-            <a:endParaRPr/>
-          </a:p>
-          <a:p>
-            <a:pPr marL="0" lvl="0" indent="0" algn="l" rtl="0">
-              <a:spcBef>
-                <a:spcPts val="0"/>
-              </a:spcBef>
-              <a:spcAft>
-                <a:spcPts val="0"/>
-              </a:spcAft>
-              <a:buNone/>
-            </a:pPr>
-            <a:endParaRPr/>
-          </a:p>
-          <a:p>
-            <a:pPr marL="0" lvl="0" indent="0" algn="l" rtl="0">
-              <a:spcBef>
-                <a:spcPts val="0"/>
-              </a:spcBef>
-              <a:spcAft>
-                <a:spcPts val="0"/>
-              </a:spcAft>
-              <a:buNone/>
-            </a:pPr>
-            <a:endParaRPr/>
-          </a:p>
-        </p:txBody>
-      </p:sp>
-      <p:sp>
-        <p:nvSpPr>
-          <p:cNvPr id="79" name="Google Shape;79;p15"/>
-          <p:cNvSpPr txBox="1">
-            <a:spLocks noGrp="1"/>
-          </p:cNvSpPr>
-          <p:nvPr>
-            <p:ph type="body" idx="1"/>
-          </p:nvPr>
-        </p:nvSpPr>
-        <p:spPr>
-          <a:xfrm>
-            <a:off x="311700" y="1266325"/>
-            <a:ext cx="8520600" cy="3302700"/>
-          </a:xfrm>
-          <a:prstGeom prst="rect">
-            <a:avLst/>
-          </a:prstGeom>
-        </p:spPr>
-        <p:txBody>
-          <a:bodyPr spcFirstLastPara="1" wrap="square" lIns="91425" tIns="91425" rIns="91425" bIns="91425" anchor="t" anchorCtr="0">
-            <a:normAutofit/>
-          </a:bodyPr>
-          <a:lstStyle/>
-          <a:p>
-            <a:pPr marL="457200" lvl="0" indent="-342900" algn="l" rtl="0">
-              <a:spcBef>
-                <a:spcPts val="0"/>
-              </a:spcBef>
-              <a:spcAft>
-                <a:spcPts val="0"/>
-              </a:spcAft>
-              <a:buSzPts val="1800"/>
-              <a:buChar char="●"/>
-            </a:pPr>
-            <a:r>
-              <a:rPr lang="hu"/>
-              <a:t>Pénzügyi tervezés és elemzés.</a:t>
-            </a:r>
-            <a:endParaRPr/>
-          </a:p>
-          <a:p>
-            <a:pPr marL="457200" lvl="0" indent="-342900" algn="l" rtl="0">
-              <a:spcBef>
-                <a:spcPts val="0"/>
-              </a:spcBef>
-              <a:spcAft>
-                <a:spcPts val="0"/>
-              </a:spcAft>
-              <a:buSzPts val="1800"/>
-              <a:buChar char="●"/>
-            </a:pPr>
-            <a:r>
-              <a:rPr lang="hu"/>
-              <a:t>Készletkezelés.</a:t>
-            </a:r>
-            <a:endParaRPr/>
-          </a:p>
-          <a:p>
-            <a:pPr marL="457200" lvl="0" indent="-342900" algn="l" rtl="0">
-              <a:spcBef>
-                <a:spcPts val="0"/>
-              </a:spcBef>
-              <a:spcAft>
-                <a:spcPts val="0"/>
-              </a:spcAft>
-              <a:buSzPts val="1800"/>
-              <a:buChar char="●"/>
-            </a:pPr>
-            <a:r>
-              <a:rPr lang="hu"/>
-              <a:t>Iskolai jegyzetek és nyilvántartások.</a:t>
-            </a:r>
-            <a:endParaRPr/>
-          </a:p>
-          <a:p>
-            <a:pPr marL="457200" lvl="0" indent="-342900" algn="l" rtl="0">
-              <a:spcBef>
-                <a:spcPts val="0"/>
-              </a:spcBef>
-              <a:spcAft>
-                <a:spcPts val="0"/>
-              </a:spcAft>
-              <a:buSzPts val="1800"/>
-              <a:buChar char="●"/>
-            </a:pPr>
-            <a:r>
-              <a:rPr lang="hu"/>
-              <a:t>Tudományos kutatás és statisztikai elemzések.</a:t>
-            </a:r>
-            <a:endParaRPr/>
-          </a:p>
-          <a:p>
-            <a:pPr marL="457200" lvl="0" indent="-342900" algn="l" rtl="0">
-              <a:spcBef>
-                <a:spcPts val="0"/>
-              </a:spcBef>
-              <a:spcAft>
-                <a:spcPts val="0"/>
-              </a:spcAft>
-              <a:buSzPts val="1800"/>
-              <a:buChar char="●"/>
-            </a:pPr>
-            <a:r>
-              <a:rPr lang="hu"/>
-              <a:t>Otthoni felhasználás:</a:t>
-            </a:r>
-            <a:endParaRPr/>
-          </a:p>
-          <a:p>
-            <a:pPr marL="914400" lvl="1" indent="-317500" algn="l" rtl="0">
-              <a:spcBef>
-                <a:spcPts val="0"/>
-              </a:spcBef>
-              <a:spcAft>
-                <a:spcPts val="0"/>
-              </a:spcAft>
-              <a:buSzPts val="1400"/>
-              <a:buChar char="○"/>
-            </a:pPr>
-            <a:r>
-              <a:rPr lang="hu"/>
-              <a:t>Családi költségvetés nyomon követése</a:t>
-            </a:r>
-            <a:endParaRPr/>
-          </a:p>
-          <a:p>
-            <a:pPr marL="914400" lvl="1" indent="-317500" algn="l" rtl="0">
-              <a:spcBef>
-                <a:spcPts val="0"/>
-              </a:spcBef>
-              <a:spcAft>
-                <a:spcPts val="0"/>
-              </a:spcAft>
-              <a:buSzPts val="1400"/>
-              <a:buChar char="○"/>
-            </a:pPr>
-            <a:r>
-              <a:rPr lang="hu"/>
-              <a:t>Autóval kapcsolatos szervizelések, tankolások nyomon követése</a:t>
-            </a:r>
-            <a:endParaRPr/>
-          </a:p>
-        </p:txBody>
-      </p:sp>
-    </p:spTree>
-  </p:cSld>
-  <p:clrMapOvr>
-    <a:masterClrMapping/>
-  </p:clrMapOvr>
-</p:sld>
-</file>
-
-<file path=ppt/slides/slide30.xml><?xml version="1.0" encoding="utf-8"?>
+<file path=ppt/slides/slide34.xml><?xml version="1.0" encoding="utf-8"?>
 <p:sld xmlns:a="http://schemas.openxmlformats.org/drawingml/2006/main" xmlns:r="http://schemas.openxmlformats.org/officeDocument/2006/relationships" xmlns:p="http://schemas.openxmlformats.org/presentationml/2006/main">
   <p:cSld>
     <p:spTree>
@@ -16165,7 +17165,7 @@
 </p:sld>
 </file>
 
-<file path=ppt/slides/slide31.xml><?xml version="1.0" encoding="utf-8"?>
+<file path=ppt/slides/slide35.xml><?xml version="1.0" encoding="utf-8"?>
 <p:sld xmlns:a="http://schemas.openxmlformats.org/drawingml/2006/main" xmlns:r="http://schemas.openxmlformats.org/officeDocument/2006/relationships" xmlns:p="http://schemas.openxmlformats.org/presentationml/2006/main">
   <p:cSld>
     <p:spTree>
@@ -16376,7 +17376,7 @@
 </p:sld>
 </file>
 
-<file path=ppt/slides/slide32.xml><?xml version="1.0" encoding="utf-8"?>
+<file path=ppt/slides/slide36.xml><?xml version="1.0" encoding="utf-8"?>
 <p:sld xmlns:a="http://schemas.openxmlformats.org/drawingml/2006/main" xmlns:r="http://schemas.openxmlformats.org/officeDocument/2006/relationships" xmlns:p="http://schemas.openxmlformats.org/presentationml/2006/main">
   <p:cSld>
     <p:spTree>
@@ -16595,7 +17595,7 @@
 </p:sld>
 </file>
 
-<file path=ppt/slides/slide33.xml><?xml version="1.0" encoding="utf-8"?>
+<file path=ppt/slides/slide37.xml><?xml version="1.0" encoding="utf-8"?>
 <p:sld xmlns:a="http://schemas.openxmlformats.org/drawingml/2006/main" xmlns:r="http://schemas.openxmlformats.org/officeDocument/2006/relationships" xmlns:p="http://schemas.openxmlformats.org/presentationml/2006/main">
   <p:cSld>
     <p:spTree>
@@ -16662,7 +17662,7 @@
 </p:sld>
 </file>
 
-<file path=ppt/slides/slide34.xml><?xml version="1.0" encoding="utf-8"?>
+<file path=ppt/slides/slide38.xml><?xml version="1.0" encoding="utf-8"?>
 <p:sld xmlns:a="http://schemas.openxmlformats.org/drawingml/2006/main" xmlns:r="http://schemas.openxmlformats.org/officeDocument/2006/relationships" xmlns:p="http://schemas.openxmlformats.org/presentationml/2006/main">
   <p:cSld>
     <p:spTree>
@@ -16809,7 +17809,7 @@
 </p:sld>
 </file>
 
-<file path=ppt/slides/slide35.xml><?xml version="1.0" encoding="utf-8"?>
+<file path=ppt/slides/slide39.xml><?xml version="1.0" encoding="utf-8"?>
 <p:sld xmlns:a="http://schemas.openxmlformats.org/drawingml/2006/main" xmlns:r="http://schemas.openxmlformats.org/officeDocument/2006/relationships" xmlns:p="http://schemas.openxmlformats.org/presentationml/2006/main">
   <p:cSld>
     <p:spTree>
@@ -17180,7 +18180,265 @@
 </p:sld>
 </file>
 
-<file path=ppt/slides/slide36.xml><?xml version="1.0" encoding="utf-8"?>
+<file path=ppt/slides/slide4.xml><?xml version="1.0" encoding="utf-8"?>
+<p:sld xmlns:a="http://schemas.openxmlformats.org/drawingml/2006/main" xmlns:r="http://schemas.openxmlformats.org/officeDocument/2006/relationships" xmlns:p="http://schemas.openxmlformats.org/presentationml/2006/main">
+  <p:cSld>
+    <p:spTree>
+      <p:nvGrpSpPr>
+        <p:cNvPr id="1" name="Shape 83"/>
+        <p:cNvGrpSpPr/>
+        <p:nvPr/>
+      </p:nvGrpSpPr>
+      <p:grpSpPr>
+        <a:xfrm>
+          <a:off x="0" y="0"/>
+          <a:ext cx="0" cy="0"/>
+          <a:chOff x="0" y="0"/>
+          <a:chExt cx="0" cy="0"/>
+        </a:xfrm>
+      </p:grpSpPr>
+      <p:sp>
+        <p:nvSpPr>
+          <p:cNvPr id="84" name="Google Shape;84;p16"/>
+          <p:cNvSpPr txBox="1">
+            <a:spLocks noGrp="1"/>
+          </p:cNvSpPr>
+          <p:nvPr>
+            <p:ph type="title"/>
+          </p:nvPr>
+        </p:nvSpPr>
+        <p:spPr>
+          <a:xfrm>
+            <a:off x="311700" y="445025"/>
+            <a:ext cx="8520600" cy="707400"/>
+          </a:xfrm>
+          <a:prstGeom prst="rect">
+            <a:avLst/>
+          </a:prstGeom>
+        </p:spPr>
+        <p:txBody>
+          <a:bodyPr spcFirstLastPara="1" wrap="square" lIns="91425" tIns="91425" rIns="91425" bIns="91425" anchor="t" anchorCtr="0">
+            <a:normAutofit fontScale="90000"/>
+          </a:bodyPr>
+          <a:lstStyle/>
+          <a:p>
+            <a:pPr marL="0" lvl="0" indent="0" algn="l" rtl="0">
+              <a:spcBef>
+                <a:spcPts val="0"/>
+              </a:spcBef>
+              <a:spcAft>
+                <a:spcPts val="0"/>
+              </a:spcAft>
+              <a:buNone/>
+            </a:pPr>
+            <a:r>
+              <a:rPr lang="hu"/>
+              <a:t>A táblázatkezelés története</a:t>
+            </a:r>
+            <a:endParaRPr/>
+          </a:p>
+        </p:txBody>
+      </p:sp>
+      <p:sp>
+        <p:nvSpPr>
+          <p:cNvPr id="85" name="Google Shape;85;p16"/>
+          <p:cNvSpPr txBox="1">
+            <a:spLocks noGrp="1"/>
+          </p:cNvSpPr>
+          <p:nvPr>
+            <p:ph type="body" idx="1"/>
+          </p:nvPr>
+        </p:nvSpPr>
+        <p:spPr>
+          <a:xfrm>
+            <a:off x="311700" y="1152475"/>
+            <a:ext cx="8520600" cy="1268400"/>
+          </a:xfrm>
+          <a:prstGeom prst="rect">
+            <a:avLst/>
+          </a:prstGeom>
+        </p:spPr>
+        <p:txBody>
+          <a:bodyPr spcFirstLastPara="1" wrap="square" lIns="91425" tIns="91425" rIns="91425" bIns="91425" anchor="t" anchorCtr="0">
+            <a:normAutofit fontScale="85000" lnSpcReduction="10000"/>
+          </a:bodyPr>
+          <a:lstStyle/>
+          <a:p>
+            <a:pPr marL="0" lvl="0" indent="0" algn="l" rtl="0">
+              <a:spcBef>
+                <a:spcPts val="0"/>
+              </a:spcBef>
+              <a:spcAft>
+                <a:spcPts val="1200"/>
+              </a:spcAft>
+              <a:buNone/>
+            </a:pPr>
+            <a:r>
+              <a:rPr lang="hu"/>
+              <a:t>Az első széles körben elterjedt táblázatkezelő program, a </a:t>
+            </a:r>
+            <a:r>
+              <a:rPr lang="hu" b="1"/>
+              <a:t>VisiCalc</a:t>
+            </a:r>
+            <a:r>
+              <a:rPr lang="hu"/>
+              <a:t>, amelyet két egyetemista, Dan Bricklin és Bob Frankston készített, 1979-ben jelent meg az Apple II számítógépen, utolsó változatát 1985-ben adták ki. A táblázatkezelő elvi felépítése azóta sem változott.</a:t>
+            </a:r>
+            <a:endParaRPr/>
+          </a:p>
+        </p:txBody>
+      </p:sp>
+      <p:pic>
+        <p:nvPicPr>
+          <p:cNvPr id="86" name="Google Shape;86;p16"/>
+          <p:cNvPicPr preferRelativeResize="0"/>
+          <p:nvPr/>
+        </p:nvPicPr>
+        <p:blipFill>
+          <a:blip r:embed="rId3">
+            <a:alphaModFix/>
+          </a:blip>
+          <a:stretch>
+            <a:fillRect/>
+          </a:stretch>
+        </p:blipFill>
+        <p:spPr>
+          <a:xfrm>
+            <a:off x="469500" y="2420875"/>
+            <a:ext cx="4500875" cy="2417825"/>
+          </a:xfrm>
+          <a:prstGeom prst="rect">
+            <a:avLst/>
+          </a:prstGeom>
+          <a:noFill/>
+          <a:ln>
+            <a:noFill/>
+          </a:ln>
+        </p:spPr>
+      </p:pic>
+      <p:pic>
+        <p:nvPicPr>
+          <p:cNvPr id="87" name="Google Shape;87;p16" descr="A look at the original electronic spreadsheet &quot;VisiCalc&quot; for the Apple II.  VisiCalc's release was one of two extremely important events to secure Apple's success.  The other was its deal with MECC enabling its dominance in the educational market." title="VisiCalc: The First Electronic Spreadsheet">
+            <a:hlinkClick r:id="rId4"/>
+          </p:cNvPr>
+          <p:cNvPicPr preferRelativeResize="0"/>
+          <p:nvPr/>
+        </p:nvPicPr>
+        <p:blipFill>
+          <a:blip r:embed="rId5">
+            <a:alphaModFix/>
+          </a:blip>
+          <a:stretch>
+            <a:fillRect/>
+          </a:stretch>
+        </p:blipFill>
+        <p:spPr>
+          <a:xfrm>
+            <a:off x="5122775" y="2573275"/>
+            <a:ext cx="3048000" cy="1714500"/>
+          </a:xfrm>
+          <a:prstGeom prst="rect">
+            <a:avLst/>
+          </a:prstGeom>
+          <a:noFill/>
+          <a:ln>
+            <a:noFill/>
+          </a:ln>
+        </p:spPr>
+      </p:pic>
+    </p:spTree>
+  </p:cSld>
+  <p:clrMapOvr>
+    <a:masterClrMapping/>
+  </p:clrMapOvr>
+  <p:timing>
+    <p:tnLst>
+      <p:par>
+        <p:cTn id="1" dur="indefinite" restart="never" nodeType="tmRoot">
+          <p:childTnLst>
+            <p:seq concurrent="1" nextAc="seek">
+              <p:cTn id="2" dur="indefinite" nodeType="mainSeq">
+                <p:childTnLst>
+                  <p:par>
+                    <p:cTn id="3" fill="hold">
+                      <p:stCondLst>
+                        <p:cond delay="indefinite"/>
+                      </p:stCondLst>
+                      <p:childTnLst>
+                        <p:par>
+                          <p:cTn id="4" fill="hold">
+                            <p:stCondLst>
+                              <p:cond delay="0"/>
+                            </p:stCondLst>
+                            <p:childTnLst>
+                              <p:par>
+                                <p:cTn id="5" presetID="10" presetClass="entr" presetSubtype="0" fill="hold" nodeType="clickEffect">
+                                  <p:stCondLst>
+                                    <p:cond delay="0"/>
+                                  </p:stCondLst>
+                                  <p:childTnLst>
+                                    <p:set>
+                                      <p:cBhvr>
+                                        <p:cTn id="6" dur="1" fill="hold">
+                                          <p:stCondLst>
+                                            <p:cond delay="0"/>
+                                          </p:stCondLst>
+                                        </p:cTn>
+                                        <p:tgtEl>
+                                          <p:spTgt spid="87"/>
+                                        </p:tgtEl>
+                                        <p:attrNameLst>
+                                          <p:attrName>style.visibility</p:attrName>
+                                        </p:attrNameLst>
+                                      </p:cBhvr>
+                                      <p:to>
+                                        <p:strVal val="visible"/>
+                                      </p:to>
+                                    </p:set>
+                                    <p:animEffect transition="in" filter="fade">
+                                      <p:cBhvr>
+                                        <p:cTn id="7" dur="1000"/>
+                                        <p:tgtEl>
+                                          <p:spTgt spid="87"/>
+                                        </p:tgtEl>
+                                      </p:cBhvr>
+                                    </p:animEffect>
+                                  </p:childTnLst>
+                                </p:cTn>
+                              </p:par>
+                            </p:childTnLst>
+                          </p:cTn>
+                        </p:par>
+                      </p:childTnLst>
+                    </p:cTn>
+                  </p:par>
+                </p:childTnLst>
+              </p:cTn>
+              <p:prevCondLst>
+                <p:cond evt="onPrev" delay="0">
+                  <p:tgtEl>
+                    <p:sldTgt/>
+                  </p:tgtEl>
+                </p:cond>
+              </p:prevCondLst>
+              <p:nextCondLst>
+                <p:cond evt="onNext" delay="0">
+                  <p:tgtEl>
+                    <p:sldTgt/>
+                  </p:tgtEl>
+                </p:cond>
+              </p:nextCondLst>
+            </p:seq>
+          </p:childTnLst>
+        </p:cTn>
+      </p:par>
+    </p:tnLst>
+  </p:timing>
+</p:sld>
+</file>
+
+<file path=ppt/slides/slide40.xml><?xml version="1.0" encoding="utf-8"?>
 <p:sld xmlns:a="http://schemas.openxmlformats.org/drawingml/2006/main" xmlns:r="http://schemas.openxmlformats.org/officeDocument/2006/relationships" xmlns:p="http://schemas.openxmlformats.org/presentationml/2006/main">
   <p:cSld>
     <p:spTree>
@@ -18471,7 +19729,7 @@
 </p:sld>
 </file>
 
-<file path=ppt/slides/slide37.xml><?xml version="1.0" encoding="utf-8"?>
+<file path=ppt/slides/slide41.xml><?xml version="1.0" encoding="utf-8"?>
 <p:sld xmlns:a="http://schemas.openxmlformats.org/drawingml/2006/main" xmlns:r="http://schemas.openxmlformats.org/officeDocument/2006/relationships" xmlns:p="http://schemas.openxmlformats.org/presentationml/2006/main">
   <p:cSld>
     <p:spTree>
@@ -18648,7 +19906,7 @@
 </p:sld>
 </file>
 
-<file path=ppt/slides/slide38.xml><?xml version="1.0" encoding="utf-8"?>
+<file path=ppt/slides/slide42.xml><?xml version="1.0" encoding="utf-8"?>
 <p:sld xmlns:a="http://schemas.openxmlformats.org/drawingml/2006/main" xmlns:r="http://schemas.openxmlformats.org/officeDocument/2006/relationships" xmlns:p="http://schemas.openxmlformats.org/presentationml/2006/main">
   <p:cSld>
     <p:spTree>
@@ -18869,7 +20127,7 @@
 </p:sld>
 </file>
 
-<file path=ppt/slides/slide39.xml><?xml version="1.0" encoding="utf-8"?>
+<file path=ppt/slides/slide43.xml><?xml version="1.0" encoding="utf-8"?>
 <p:sld xmlns:a="http://schemas.openxmlformats.org/drawingml/2006/main" xmlns:r="http://schemas.openxmlformats.org/officeDocument/2006/relationships" xmlns:p="http://schemas.openxmlformats.org/presentationml/2006/main">
   <p:cSld>
     <p:spTree>
@@ -19486,265 +20744,7 @@
 </p:sld>
 </file>
 
-<file path=ppt/slides/slide4.xml><?xml version="1.0" encoding="utf-8"?>
-<p:sld xmlns:a="http://schemas.openxmlformats.org/drawingml/2006/main" xmlns:r="http://schemas.openxmlformats.org/officeDocument/2006/relationships" xmlns:p="http://schemas.openxmlformats.org/presentationml/2006/main">
-  <p:cSld>
-    <p:spTree>
-      <p:nvGrpSpPr>
-        <p:cNvPr id="1" name="Shape 83"/>
-        <p:cNvGrpSpPr/>
-        <p:nvPr/>
-      </p:nvGrpSpPr>
-      <p:grpSpPr>
-        <a:xfrm>
-          <a:off x="0" y="0"/>
-          <a:ext cx="0" cy="0"/>
-          <a:chOff x="0" y="0"/>
-          <a:chExt cx="0" cy="0"/>
-        </a:xfrm>
-      </p:grpSpPr>
-      <p:sp>
-        <p:nvSpPr>
-          <p:cNvPr id="84" name="Google Shape;84;p16"/>
-          <p:cNvSpPr txBox="1">
-            <a:spLocks noGrp="1"/>
-          </p:cNvSpPr>
-          <p:nvPr>
-            <p:ph type="title"/>
-          </p:nvPr>
-        </p:nvSpPr>
-        <p:spPr>
-          <a:xfrm>
-            <a:off x="311700" y="445025"/>
-            <a:ext cx="8520600" cy="707400"/>
-          </a:xfrm>
-          <a:prstGeom prst="rect">
-            <a:avLst/>
-          </a:prstGeom>
-        </p:spPr>
-        <p:txBody>
-          <a:bodyPr spcFirstLastPara="1" wrap="square" lIns="91425" tIns="91425" rIns="91425" bIns="91425" anchor="t" anchorCtr="0">
-            <a:normAutofit fontScale="90000"/>
-          </a:bodyPr>
-          <a:lstStyle/>
-          <a:p>
-            <a:pPr marL="0" lvl="0" indent="0" algn="l" rtl="0">
-              <a:spcBef>
-                <a:spcPts val="0"/>
-              </a:spcBef>
-              <a:spcAft>
-                <a:spcPts val="0"/>
-              </a:spcAft>
-              <a:buNone/>
-            </a:pPr>
-            <a:r>
-              <a:rPr lang="hu"/>
-              <a:t>A táblázatkezelés története</a:t>
-            </a:r>
-            <a:endParaRPr/>
-          </a:p>
-        </p:txBody>
-      </p:sp>
-      <p:sp>
-        <p:nvSpPr>
-          <p:cNvPr id="85" name="Google Shape;85;p16"/>
-          <p:cNvSpPr txBox="1">
-            <a:spLocks noGrp="1"/>
-          </p:cNvSpPr>
-          <p:nvPr>
-            <p:ph type="body" idx="1"/>
-          </p:nvPr>
-        </p:nvSpPr>
-        <p:spPr>
-          <a:xfrm>
-            <a:off x="311700" y="1152475"/>
-            <a:ext cx="8520600" cy="1268400"/>
-          </a:xfrm>
-          <a:prstGeom prst="rect">
-            <a:avLst/>
-          </a:prstGeom>
-        </p:spPr>
-        <p:txBody>
-          <a:bodyPr spcFirstLastPara="1" wrap="square" lIns="91425" tIns="91425" rIns="91425" bIns="91425" anchor="t" anchorCtr="0">
-            <a:normAutofit fontScale="85000" lnSpcReduction="10000"/>
-          </a:bodyPr>
-          <a:lstStyle/>
-          <a:p>
-            <a:pPr marL="0" lvl="0" indent="0" algn="l" rtl="0">
-              <a:spcBef>
-                <a:spcPts val="0"/>
-              </a:spcBef>
-              <a:spcAft>
-                <a:spcPts val="1200"/>
-              </a:spcAft>
-              <a:buNone/>
-            </a:pPr>
-            <a:r>
-              <a:rPr lang="hu"/>
-              <a:t>Az első széles körben elterjedt táblázatkezelő program, a </a:t>
-            </a:r>
-            <a:r>
-              <a:rPr lang="hu" b="1"/>
-              <a:t>VisiCalc</a:t>
-            </a:r>
-            <a:r>
-              <a:rPr lang="hu"/>
-              <a:t>, amelyet két egyetemista, Dan Bricklin és Bob Frankston készített, 1979-ben jelent meg az Apple II számítógépen, utolsó változatát 1985-ben adták ki. A táblázatkezelő elvi felépítése azóta sem változott.</a:t>
-            </a:r>
-            <a:endParaRPr/>
-          </a:p>
-        </p:txBody>
-      </p:sp>
-      <p:pic>
-        <p:nvPicPr>
-          <p:cNvPr id="86" name="Google Shape;86;p16"/>
-          <p:cNvPicPr preferRelativeResize="0"/>
-          <p:nvPr/>
-        </p:nvPicPr>
-        <p:blipFill>
-          <a:blip r:embed="rId3">
-            <a:alphaModFix/>
-          </a:blip>
-          <a:stretch>
-            <a:fillRect/>
-          </a:stretch>
-        </p:blipFill>
-        <p:spPr>
-          <a:xfrm>
-            <a:off x="469500" y="2420875"/>
-            <a:ext cx="4500875" cy="2417825"/>
-          </a:xfrm>
-          <a:prstGeom prst="rect">
-            <a:avLst/>
-          </a:prstGeom>
-          <a:noFill/>
-          <a:ln>
-            <a:noFill/>
-          </a:ln>
-        </p:spPr>
-      </p:pic>
-      <p:pic>
-        <p:nvPicPr>
-          <p:cNvPr id="87" name="Google Shape;87;p16" descr="A look at the original electronic spreadsheet &quot;VisiCalc&quot; for the Apple II.  VisiCalc's release was one of two extremely important events to secure Apple's success.  The other was its deal with MECC enabling its dominance in the educational market." title="VisiCalc: The First Electronic Spreadsheet">
-            <a:hlinkClick r:id="rId4"/>
-          </p:cNvPr>
-          <p:cNvPicPr preferRelativeResize="0"/>
-          <p:nvPr/>
-        </p:nvPicPr>
-        <p:blipFill>
-          <a:blip r:embed="rId5">
-            <a:alphaModFix/>
-          </a:blip>
-          <a:stretch>
-            <a:fillRect/>
-          </a:stretch>
-        </p:blipFill>
-        <p:spPr>
-          <a:xfrm>
-            <a:off x="5122775" y="2573275"/>
-            <a:ext cx="3048000" cy="1714500"/>
-          </a:xfrm>
-          <a:prstGeom prst="rect">
-            <a:avLst/>
-          </a:prstGeom>
-          <a:noFill/>
-          <a:ln>
-            <a:noFill/>
-          </a:ln>
-        </p:spPr>
-      </p:pic>
-    </p:spTree>
-  </p:cSld>
-  <p:clrMapOvr>
-    <a:masterClrMapping/>
-  </p:clrMapOvr>
-  <p:timing>
-    <p:tnLst>
-      <p:par>
-        <p:cTn id="1" dur="indefinite" restart="never" nodeType="tmRoot">
-          <p:childTnLst>
-            <p:seq concurrent="1" nextAc="seek">
-              <p:cTn id="2" dur="indefinite" nodeType="mainSeq">
-                <p:childTnLst>
-                  <p:par>
-                    <p:cTn id="3" fill="hold">
-                      <p:stCondLst>
-                        <p:cond delay="indefinite"/>
-                      </p:stCondLst>
-                      <p:childTnLst>
-                        <p:par>
-                          <p:cTn id="4" fill="hold">
-                            <p:stCondLst>
-                              <p:cond delay="0"/>
-                            </p:stCondLst>
-                            <p:childTnLst>
-                              <p:par>
-                                <p:cTn id="5" presetID="10" presetClass="entr" presetSubtype="0" fill="hold" nodeType="clickEffect">
-                                  <p:stCondLst>
-                                    <p:cond delay="0"/>
-                                  </p:stCondLst>
-                                  <p:childTnLst>
-                                    <p:set>
-                                      <p:cBhvr>
-                                        <p:cTn id="6" dur="1" fill="hold">
-                                          <p:stCondLst>
-                                            <p:cond delay="0"/>
-                                          </p:stCondLst>
-                                        </p:cTn>
-                                        <p:tgtEl>
-                                          <p:spTgt spid="87"/>
-                                        </p:tgtEl>
-                                        <p:attrNameLst>
-                                          <p:attrName>style.visibility</p:attrName>
-                                        </p:attrNameLst>
-                                      </p:cBhvr>
-                                      <p:to>
-                                        <p:strVal val="visible"/>
-                                      </p:to>
-                                    </p:set>
-                                    <p:animEffect transition="in" filter="fade">
-                                      <p:cBhvr>
-                                        <p:cTn id="7" dur="1000"/>
-                                        <p:tgtEl>
-                                          <p:spTgt spid="87"/>
-                                        </p:tgtEl>
-                                      </p:cBhvr>
-                                    </p:animEffect>
-                                  </p:childTnLst>
-                                </p:cTn>
-                              </p:par>
-                            </p:childTnLst>
-                          </p:cTn>
-                        </p:par>
-                      </p:childTnLst>
-                    </p:cTn>
-                  </p:par>
-                </p:childTnLst>
-              </p:cTn>
-              <p:prevCondLst>
-                <p:cond evt="onPrev" delay="0">
-                  <p:tgtEl>
-                    <p:sldTgt/>
-                  </p:tgtEl>
-                </p:cond>
-              </p:prevCondLst>
-              <p:nextCondLst>
-                <p:cond evt="onNext" delay="0">
-                  <p:tgtEl>
-                    <p:sldTgt/>
-                  </p:tgtEl>
-                </p:cond>
-              </p:nextCondLst>
-            </p:seq>
-          </p:childTnLst>
-        </p:cTn>
-      </p:par>
-    </p:tnLst>
-  </p:timing>
-</p:sld>
-</file>
-
-<file path=ppt/slides/slide40.xml><?xml version="1.0" encoding="utf-8"?>
+<file path=ppt/slides/slide44.xml><?xml version="1.0" encoding="utf-8"?>
 <p:sld xmlns:a="http://schemas.openxmlformats.org/drawingml/2006/main" xmlns:r="http://schemas.openxmlformats.org/officeDocument/2006/relationships" xmlns:p="http://schemas.openxmlformats.org/presentationml/2006/main">
   <p:cSld>
     <p:spTree>
@@ -20071,7 +21071,7 @@
 </p:sld>
 </file>
 
-<file path=ppt/slides/slide41.xml><?xml version="1.0" encoding="utf-8"?>
+<file path=ppt/slides/slide45.xml><?xml version="1.0" encoding="utf-8"?>
 <p:sld xmlns:a="http://schemas.openxmlformats.org/drawingml/2006/main" xmlns:r="http://schemas.openxmlformats.org/officeDocument/2006/relationships" xmlns:p="http://schemas.openxmlformats.org/presentationml/2006/main">
   <p:cSld>
     <p:spTree>
@@ -21160,7 +22160,7 @@
 </p:sld>
 </file>
 
-<file path=ppt/slides/slide42.xml><?xml version="1.0" encoding="utf-8"?>
+<file path=ppt/slides/slide46.xml><?xml version="1.0" encoding="utf-8"?>
 <p:sld xmlns:a="http://schemas.openxmlformats.org/drawingml/2006/main" xmlns:r="http://schemas.openxmlformats.org/officeDocument/2006/relationships" xmlns:p="http://schemas.openxmlformats.org/presentationml/2006/main">
   <p:cSld>
     <p:spTree>
@@ -21436,7 +22436,7 @@
 </p:sld>
 </file>
 
-<file path=ppt/slides/slide43.xml><?xml version="1.0" encoding="utf-8"?>
+<file path=ppt/slides/slide47.xml><?xml version="1.0" encoding="utf-8"?>
 <p:sld xmlns:a="http://schemas.openxmlformats.org/drawingml/2006/main" xmlns:r="http://schemas.openxmlformats.org/officeDocument/2006/relationships" xmlns:p="http://schemas.openxmlformats.org/presentationml/2006/main">
   <p:cSld>
     <p:spTree>
@@ -21575,7 +22575,7 @@
 </p:sld>
 </file>
 
-<file path=ppt/slides/slide44.xml><?xml version="1.0" encoding="utf-8"?>
+<file path=ppt/slides/slide48.xml><?xml version="1.0" encoding="utf-8"?>
 <p:sld xmlns:a="http://schemas.openxmlformats.org/drawingml/2006/main" xmlns:r="http://schemas.openxmlformats.org/officeDocument/2006/relationships" xmlns:p="http://schemas.openxmlformats.org/presentationml/2006/main">
   <p:cSld>
     <p:spTree>
